--- a/module10/lec35_Classification.pptx
+++ b/module10/lec35_Classification.pptx
@@ -5,32 +5,143 @@
     <p:sldMasterId id="2147483648" r:id="rId1"/>
   </p:sldMasterIdLst>
   <p:sldIdLst>
-    <p:sldId id="256" r:id="rId6"/>
-    <p:sldId id="257" r:id="rId7"/>
-    <p:sldId id="258" r:id="rId8"/>
-    <p:sldId id="259" r:id="rId9"/>
-    <p:sldId id="260" r:id="rId10"/>
-    <p:sldId id="261" r:id="rId11"/>
-    <p:sldId id="262" r:id="rId12"/>
-    <p:sldId id="263" r:id="rId13"/>
-    <p:sldId id="264" r:id="rId14"/>
-    <p:sldId id="265" r:id="rId15"/>
-    <p:sldId id="266" r:id="rId16"/>
-    <p:sldId id="267" r:id="rId17"/>
-    <p:sldId id="268" r:id="rId18"/>
-    <p:sldId id="269" r:id="rId19"/>
-    <p:sldId id="270" r:id="rId20"/>
-    <p:sldId id="271" r:id="rId21"/>
-    <p:sldId id="272" r:id="rId22"/>
-    <p:sldId id="273" r:id="rId23"/>
+    <p:sldId id="256" r:id="rId2"/>
+    <p:sldId id="257" r:id="rId3"/>
+    <p:sldId id="258" r:id="rId4"/>
+    <p:sldId id="259" r:id="rId5"/>
+    <p:sldId id="260" r:id="rId6"/>
+    <p:sldId id="261" r:id="rId7"/>
+    <p:sldId id="262" r:id="rId8"/>
+    <p:sldId id="263" r:id="rId9"/>
+    <p:sldId id="264" r:id="rId10"/>
+    <p:sldId id="265" r:id="rId11"/>
+    <p:sldId id="266" r:id="rId12"/>
+    <p:sldId id="267" r:id="rId13"/>
+    <p:sldId id="268" r:id="rId14"/>
+    <p:sldId id="269" r:id="rId15"/>
+    <p:sldId id="270" r:id="rId16"/>
+    <p:sldId id="271" r:id="rId17"/>
+    <p:sldId id="272" r:id="rId18"/>
+    <p:sldId id="273" r:id="rId19"/>
   </p:sldIdLst>
-  <p:sldSz cx="9144000" cy="5143500"/>
+  <p:sldSz cx="9144000" cy="5143500" type="screen16x9"/>
   <p:notesSz cx="9144000" cy="5143500"/>
+  <p:defaultTextStyle>
+    <a:defPPr>
+      <a:defRPr lang="en-US"/>
+    </a:defPPr>
+    <a:lvl1pPr marL="0" algn="l" defTabSz="914400" rtl="0" eaLnBrk="1" latinLnBrk="0" hangingPunct="1">
+      <a:defRPr sz="1800" kern="1200">
+        <a:solidFill>
+          <a:schemeClr val="tx1"/>
+        </a:solidFill>
+        <a:latin typeface="+mn-lt"/>
+        <a:ea typeface="+mn-ea"/>
+        <a:cs typeface="+mn-cs"/>
+      </a:defRPr>
+    </a:lvl1pPr>
+    <a:lvl2pPr marL="457200" algn="l" defTabSz="914400" rtl="0" eaLnBrk="1" latinLnBrk="0" hangingPunct="1">
+      <a:defRPr sz="1800" kern="1200">
+        <a:solidFill>
+          <a:schemeClr val="tx1"/>
+        </a:solidFill>
+        <a:latin typeface="+mn-lt"/>
+        <a:ea typeface="+mn-ea"/>
+        <a:cs typeface="+mn-cs"/>
+      </a:defRPr>
+    </a:lvl2pPr>
+    <a:lvl3pPr marL="914400" algn="l" defTabSz="914400" rtl="0" eaLnBrk="1" latinLnBrk="0" hangingPunct="1">
+      <a:defRPr sz="1800" kern="1200">
+        <a:solidFill>
+          <a:schemeClr val="tx1"/>
+        </a:solidFill>
+        <a:latin typeface="+mn-lt"/>
+        <a:ea typeface="+mn-ea"/>
+        <a:cs typeface="+mn-cs"/>
+      </a:defRPr>
+    </a:lvl3pPr>
+    <a:lvl4pPr marL="1371600" algn="l" defTabSz="914400" rtl="0" eaLnBrk="1" latinLnBrk="0" hangingPunct="1">
+      <a:defRPr sz="1800" kern="1200">
+        <a:solidFill>
+          <a:schemeClr val="tx1"/>
+        </a:solidFill>
+        <a:latin typeface="+mn-lt"/>
+        <a:ea typeface="+mn-ea"/>
+        <a:cs typeface="+mn-cs"/>
+      </a:defRPr>
+    </a:lvl4pPr>
+    <a:lvl5pPr marL="1828800" algn="l" defTabSz="914400" rtl="0" eaLnBrk="1" latinLnBrk="0" hangingPunct="1">
+      <a:defRPr sz="1800" kern="1200">
+        <a:solidFill>
+          <a:schemeClr val="tx1"/>
+        </a:solidFill>
+        <a:latin typeface="+mn-lt"/>
+        <a:ea typeface="+mn-ea"/>
+        <a:cs typeface="+mn-cs"/>
+      </a:defRPr>
+    </a:lvl5pPr>
+    <a:lvl6pPr marL="2286000" algn="l" defTabSz="914400" rtl="0" eaLnBrk="1" latinLnBrk="0" hangingPunct="1">
+      <a:defRPr sz="1800" kern="1200">
+        <a:solidFill>
+          <a:schemeClr val="tx1"/>
+        </a:solidFill>
+        <a:latin typeface="+mn-lt"/>
+        <a:ea typeface="+mn-ea"/>
+        <a:cs typeface="+mn-cs"/>
+      </a:defRPr>
+    </a:lvl6pPr>
+    <a:lvl7pPr marL="2743200" algn="l" defTabSz="914400" rtl="0" eaLnBrk="1" latinLnBrk="0" hangingPunct="1">
+      <a:defRPr sz="1800" kern="1200">
+        <a:solidFill>
+          <a:schemeClr val="tx1"/>
+        </a:solidFill>
+        <a:latin typeface="+mn-lt"/>
+        <a:ea typeface="+mn-ea"/>
+        <a:cs typeface="+mn-cs"/>
+      </a:defRPr>
+    </a:lvl7pPr>
+    <a:lvl8pPr marL="3200400" algn="l" defTabSz="914400" rtl="0" eaLnBrk="1" latinLnBrk="0" hangingPunct="1">
+      <a:defRPr sz="1800" kern="1200">
+        <a:solidFill>
+          <a:schemeClr val="tx1"/>
+        </a:solidFill>
+        <a:latin typeface="+mn-lt"/>
+        <a:ea typeface="+mn-ea"/>
+        <a:cs typeface="+mn-cs"/>
+      </a:defRPr>
+    </a:lvl8pPr>
+    <a:lvl9pPr marL="3657600" algn="l" defTabSz="914400" rtl="0" eaLnBrk="1" latinLnBrk="0" hangingPunct="1">
+      <a:defRPr sz="1800" kern="1200">
+        <a:solidFill>
+          <a:schemeClr val="tx1"/>
+        </a:solidFill>
+        <a:latin typeface="+mn-lt"/>
+        <a:ea typeface="+mn-ea"/>
+        <a:cs typeface="+mn-cs"/>
+      </a:defRPr>
+    </a:lvl9pPr>
+  </p:defaultTextStyle>
+  <p:extLst>
+    <p:ext uri="{EFAFB233-063F-42B5-8137-9DF3F51BA10A}">
+      <p15:sldGuideLst xmlns:p15="http://schemas.microsoft.com/office/powerpoint/2012/main">
+        <p15:guide id="1" orient="horz" pos="2880">
+          <p15:clr>
+            <a:srgbClr val="A4A3A4"/>
+          </p15:clr>
+        </p15:guide>
+        <p15:guide id="2" pos="2160">
+          <p15:clr>
+            <a:srgbClr val="A4A3A4"/>
+          </p15:clr>
+        </p15:guide>
+      </p15:sldGuideLst>
+    </p:ext>
+  </p:extLst>
 </p:presentation>
 </file>
 
 <file path=ppt/slideLayouts/slideLayout1.xml><?xml version="1.0" encoding="utf-8"?>
-<p:sldLayout xmlns:a="http://schemas.openxmlformats.org/drawingml/2006/main" xmlns:r="http://schemas.openxmlformats.org/officeDocument/2006/relationships" xmlns:p="http://schemas.openxmlformats.org/presentationml/2006/main" preserve="1" type="obj">
+<p:sldLayout xmlns:a="http://schemas.openxmlformats.org/drawingml/2006/main" xmlns:r="http://schemas.openxmlformats.org/officeDocument/2006/relationships" xmlns:p="http://schemas.openxmlformats.org/presentationml/2006/main" type="obj" preserve="1">
   <p:cSld name="Title Slide">
     <p:spTree>
       <p:nvGrpSpPr>
@@ -78,7 +189,9 @@
               </a:defRPr>
             </a:lvl1pPr>
           </a:lstStyle>
-          <a:p/>
+          <a:p>
+            <a:endParaRPr/>
+          </a:p>
         </p:txBody>
       </p:sp>
       <p:sp>
@@ -109,7 +222,9 @@
               <a:defRPr/>
             </a:lvl1pPr>
           </a:lstStyle>
-          <a:p/>
+          <a:p>
+            <a:endParaRPr/>
+          </a:p>
         </p:txBody>
       </p:sp>
       <p:sp>
@@ -119,7 +234,7 @@
             <a:spLocks noGrp="1"/>
           </p:cNvSpPr>
           <p:nvPr>
-            <p:ph type="ftr" idx="5" sz="quarter"/>
+            <p:ph type="ftr" sz="quarter" idx="5"/>
           </p:nvPr>
         </p:nvSpPr>
         <p:spPr/>
@@ -136,7 +251,9 @@
               </a:defRPr>
             </a:lvl1pPr>
           </a:lstStyle>
-          <a:p/>
+          <a:p>
+            <a:endParaRPr/>
+          </a:p>
         </p:txBody>
       </p:sp>
       <p:sp>
@@ -146,7 +263,7 @@
             <a:spLocks noGrp="1"/>
           </p:cNvSpPr>
           <p:nvPr>
-            <p:ph type="dt" idx="6" sz="half"/>
+            <p:ph type="dt" sz="half" idx="6"/>
           </p:nvPr>
         </p:nvSpPr>
         <p:spPr/>
@@ -166,7 +283,9 @@
           <a:p>
             <a:fld id="{1D8BD707-D9CF-40AE-B4C6-C98DA3205C09}" type="datetimeFigureOut">
               <a:rPr lang="en-US"/>
+              <a:t>5/2/2023</a:t>
             </a:fld>
+            <a:endParaRPr lang="en-US"/>
           </a:p>
         </p:txBody>
       </p:sp>
@@ -177,7 +296,7 @@
             <a:spLocks noGrp="1"/>
           </p:cNvSpPr>
           <p:nvPr>
-            <p:ph type="sldNum" idx="7" sz="quarter"/>
+            <p:ph type="sldNum" sz="quarter" idx="7"/>
           </p:nvPr>
         </p:nvSpPr>
         <p:spPr/>
@@ -196,8 +315,9 @@
           </a:lstStyle>
           <a:p>
             <a:fld id="{B6F15528-21DE-4FAA-801E-634DDDAF4B2B}" type="slidenum">
-              <a:t>#</a:t>
+              <a:t>‹#›</a:t>
             </a:fld>
+            <a:endParaRPr/>
           </a:p>
         </p:txBody>
       </p:sp>
@@ -210,7 +330,7 @@
 </file>
 
 <file path=ppt/slideLayouts/slideLayout2.xml><?xml version="1.0" encoding="utf-8"?>
-<p:sldLayout xmlns:a="http://schemas.openxmlformats.org/drawingml/2006/main" xmlns:r="http://schemas.openxmlformats.org/officeDocument/2006/relationships" xmlns:p="http://schemas.openxmlformats.org/presentationml/2006/main" preserve="1" type="obj">
+<p:sldLayout xmlns:a="http://schemas.openxmlformats.org/drawingml/2006/main" xmlns:r="http://schemas.openxmlformats.org/officeDocument/2006/relationships" xmlns:p="http://schemas.openxmlformats.org/presentationml/2006/main" type="obj" preserve="1">
   <p:cSld name="Title and Content">
     <p:spTree>
       <p:nvGrpSpPr>
@@ -250,7 +370,9 @@
               </a:defRPr>
             </a:lvl1pPr>
           </a:lstStyle>
-          <a:p/>
+          <a:p>
+            <a:endParaRPr/>
+          </a:p>
         </p:txBody>
       </p:sp>
       <p:sp>
@@ -275,7 +397,9 @@
               </a:defRPr>
             </a:lvl1pPr>
           </a:lstStyle>
-          <a:p/>
+          <a:p>
+            <a:endParaRPr/>
+          </a:p>
         </p:txBody>
       </p:sp>
       <p:sp>
@@ -285,7 +409,7 @@
             <a:spLocks noGrp="1"/>
           </p:cNvSpPr>
           <p:nvPr>
-            <p:ph type="ftr" idx="5" sz="quarter"/>
+            <p:ph type="ftr" sz="quarter" idx="5"/>
           </p:nvPr>
         </p:nvSpPr>
         <p:spPr/>
@@ -302,7 +426,9 @@
               </a:defRPr>
             </a:lvl1pPr>
           </a:lstStyle>
-          <a:p/>
+          <a:p>
+            <a:endParaRPr/>
+          </a:p>
         </p:txBody>
       </p:sp>
       <p:sp>
@@ -312,7 +438,7 @@
             <a:spLocks noGrp="1"/>
           </p:cNvSpPr>
           <p:nvPr>
-            <p:ph type="dt" idx="6" sz="half"/>
+            <p:ph type="dt" sz="half" idx="6"/>
           </p:nvPr>
         </p:nvSpPr>
         <p:spPr/>
@@ -332,7 +458,9 @@
           <a:p>
             <a:fld id="{1D8BD707-D9CF-40AE-B4C6-C98DA3205C09}" type="datetimeFigureOut">
               <a:rPr lang="en-US"/>
+              <a:t>5/2/2023</a:t>
             </a:fld>
+            <a:endParaRPr lang="en-US"/>
           </a:p>
         </p:txBody>
       </p:sp>
@@ -343,7 +471,7 @@
             <a:spLocks noGrp="1"/>
           </p:cNvSpPr>
           <p:nvPr>
-            <p:ph type="sldNum" idx="7" sz="quarter"/>
+            <p:ph type="sldNum" sz="quarter" idx="7"/>
           </p:nvPr>
         </p:nvSpPr>
         <p:spPr/>
@@ -362,8 +490,9 @@
           </a:lstStyle>
           <a:p>
             <a:fld id="{B6F15528-21DE-4FAA-801E-634DDDAF4B2B}" type="slidenum">
-              <a:t>#</a:t>
+              <a:t>‹#›</a:t>
             </a:fld>
+            <a:endParaRPr/>
           </a:p>
         </p:txBody>
       </p:sp>
@@ -376,7 +505,7 @@
 </file>
 
 <file path=ppt/slideLayouts/slideLayout3.xml><?xml version="1.0" encoding="utf-8"?>
-<p:sldLayout xmlns:a="http://schemas.openxmlformats.org/drawingml/2006/main" xmlns:r="http://schemas.openxmlformats.org/officeDocument/2006/relationships" xmlns:p="http://schemas.openxmlformats.org/presentationml/2006/main" preserve="1" type="obj">
+<p:sldLayout xmlns:a="http://schemas.openxmlformats.org/drawingml/2006/main" xmlns:r="http://schemas.openxmlformats.org/officeDocument/2006/relationships" xmlns:p="http://schemas.openxmlformats.org/presentationml/2006/main" type="obj" preserve="1">
   <p:cSld name="Two Content">
     <p:spTree>
       <p:nvGrpSpPr>
@@ -416,7 +545,9 @@
               </a:defRPr>
             </a:lvl1pPr>
           </a:lstStyle>
-          <a:p/>
+          <a:p>
+            <a:endParaRPr/>
+          </a:p>
         </p:txBody>
       </p:sp>
       <p:sp>
@@ -426,7 +557,7 @@
             <a:spLocks noGrp="1"/>
           </p:cNvSpPr>
           <p:nvPr>
-            <p:ph idx="2" sz="half"/>
+            <p:ph sz="half" idx="2"/>
           </p:nvPr>
         </p:nvSpPr>
         <p:spPr>
@@ -447,7 +578,9 @@
               <a:defRPr/>
             </a:lvl1pPr>
           </a:lstStyle>
-          <a:p/>
+          <a:p>
+            <a:endParaRPr/>
+          </a:p>
         </p:txBody>
       </p:sp>
       <p:sp>
@@ -457,7 +590,7 @@
             <a:spLocks noGrp="1"/>
           </p:cNvSpPr>
           <p:nvPr>
-            <p:ph idx="3" sz="half"/>
+            <p:ph sz="half" idx="3"/>
           </p:nvPr>
         </p:nvSpPr>
         <p:spPr>
@@ -478,7 +611,9 @@
               <a:defRPr/>
             </a:lvl1pPr>
           </a:lstStyle>
-          <a:p/>
+          <a:p>
+            <a:endParaRPr/>
+          </a:p>
         </p:txBody>
       </p:sp>
       <p:sp>
@@ -488,7 +623,7 @@
             <a:spLocks noGrp="1"/>
           </p:cNvSpPr>
           <p:nvPr>
-            <p:ph type="ftr" idx="5" sz="quarter"/>
+            <p:ph type="ftr" sz="quarter" idx="5"/>
           </p:nvPr>
         </p:nvSpPr>
         <p:spPr/>
@@ -505,7 +640,9 @@
               </a:defRPr>
             </a:lvl1pPr>
           </a:lstStyle>
-          <a:p/>
+          <a:p>
+            <a:endParaRPr/>
+          </a:p>
         </p:txBody>
       </p:sp>
       <p:sp>
@@ -515,7 +652,7 @@
             <a:spLocks noGrp="1"/>
           </p:cNvSpPr>
           <p:nvPr>
-            <p:ph type="dt" idx="6" sz="half"/>
+            <p:ph type="dt" sz="half" idx="6"/>
           </p:nvPr>
         </p:nvSpPr>
         <p:spPr/>
@@ -535,7 +672,9 @@
           <a:p>
             <a:fld id="{1D8BD707-D9CF-40AE-B4C6-C98DA3205C09}" type="datetimeFigureOut">
               <a:rPr lang="en-US"/>
+              <a:t>5/2/2023</a:t>
             </a:fld>
+            <a:endParaRPr lang="en-US"/>
           </a:p>
         </p:txBody>
       </p:sp>
@@ -546,7 +685,7 @@
             <a:spLocks noGrp="1"/>
           </p:cNvSpPr>
           <p:nvPr>
-            <p:ph type="sldNum" idx="7" sz="quarter"/>
+            <p:ph type="sldNum" sz="quarter" idx="7"/>
           </p:nvPr>
         </p:nvSpPr>
         <p:spPr/>
@@ -565,8 +704,9 @@
           </a:lstStyle>
           <a:p>
             <a:fld id="{B6F15528-21DE-4FAA-801E-634DDDAF4B2B}" type="slidenum">
-              <a:t>#</a:t>
+              <a:t>‹#›</a:t>
             </a:fld>
+            <a:endParaRPr/>
           </a:p>
         </p:txBody>
       </p:sp>
@@ -579,7 +719,7 @@
 </file>
 
 <file path=ppt/slideLayouts/slideLayout4.xml><?xml version="1.0" encoding="utf-8"?>
-<p:sldLayout xmlns:a="http://schemas.openxmlformats.org/drawingml/2006/main" xmlns:r="http://schemas.openxmlformats.org/officeDocument/2006/relationships" xmlns:p="http://schemas.openxmlformats.org/presentationml/2006/main" preserve="1" type="obj" showMasterSp="0">
+<p:sldLayout xmlns:a="http://schemas.openxmlformats.org/drawingml/2006/main" xmlns:r="http://schemas.openxmlformats.org/officeDocument/2006/relationships" xmlns:p="http://schemas.openxmlformats.org/presentationml/2006/main" showMasterSp="0" type="obj" preserve="1">
   <p:cSld name="Title Only">
     <p:bg>
       <p:bgPr>
@@ -627,7 +767,9 @@
               </a:defRPr>
             </a:lvl1pPr>
           </a:lstStyle>
-          <a:p/>
+          <a:p>
+            <a:endParaRPr/>
+          </a:p>
         </p:txBody>
       </p:sp>
       <p:sp>
@@ -637,7 +779,7 @@
             <a:spLocks noGrp="1"/>
           </p:cNvSpPr>
           <p:nvPr>
-            <p:ph type="ftr" idx="5" sz="quarter"/>
+            <p:ph type="ftr" sz="quarter" idx="5"/>
           </p:nvPr>
         </p:nvSpPr>
         <p:spPr/>
@@ -654,7 +796,9 @@
               </a:defRPr>
             </a:lvl1pPr>
           </a:lstStyle>
-          <a:p/>
+          <a:p>
+            <a:endParaRPr/>
+          </a:p>
         </p:txBody>
       </p:sp>
       <p:sp>
@@ -664,7 +808,7 @@
             <a:spLocks noGrp="1"/>
           </p:cNvSpPr>
           <p:nvPr>
-            <p:ph type="dt" idx="6" sz="half"/>
+            <p:ph type="dt" sz="half" idx="6"/>
           </p:nvPr>
         </p:nvSpPr>
         <p:spPr/>
@@ -684,7 +828,9 @@
           <a:p>
             <a:fld id="{1D8BD707-D9CF-40AE-B4C6-C98DA3205C09}" type="datetimeFigureOut">
               <a:rPr lang="en-US"/>
+              <a:t>5/2/2023</a:t>
             </a:fld>
+            <a:endParaRPr lang="en-US"/>
           </a:p>
         </p:txBody>
       </p:sp>
@@ -695,7 +841,7 @@
             <a:spLocks noGrp="1"/>
           </p:cNvSpPr>
           <p:nvPr>
-            <p:ph type="sldNum" idx="7" sz="quarter"/>
+            <p:ph type="sldNum" sz="quarter" idx="7"/>
           </p:nvPr>
         </p:nvSpPr>
         <p:spPr/>
@@ -714,8 +860,9 @@
           </a:lstStyle>
           <a:p>
             <a:fld id="{B6F15528-21DE-4FAA-801E-634DDDAF4B2B}" type="slidenum">
-              <a:t>#</a:t>
+              <a:t>‹#›</a:t>
             </a:fld>
+            <a:endParaRPr/>
           </a:p>
         </p:txBody>
       </p:sp>
@@ -728,7 +875,7 @@
 </file>
 
 <file path=ppt/slideLayouts/slideLayout5.xml><?xml version="1.0" encoding="utf-8"?>
-<p:sldLayout xmlns:a="http://schemas.openxmlformats.org/drawingml/2006/main" xmlns:r="http://schemas.openxmlformats.org/officeDocument/2006/relationships" xmlns:p="http://schemas.openxmlformats.org/presentationml/2006/main" preserve="1" type="obj">
+<p:sldLayout xmlns:a="http://schemas.openxmlformats.org/drawingml/2006/main" xmlns:r="http://schemas.openxmlformats.org/officeDocument/2006/relationships" xmlns:p="http://schemas.openxmlformats.org/presentationml/2006/main" type="obj" preserve="1">
   <p:cSld name="Blank">
     <p:spTree>
       <p:nvGrpSpPr>
@@ -751,7 +898,7 @@
             <a:spLocks noGrp="1"/>
           </p:cNvSpPr>
           <p:nvPr>
-            <p:ph type="ftr" idx="5" sz="quarter"/>
+            <p:ph type="ftr" sz="quarter" idx="5"/>
           </p:nvPr>
         </p:nvSpPr>
         <p:spPr/>
@@ -768,7 +915,9 @@
               </a:defRPr>
             </a:lvl1pPr>
           </a:lstStyle>
-          <a:p/>
+          <a:p>
+            <a:endParaRPr/>
+          </a:p>
         </p:txBody>
       </p:sp>
       <p:sp>
@@ -778,7 +927,7 @@
             <a:spLocks noGrp="1"/>
           </p:cNvSpPr>
           <p:nvPr>
-            <p:ph type="dt" idx="6" sz="half"/>
+            <p:ph type="dt" sz="half" idx="6"/>
           </p:nvPr>
         </p:nvSpPr>
         <p:spPr/>
@@ -798,7 +947,9 @@
           <a:p>
             <a:fld id="{1D8BD707-D9CF-40AE-B4C6-C98DA3205C09}" type="datetimeFigureOut">
               <a:rPr lang="en-US"/>
+              <a:t>5/2/2023</a:t>
             </a:fld>
+            <a:endParaRPr lang="en-US"/>
           </a:p>
         </p:txBody>
       </p:sp>
@@ -809,7 +960,7 @@
             <a:spLocks noGrp="1"/>
           </p:cNvSpPr>
           <p:nvPr>
-            <p:ph type="sldNum" idx="7" sz="quarter"/>
+            <p:ph type="sldNum" sz="quarter" idx="7"/>
           </p:nvPr>
         </p:nvSpPr>
         <p:spPr/>
@@ -828,8 +979,9 @@
           </a:lstStyle>
           <a:p>
             <a:fld id="{B6F15528-21DE-4FAA-801E-634DDDAF4B2B}" type="slidenum">
-              <a:t>#</a:t>
+              <a:t>‹#›</a:t>
             </a:fld>
+            <a:endParaRPr/>
           </a:p>
         </p:txBody>
       </p:sp>
@@ -884,7 +1036,7 @@
             <a:cxnLst/>
             <a:rect l="l" t="t" r="r" b="b"/>
             <a:pathLst>
-              <a:path w="8229600" h="0">
+              <a:path w="8229600">
                 <a:moveTo>
                   <a:pt x="0" y="0"/>
                 </a:moveTo>
@@ -903,7 +1055,9 @@
         <p:txBody>
           <a:bodyPr wrap="square" lIns="0" tIns="0" rIns="0" bIns="0" rtlCol="0"/>
           <a:lstStyle/>
-          <a:p/>
+          <a:p>
+            <a:endParaRPr/>
+          </a:p>
         </p:txBody>
       </p:sp>
       <p:sp>
@@ -924,7 +1078,7 @@
             <a:cxnLst/>
             <a:rect l="l" t="t" r="r" b="b"/>
             <a:pathLst>
-              <a:path w="8229600" h="0">
+              <a:path w="8229600">
                 <a:moveTo>
                   <a:pt x="0" y="0"/>
                 </a:moveTo>
@@ -943,7 +1097,9 @@
         <p:txBody>
           <a:bodyPr wrap="square" lIns="0" tIns="0" rIns="0" bIns="0" rtlCol="0"/>
           <a:lstStyle/>
-          <a:p/>
+          <a:p>
+            <a:endParaRPr/>
+          </a:p>
         </p:txBody>
       </p:sp>
       <p:sp>
@@ -980,7 +1136,9 @@
               </a:defRPr>
             </a:lvl1pPr>
           </a:lstStyle>
-          <a:p/>
+          <a:p>
+            <a:endParaRPr/>
+          </a:p>
         </p:txBody>
       </p:sp>
       <p:sp>
@@ -1015,7 +1173,9 @@
               </a:defRPr>
             </a:lvl1pPr>
           </a:lstStyle>
-          <a:p/>
+          <a:p>
+            <a:endParaRPr/>
+          </a:p>
         </p:txBody>
       </p:sp>
       <p:sp>
@@ -1025,7 +1185,7 @@
             <a:spLocks noGrp="1"/>
           </p:cNvSpPr>
           <p:nvPr>
-            <p:ph type="ftr" idx="5" sz="quarter"/>
+            <p:ph type="ftr" sz="quarter" idx="5"/>
           </p:nvPr>
         </p:nvSpPr>
         <p:spPr>
@@ -1052,7 +1212,9 @@
               </a:defRPr>
             </a:lvl1pPr>
           </a:lstStyle>
-          <a:p/>
+          <a:p>
+            <a:endParaRPr/>
+          </a:p>
         </p:txBody>
       </p:sp>
       <p:sp>
@@ -1062,7 +1224,7 @@
             <a:spLocks noGrp="1"/>
           </p:cNvSpPr>
           <p:nvPr>
-            <p:ph type="dt" idx="6" sz="half"/>
+            <p:ph type="dt" sz="half" idx="6"/>
           </p:nvPr>
         </p:nvSpPr>
         <p:spPr>
@@ -1092,7 +1254,9 @@
           <a:p>
             <a:fld id="{1D8BD707-D9CF-40AE-B4C6-C98DA3205C09}" type="datetimeFigureOut">
               <a:rPr lang="en-US"/>
+              <a:t>5/2/2023</a:t>
             </a:fld>
+            <a:endParaRPr lang="en-US"/>
           </a:p>
         </p:txBody>
       </p:sp>
@@ -1103,7 +1267,7 @@
             <a:spLocks noGrp="1"/>
           </p:cNvSpPr>
           <p:nvPr>
-            <p:ph type="sldNum" idx="7" sz="quarter"/>
+            <p:ph type="sldNum" sz="quarter" idx="7"/>
           </p:nvPr>
         </p:nvSpPr>
         <p:spPr>
@@ -1132,14 +1296,15 @@
           </a:lstStyle>
           <a:p>
             <a:fld id="{B6F15528-21DE-4FAA-801E-634DDDAF4B2B}" type="slidenum">
-              <a:t>#</a:t>
+              <a:t>‹#›</a:t>
             </a:fld>
+            <a:endParaRPr/>
           </a:p>
         </p:txBody>
       </p:sp>
     </p:spTree>
   </p:cSld>
-  <p:clrMap folHlink="folHlink" hlink="hlink" accent1="accent1" accent2="accent2" accent3="accent3" accent4="accent4" accent5="accent5" accent6="accent6" tx2="dk2" bg2="lt2" tx1="dk1" bg1="lt1"/>
+  <p:clrMap bg1="lt1" tx1="dk1" bg2="lt2" tx2="dk2" accent1="accent1" accent2="accent2" accent3="accent3" accent4="accent4" accent5="accent5" accent6="accent6" hlink="hlink" folHlink="folHlink"/>
   <p:sldLayoutIdLst>
     <p:sldLayoutId id="2147483661" r:id="rId1"/>
     <p:sldLayoutId id="2147483662" r:id="rId2"/>
@@ -1345,7 +1510,9 @@
         <p:txBody>
           <a:bodyPr wrap="square" lIns="0" tIns="0" rIns="0" bIns="0" rtlCol="0"/>
           <a:lstStyle/>
-          <a:p/>
+          <a:p>
+            <a:endParaRPr/>
+          </a:p>
         </p:txBody>
       </p:sp>
       <p:sp>
@@ -1364,7 +1531,7 @@
           </a:prstGeom>
         </p:spPr>
         <p:txBody>
-          <a:bodyPr wrap="square" lIns="0" tIns="12700" rIns="0" bIns="0" rtlCol="0" vert="horz">
+          <a:bodyPr vert="horz" wrap="square" lIns="0" tIns="12700" rIns="0" bIns="0" rtlCol="0">
             <a:spAutoFit/>
           </a:bodyPr>
           <a:lstStyle/>
@@ -1378,7 +1545,7 @@
               </a:spcBef>
             </a:pPr>
             <a:r>
-              <a:rPr dirty="0" sz="2800" spc="-80" b="1">
+              <a:rPr sz="2800" b="1" spc="-80" dirty="0">
                 <a:solidFill>
                   <a:srgbClr val="003162"/>
                 </a:solidFill>
@@ -1388,7 +1555,7 @@
               <a:t>D</a:t>
             </a:r>
             <a:r>
-              <a:rPr dirty="0" sz="2000" spc="-80" b="1">
+              <a:rPr sz="2000" b="1" spc="-80" dirty="0">
                 <a:solidFill>
                   <a:srgbClr val="003162"/>
                 </a:solidFill>
@@ -1398,7 +1565,7 @@
               <a:t>ATA</a:t>
             </a:r>
             <a:r>
-              <a:rPr dirty="0" sz="2000" spc="130" b="1">
+              <a:rPr sz="2000" b="1" spc="130" dirty="0">
                 <a:solidFill>
                   <a:srgbClr val="003162"/>
                 </a:solidFill>
@@ -1408,7 +1575,7 @@
               <a:t> </a:t>
             </a:r>
             <a:r>
-              <a:rPr dirty="0" sz="2800" b="1">
+              <a:rPr sz="2800" b="1" dirty="0">
                 <a:solidFill>
                   <a:srgbClr val="003162"/>
                 </a:solidFill>
@@ -1417,7 +1584,7 @@
               </a:rPr>
               <a:t>8</a:t>
             </a:r>
-            <a:endParaRPr sz="2800">
+            <a:endParaRPr sz="2800" dirty="0">
               <a:latin typeface="Arial"/>
               <a:cs typeface="Arial"/>
             </a:endParaRPr>
@@ -1432,7 +1599,7 @@
               </a:spcBef>
             </a:pPr>
             <a:r>
-              <a:rPr dirty="0" sz="1400" spc="-5" b="1">
+              <a:rPr sz="1400" b="1" spc="-5" dirty="0">
                 <a:solidFill>
                   <a:srgbClr val="C4820D"/>
                 </a:solidFill>
@@ -1442,7 +1609,7 @@
               <a:t>Sprin</a:t>
             </a:r>
             <a:r>
-              <a:rPr dirty="0" sz="1400" b="1">
+              <a:rPr sz="1400" b="1" dirty="0">
                 <a:solidFill>
                   <a:srgbClr val="C4820D"/>
                 </a:solidFill>
@@ -1452,16 +1619,36 @@
               <a:t>g</a:t>
             </a:r>
             <a:r>
-              <a:rPr dirty="0" sz="1400" spc="-5" b="1">
+              <a:rPr sz="1400" b="1" spc="-5" dirty="0">
                 <a:solidFill>
                   <a:srgbClr val="C4820D"/>
                 </a:solidFill>
                 <a:latin typeface="Arial"/>
                 <a:cs typeface="Arial"/>
               </a:rPr>
-              <a:t> 2020</a:t>
-            </a:r>
-            <a:endParaRPr sz="1400">
+              <a:t> </a:t>
+            </a:r>
+            <a:r>
+              <a:rPr sz="1400" b="1" spc="-5" dirty="0" smtClean="0">
+                <a:solidFill>
+                  <a:srgbClr val="C4820D"/>
+                </a:solidFill>
+                <a:latin typeface="Arial"/>
+                <a:cs typeface="Arial"/>
+              </a:rPr>
+              <a:t>202</a:t>
+            </a:r>
+            <a:r>
+              <a:rPr lang="en-US" sz="1400" b="1" spc="-5" dirty="0" smtClean="0">
+                <a:solidFill>
+                  <a:srgbClr val="C4820D"/>
+                </a:solidFill>
+                <a:latin typeface="Arial"/>
+                <a:cs typeface="Arial"/>
+              </a:rPr>
+              <a:t>3</a:t>
+            </a:r>
+            <a:endParaRPr sz="1400" dirty="0">
               <a:latin typeface="Arial"/>
               <a:cs typeface="Arial"/>
             </a:endParaRPr>
@@ -1505,10 +1692,12 @@
             <a:off x="3044825" y="1866887"/>
             <a:ext cx="2306955" cy="574040"/>
           </a:xfrm>
-          <a:prstGeom prst="rect"/>
+          <a:prstGeom prst="rect">
+            <a:avLst/>
+          </a:prstGeom>
         </p:spPr>
         <p:txBody>
-          <a:bodyPr wrap="square" lIns="0" tIns="12700" rIns="0" bIns="0" rtlCol="0" vert="horz">
+          <a:bodyPr vert="horz" wrap="square" lIns="0" tIns="12700" rIns="0" bIns="0" rtlCol="0">
             <a:spAutoFit/>
           </a:bodyPr>
           <a:lstStyle/>
@@ -1522,15 +1711,15 @@
               </a:spcBef>
             </a:pPr>
             <a:r>
-              <a:rPr dirty="0" spc="-10"/>
+              <a:rPr spc="-10" dirty="0"/>
               <a:t>Lecture</a:t>
             </a:r>
             <a:r>
-              <a:rPr dirty="0" spc="-90"/>
-              <a:t> </a:t>
-            </a:r>
-            <a:r>
-              <a:rPr dirty="0" spc="-5"/>
+              <a:rPr spc="-90" dirty="0"/>
+              <a:t> </a:t>
+            </a:r>
+            <a:r>
+              <a:rPr spc="-5" dirty="0"/>
               <a:t>35</a:t>
             </a:r>
           </a:p>
@@ -1552,7 +1741,7 @@
           </a:prstGeom>
         </p:spPr>
         <p:txBody>
-          <a:bodyPr wrap="square" lIns="0" tIns="12700" rIns="0" bIns="0" rtlCol="0" vert="horz">
+          <a:bodyPr vert="horz" wrap="square" lIns="0" tIns="12700" rIns="0" bIns="0" rtlCol="0">
             <a:spAutoFit/>
           </a:bodyPr>
           <a:lstStyle/>
@@ -1566,7 +1755,7 @@
               </a:spcBef>
             </a:pPr>
             <a:r>
-              <a:rPr dirty="0" sz="1800" spc="-5">
+              <a:rPr sz="1800" spc="-5" dirty="0">
                 <a:latin typeface="Arial MT"/>
                 <a:cs typeface="Arial MT"/>
               </a:rPr>
@@ -1620,7 +1809,7 @@
           </a:prstGeom>
         </p:spPr>
         <p:txBody>
-          <a:bodyPr wrap="square" lIns="0" tIns="12700" rIns="0" bIns="0" rtlCol="0" vert="horz">
+          <a:bodyPr vert="horz" wrap="square" lIns="0" tIns="12700" rIns="0" bIns="0" rtlCol="0">
             <a:spAutoFit/>
           </a:bodyPr>
           <a:lstStyle/>
@@ -1634,7 +1823,7 @@
               </a:spcBef>
             </a:pPr>
             <a:r>
-              <a:rPr dirty="0" sz="3600" spc="-5" b="1">
+              <a:rPr sz="3600" b="1" spc="-5" dirty="0">
                 <a:solidFill>
                   <a:srgbClr val="3B7EA1"/>
                 </a:solidFill>
@@ -1644,7 +1833,7 @@
               <a:t>Classification</a:t>
             </a:r>
             <a:r>
-              <a:rPr dirty="0" sz="3600" spc="-90" b="1">
+              <a:rPr sz="3600" b="1" spc="-90" dirty="0">
                 <a:solidFill>
                   <a:srgbClr val="3B7EA1"/>
                 </a:solidFill>
@@ -1654,7 +1843,7 @@
               <a:t> </a:t>
             </a:r>
             <a:r>
-              <a:rPr dirty="0" sz="3600" spc="-5" b="1">
+              <a:rPr sz="3600" b="1" spc="-5" dirty="0">
                 <a:solidFill>
                   <a:srgbClr val="3B7EA1"/>
                 </a:solidFill>
@@ -1686,7 +1875,7 @@
           </a:prstGeom>
         </p:spPr>
         <p:txBody>
-          <a:bodyPr wrap="square" lIns="0" tIns="12700" rIns="0" bIns="0" rtlCol="0" vert="horz">
+          <a:bodyPr vert="horz" wrap="square" lIns="0" tIns="12700" rIns="0" bIns="0" rtlCol="0">
             <a:spAutoFit/>
           </a:bodyPr>
           <a:lstStyle/>
@@ -1700,7 +1889,7 @@
               </a:spcBef>
             </a:pPr>
             <a:r>
-              <a:rPr dirty="0" sz="2400">
+              <a:rPr sz="2400" dirty="0">
                 <a:solidFill>
                   <a:srgbClr val="3B7EA1"/>
                 </a:solidFill>
@@ -1800,10 +1989,12 @@
             <a:off x="3402905" y="2240540"/>
             <a:ext cx="2337435" cy="574040"/>
           </a:xfrm>
-          <a:prstGeom prst="rect"/>
+          <a:prstGeom prst="rect">
+            <a:avLst/>
+          </a:prstGeom>
         </p:spPr>
         <p:txBody>
-          <a:bodyPr wrap="square" lIns="0" tIns="12700" rIns="0" bIns="0" rtlCol="0" vert="horz">
+          <a:bodyPr vert="horz" wrap="square" lIns="0" tIns="12700" rIns="0" bIns="0" rtlCol="0">
             <a:spAutoFit/>
           </a:bodyPr>
           <a:lstStyle/>
@@ -1817,7 +2008,7 @@
               </a:spcBef>
             </a:pPr>
             <a:r>
-              <a:rPr dirty="0" spc="-5"/>
+              <a:rPr spc="-5" dirty="0"/>
               <a:t>Classifiers</a:t>
             </a:r>
           </a:p>
@@ -1916,7 +2107,9 @@
           <p:txBody>
             <a:bodyPr wrap="square" lIns="0" tIns="0" rIns="0" bIns="0" rtlCol="0"/>
             <a:lstStyle/>
-            <a:p/>
+            <a:p>
+              <a:endParaRPr/>
+            </a:p>
           </p:txBody>
         </p:sp>
         <p:sp>
@@ -1975,7 +2168,9 @@
           <p:txBody>
             <a:bodyPr wrap="square" lIns="0" tIns="0" rIns="0" bIns="0" rtlCol="0"/>
             <a:lstStyle/>
-            <a:p/>
+            <a:p>
+              <a:endParaRPr/>
+            </a:p>
           </p:txBody>
         </p:sp>
       </p:grpSp>
@@ -1994,10 +2189,12 @@
             <a:off x="530225" y="212711"/>
             <a:ext cx="4367530" cy="574040"/>
           </a:xfrm>
-          <a:prstGeom prst="rect"/>
+          <a:prstGeom prst="rect">
+            <a:avLst/>
+          </a:prstGeom>
         </p:spPr>
         <p:txBody>
-          <a:bodyPr wrap="square" lIns="0" tIns="12700" rIns="0" bIns="0" rtlCol="0" vert="horz">
+          <a:bodyPr vert="horz" wrap="square" lIns="0" tIns="12700" rIns="0" bIns="0" rtlCol="0">
             <a:spAutoFit/>
           </a:bodyPr>
           <a:lstStyle/>
@@ -2011,11 +2208,11 @@
               </a:spcBef>
             </a:pPr>
             <a:r>
-              <a:rPr dirty="0" spc="-30"/>
+              <a:rPr spc="-30" dirty="0"/>
               <a:t>Training</a:t>
             </a:r>
             <a:r>
-              <a:rPr dirty="0" spc="-50"/>
+              <a:rPr spc="-50" dirty="0"/>
               <a:t> </a:t>
             </a:r>
             <a:r>
@@ -2023,11 +2220,11 @@
               <a:t>a</a:t>
             </a:r>
             <a:r>
-              <a:rPr dirty="0" spc="-50"/>
-              <a:t> </a:t>
-            </a:r>
-            <a:r>
-              <a:rPr dirty="0" spc="-5"/>
+              <a:rPr spc="-50" dirty="0"/>
+              <a:t> </a:t>
+            </a:r>
+            <a:r>
+              <a:rPr spc="-5" dirty="0"/>
               <a:t>Classifier</a:t>
             </a:r>
           </a:p>
@@ -2057,7 +2254,7 @@
           </a:ln>
         </p:spPr>
         <p:txBody>
-          <a:bodyPr wrap="square" lIns="0" tIns="3175" rIns="0" bIns="0" rtlCol="0" vert="horz">
+          <a:bodyPr vert="horz" wrap="square" lIns="0" tIns="3175" rIns="0" bIns="0" rtlCol="0">
             <a:spAutoFit/>
           </a:bodyPr>
           <a:lstStyle/>
@@ -2082,7 +2279,7 @@
               </a:lnSpc>
             </a:pPr>
             <a:r>
-              <a:rPr dirty="0" sz="2400" spc="-5" b="1">
+              <a:rPr sz="2400" b="1" spc="-5" dirty="0">
                 <a:latin typeface="Arial"/>
                 <a:cs typeface="Arial"/>
               </a:rPr>
@@ -2111,7 +2308,7 @@
           </a:prstGeom>
         </p:spPr>
         <p:txBody>
-          <a:bodyPr wrap="square" lIns="0" tIns="27940" rIns="0" bIns="0" rtlCol="0" vert="horz">
+          <a:bodyPr vert="horz" wrap="square" lIns="0" tIns="27940" rIns="0" bIns="0" rtlCol="0">
             <a:spAutoFit/>
           </a:bodyPr>
           <a:lstStyle/>
@@ -2125,49 +2322,49 @@
               </a:spcBef>
             </a:pPr>
             <a:r>
-              <a:rPr dirty="0" sz="2400" spc="-5">
+              <a:rPr sz="2400" spc="-5" dirty="0">
                 <a:latin typeface="Arial MT"/>
                 <a:cs typeface="Arial MT"/>
               </a:rPr>
               <a:t>Attributes</a:t>
             </a:r>
             <a:r>
-              <a:rPr dirty="0" sz="2400" spc="-105">
-                <a:latin typeface="Arial MT"/>
-                <a:cs typeface="Arial MT"/>
-              </a:rPr>
-              <a:t> </a:t>
-            </a:r>
-            <a:r>
-              <a:rPr dirty="0" sz="2400" spc="-5">
+              <a:rPr sz="2400" spc="-105" dirty="0">
+                <a:latin typeface="Arial MT"/>
+                <a:cs typeface="Arial MT"/>
+              </a:rPr>
+              <a:t> </a:t>
+            </a:r>
+            <a:r>
+              <a:rPr sz="2400" spc="-5" dirty="0">
                 <a:latin typeface="Arial MT"/>
                 <a:cs typeface="Arial MT"/>
               </a:rPr>
               <a:t>of </a:t>
             </a:r>
             <a:r>
-              <a:rPr dirty="0" sz="2400" spc="-650">
-                <a:latin typeface="Arial MT"/>
-                <a:cs typeface="Arial MT"/>
-              </a:rPr>
-              <a:t> </a:t>
-            </a:r>
-            <a:r>
-              <a:rPr dirty="0" sz="2400" spc="-5">
+              <a:rPr sz="2400" spc="-650" dirty="0">
+                <a:latin typeface="Arial MT"/>
+                <a:cs typeface="Arial MT"/>
+              </a:rPr>
+              <a:t> </a:t>
+            </a:r>
+            <a:r>
+              <a:rPr sz="2400" spc="-5" dirty="0">
                 <a:latin typeface="Arial MT"/>
                 <a:cs typeface="Arial MT"/>
               </a:rPr>
               <a:t>an</a:t>
             </a:r>
             <a:r>
-              <a:rPr dirty="0" sz="2400" spc="-65">
-                <a:latin typeface="Arial MT"/>
-                <a:cs typeface="Arial MT"/>
-              </a:rPr>
-              <a:t> </a:t>
-            </a:r>
-            <a:r>
-              <a:rPr dirty="0" sz="2400" spc="-5">
+              <a:rPr sz="2400" spc="-65" dirty="0">
+                <a:latin typeface="Arial MT"/>
+                <a:cs typeface="Arial MT"/>
+              </a:rPr>
+              <a:t> </a:t>
+            </a:r>
+            <a:r>
+              <a:rPr sz="2400" spc="-5" dirty="0">
                 <a:latin typeface="Arial MT"/>
                 <a:cs typeface="Arial MT"/>
               </a:rPr>
@@ -2199,7 +2396,7 @@
           </a:solidFill>
         </p:spPr>
         <p:txBody>
-          <a:bodyPr wrap="square" lIns="0" tIns="0" rIns="0" bIns="0" rtlCol="0" vert="horz">
+          <a:bodyPr vert="horz" wrap="square" lIns="0" tIns="0" rIns="0" bIns="0" rtlCol="0">
             <a:spAutoFit/>
           </a:bodyPr>
           <a:lstStyle/>
@@ -2224,7 +2421,7 @@
               </a:spcBef>
             </a:pPr>
             <a:r>
-              <a:rPr dirty="0" sz="1800" spc="-5" b="1">
+              <a:rPr sz="1800" b="1" spc="-5" dirty="0">
                 <a:solidFill>
                   <a:srgbClr val="FFFFFF"/>
                 </a:solidFill>
@@ -2285,7 +2482,9 @@
         <p:txBody>
           <a:bodyPr wrap="square" lIns="0" tIns="0" rIns="0" bIns="0" rtlCol="0"/>
           <a:lstStyle/>
-          <a:p/>
+          <a:p>
+            <a:endParaRPr/>
+          </a:p>
         </p:txBody>
       </p:sp>
       <p:sp>
@@ -2307,7 +2506,7 @@
           </a:solidFill>
         </p:spPr>
         <p:txBody>
-          <a:bodyPr wrap="square" lIns="0" tIns="0" rIns="0" bIns="0" rtlCol="0" vert="horz">
+          <a:bodyPr vert="horz" wrap="square" lIns="0" tIns="0" rIns="0" bIns="0" rtlCol="0">
             <a:spAutoFit/>
           </a:bodyPr>
           <a:lstStyle/>
@@ -2329,7 +2528,7 @@
               </a:lnSpc>
             </a:pPr>
             <a:r>
-              <a:rPr dirty="0" sz="1800" spc="-5" b="1">
+              <a:rPr sz="1800" b="1" spc="-5" dirty="0">
                 <a:solidFill>
                   <a:srgbClr val="FFFFFF"/>
                 </a:solidFill>
@@ -2390,7 +2589,9 @@
         <p:txBody>
           <a:bodyPr wrap="square" lIns="0" tIns="0" rIns="0" bIns="0" rtlCol="0"/>
           <a:lstStyle/>
-          <a:p/>
+          <a:p>
+            <a:endParaRPr/>
+          </a:p>
         </p:txBody>
       </p:sp>
       <p:sp>
@@ -2409,7 +2610,7 @@
           </a:prstGeom>
         </p:spPr>
         <p:txBody>
-          <a:bodyPr wrap="square" lIns="0" tIns="12700" rIns="0" bIns="0" rtlCol="0" vert="horz">
+          <a:bodyPr vert="horz" wrap="square" lIns="0" tIns="12700" rIns="0" bIns="0" rtlCol="0">
             <a:spAutoFit/>
           </a:bodyPr>
           <a:lstStyle/>
@@ -2423,7 +2624,7 @@
               </a:spcBef>
             </a:pPr>
             <a:r>
-              <a:rPr dirty="0" sz="1800" spc="-5" b="1">
+              <a:rPr sz="1800" b="1" spc="-5" dirty="0">
                 <a:solidFill>
                   <a:srgbClr val="FFFFFF"/>
                 </a:solidFill>
@@ -2498,7 +2699,9 @@
           <p:txBody>
             <a:bodyPr wrap="square" lIns="0" tIns="0" rIns="0" bIns="0" rtlCol="0"/>
             <a:lstStyle/>
-            <a:p/>
+            <a:p>
+              <a:endParaRPr/>
+            </a:p>
           </p:txBody>
         </p:sp>
         <p:sp>
@@ -2551,7 +2754,9 @@
           <p:txBody>
             <a:bodyPr wrap="square" lIns="0" tIns="0" rIns="0" bIns="0" rtlCol="0"/>
             <a:lstStyle/>
-            <a:p/>
+            <a:p>
+              <a:endParaRPr/>
+            </a:p>
           </p:txBody>
         </p:sp>
       </p:grpSp>
@@ -2574,7 +2779,7 @@
           </a:solidFill>
         </p:spPr>
         <p:txBody>
-          <a:bodyPr wrap="square" lIns="0" tIns="127635" rIns="0" bIns="0" rtlCol="0" vert="horz">
+          <a:bodyPr vert="horz" wrap="square" lIns="0" tIns="127635" rIns="0" bIns="0" rtlCol="0">
             <a:spAutoFit/>
           </a:bodyPr>
           <a:lstStyle/>
@@ -2588,7 +2793,7 @@
               </a:spcBef>
             </a:pPr>
             <a:r>
-              <a:rPr dirty="0" sz="1800" spc="-20" b="1">
+              <a:rPr sz="1800" b="1" spc="-20" dirty="0">
                 <a:solidFill>
                   <a:srgbClr val="FFFFFF"/>
                 </a:solidFill>
@@ -2623,7 +2828,7 @@
           </a:solidFill>
         </p:spPr>
         <p:txBody>
-          <a:bodyPr wrap="square" lIns="0" tIns="127635" rIns="0" bIns="0" rtlCol="0" vert="horz">
+          <a:bodyPr vert="horz" wrap="square" lIns="0" tIns="127635" rIns="0" bIns="0" rtlCol="0">
             <a:spAutoFit/>
           </a:bodyPr>
           <a:lstStyle/>
@@ -2637,7 +2842,7 @@
               </a:spcBef>
             </a:pPr>
             <a:r>
-              <a:rPr dirty="0" sz="1800" spc="-5" b="1">
+              <a:rPr sz="1800" b="1" spc="-5" dirty="0">
                 <a:solidFill>
                   <a:srgbClr val="FFFFFF"/>
                 </a:solidFill>
@@ -2671,7 +2876,7 @@
             <a:cxnLst/>
             <a:rect l="l" t="t" r="r" b="b"/>
             <a:pathLst>
-              <a:path w="2583179" h="0">
+              <a:path w="2583179">
                 <a:moveTo>
                   <a:pt x="0" y="0"/>
                 </a:moveTo>
@@ -2690,7 +2895,9 @@
         <p:txBody>
           <a:bodyPr wrap="square" lIns="0" tIns="0" rIns="0" bIns="0" rtlCol="0"/>
           <a:lstStyle/>
-          <a:p/>
+          <a:p>
+            <a:endParaRPr/>
+          </a:p>
         </p:txBody>
       </p:sp>
       <p:sp>
@@ -2712,7 +2919,7 @@
           </a:solidFill>
         </p:spPr>
         <p:txBody>
-          <a:bodyPr wrap="square" lIns="0" tIns="5080" rIns="0" bIns="0" rtlCol="0" vert="horz">
+          <a:bodyPr vert="horz" wrap="square" lIns="0" tIns="5080" rIns="0" bIns="0" rtlCol="0">
             <a:spAutoFit/>
           </a:bodyPr>
           <a:lstStyle/>
@@ -2726,7 +2933,7 @@
               </a:spcBef>
             </a:pPr>
             <a:r>
-              <a:rPr dirty="0" sz="1800" spc="-40" b="1">
+              <a:rPr sz="1800" b="1" spc="-40" dirty="0">
                 <a:solidFill>
                   <a:srgbClr val="FFFFFF"/>
                 </a:solidFill>
@@ -2761,7 +2968,7 @@
           </a:solidFill>
         </p:spPr>
         <p:txBody>
-          <a:bodyPr wrap="square" lIns="0" tIns="5080" rIns="0" bIns="0" rtlCol="0" vert="horz">
+          <a:bodyPr vert="horz" wrap="square" lIns="0" tIns="5080" rIns="0" bIns="0" rtlCol="0">
             <a:spAutoFit/>
           </a:bodyPr>
           <a:lstStyle/>
@@ -2775,7 +2982,7 @@
               </a:spcBef>
             </a:pPr>
             <a:r>
-              <a:rPr dirty="0" sz="1800" spc="-5" b="1">
+              <a:rPr sz="1800" b="1" spc="-5" dirty="0">
                 <a:solidFill>
                   <a:srgbClr val="FFFFFF"/>
                 </a:solidFill>
@@ -2952,7 +3159,9 @@
           <p:txBody>
             <a:bodyPr wrap="square" lIns="0" tIns="0" rIns="0" bIns="0" rtlCol="0"/>
             <a:lstStyle/>
-            <a:p/>
+            <a:p>
+              <a:endParaRPr/>
+            </a:p>
           </p:txBody>
         </p:sp>
         <p:sp>
@@ -3119,7 +3328,9 @@
           <p:txBody>
             <a:bodyPr wrap="square" lIns="0" tIns="0" rIns="0" bIns="0" rtlCol="0"/>
             <a:lstStyle/>
-            <a:p/>
+            <a:p>
+              <a:endParaRPr/>
+            </a:p>
           </p:txBody>
         </p:sp>
       </p:grpSp>
@@ -3139,7 +3350,7 @@
           </a:prstGeom>
         </p:spPr>
         <p:txBody>
-          <a:bodyPr wrap="square" lIns="0" tIns="27940" rIns="0" bIns="0" rtlCol="0" vert="horz">
+          <a:bodyPr vert="horz" wrap="square" lIns="0" tIns="27940" rIns="0" bIns="0" rtlCol="0">
             <a:spAutoFit/>
           </a:bodyPr>
           <a:lstStyle/>
@@ -3153,63 +3364,63 @@
               </a:spcBef>
             </a:pPr>
             <a:r>
-              <a:rPr dirty="0" sz="2400" spc="-5">
+              <a:rPr sz="2400" spc="-5" dirty="0">
                 <a:latin typeface="Arial MT"/>
                 <a:cs typeface="Arial MT"/>
               </a:rPr>
               <a:t>Predicted</a:t>
             </a:r>
             <a:r>
-              <a:rPr dirty="0" sz="2400" spc="-100">
-                <a:latin typeface="Arial MT"/>
-                <a:cs typeface="Arial MT"/>
-              </a:rPr>
-              <a:t> </a:t>
-            </a:r>
-            <a:r>
-              <a:rPr dirty="0" sz="2400" spc="-5">
+              <a:rPr sz="2400" spc="-100" dirty="0">
+                <a:latin typeface="Arial MT"/>
+                <a:cs typeface="Arial MT"/>
+              </a:rPr>
+              <a:t> </a:t>
+            </a:r>
+            <a:r>
+              <a:rPr sz="2400" spc="-5" dirty="0">
                 <a:latin typeface="Arial MT"/>
                 <a:cs typeface="Arial MT"/>
               </a:rPr>
               <a:t>label </a:t>
             </a:r>
             <a:r>
-              <a:rPr dirty="0" sz="2400" spc="-655">
-                <a:latin typeface="Arial MT"/>
-                <a:cs typeface="Arial MT"/>
-              </a:rPr>
-              <a:t> </a:t>
-            </a:r>
-            <a:r>
-              <a:rPr dirty="0" sz="2400" spc="-5">
+              <a:rPr sz="2400" spc="-655" dirty="0">
+                <a:latin typeface="Arial MT"/>
+                <a:cs typeface="Arial MT"/>
+              </a:rPr>
+              <a:t> </a:t>
+            </a:r>
+            <a:r>
+              <a:rPr sz="2400" spc="-5" dirty="0">
                 <a:latin typeface="Arial MT"/>
                 <a:cs typeface="Arial MT"/>
               </a:rPr>
               <a:t>of</a:t>
             </a:r>
             <a:r>
-              <a:rPr dirty="0" sz="2400" spc="-50">
-                <a:latin typeface="Arial MT"/>
-                <a:cs typeface="Arial MT"/>
-              </a:rPr>
-              <a:t> </a:t>
-            </a:r>
-            <a:r>
-              <a:rPr dirty="0" sz="2400" spc="-5">
+              <a:rPr sz="2400" spc="-50" dirty="0">
+                <a:latin typeface="Arial MT"/>
+                <a:cs typeface="Arial MT"/>
+              </a:rPr>
+              <a:t> </a:t>
+            </a:r>
+            <a:r>
+              <a:rPr sz="2400" spc="-5" dirty="0">
                 <a:latin typeface="Arial MT"/>
                 <a:cs typeface="Arial MT"/>
               </a:rPr>
               <a:t>the</a:t>
             </a:r>
             <a:r>
-              <a:rPr dirty="0" sz="2400" spc="-50">
-                <a:latin typeface="Arial MT"/>
-                <a:cs typeface="Arial MT"/>
-              </a:rPr>
-              <a:t> </a:t>
-            </a:r>
-            <a:r>
-              <a:rPr dirty="0" sz="2400" spc="-5">
+              <a:rPr sz="2400" spc="-50" dirty="0">
+                <a:latin typeface="Arial MT"/>
+                <a:cs typeface="Arial MT"/>
+              </a:rPr>
+              <a:t> </a:t>
+            </a:r>
+            <a:r>
+              <a:rPr sz="2400" spc="-5" dirty="0">
                 <a:latin typeface="Arial MT"/>
                 <a:cs typeface="Arial MT"/>
               </a:rPr>
@@ -3230,28 +3441,28 @@
               </a:spcBef>
             </a:pPr>
             <a:r>
-              <a:rPr dirty="0" sz="1600">
+              <a:rPr sz="1600" dirty="0">
                 <a:latin typeface="Arial MT"/>
                 <a:cs typeface="Arial MT"/>
               </a:rPr>
               <a:t>Model </a:t>
             </a:r>
             <a:r>
-              <a:rPr dirty="0" sz="1600" spc="-5">
+              <a:rPr sz="1600" spc="-5" dirty="0">
                 <a:latin typeface="Arial MT"/>
                 <a:cs typeface="Arial MT"/>
               </a:rPr>
               <a:t>the </a:t>
             </a:r>
             <a:r>
-              <a:rPr dirty="0" sz="1600">
-                <a:latin typeface="Arial MT"/>
-                <a:cs typeface="Arial MT"/>
-              </a:rPr>
-              <a:t> </a:t>
-            </a:r>
-            <a:r>
-              <a:rPr dirty="0" sz="1600" spc="-5">
+              <a:rPr sz="1600" dirty="0">
+                <a:latin typeface="Arial MT"/>
+                <a:cs typeface="Arial MT"/>
+              </a:rPr>
+              <a:t> </a:t>
+            </a:r>
+            <a:r>
+              <a:rPr sz="1600" spc="-5" dirty="0">
                 <a:latin typeface="Arial MT"/>
                 <a:cs typeface="Arial MT"/>
               </a:rPr>
@@ -3280,7 +3491,7 @@
           </a:prstGeom>
         </p:spPr>
         <p:txBody>
-          <a:bodyPr wrap="square" lIns="0" tIns="8890" rIns="0" bIns="0" rtlCol="0" vert="horz">
+          <a:bodyPr vert="horz" wrap="square" lIns="0" tIns="8890" rIns="0" bIns="0" rtlCol="0">
             <a:spAutoFit/>
           </a:bodyPr>
           <a:lstStyle/>
@@ -3294,35 +3505,35 @@
               </a:spcBef>
             </a:pPr>
             <a:r>
-              <a:rPr dirty="0" sz="1600" spc="-5">
+              <a:rPr sz="1600" spc="-5" dirty="0">
                 <a:latin typeface="Arial MT"/>
                 <a:cs typeface="Arial MT"/>
               </a:rPr>
               <a:t>attributes</a:t>
             </a:r>
             <a:r>
-              <a:rPr dirty="0" sz="1600" spc="-90">
-                <a:latin typeface="Arial MT"/>
-                <a:cs typeface="Arial MT"/>
-              </a:rPr>
-              <a:t> </a:t>
-            </a:r>
-            <a:r>
-              <a:rPr dirty="0" sz="1600">
+              <a:rPr sz="1600" spc="-90" dirty="0">
+                <a:latin typeface="Arial MT"/>
+                <a:cs typeface="Arial MT"/>
+              </a:rPr>
+              <a:t> </a:t>
+            </a:r>
+            <a:r>
+              <a:rPr sz="1600" dirty="0">
                 <a:latin typeface="Arial MT"/>
                 <a:cs typeface="Arial MT"/>
               </a:rPr>
               <a:t>&amp; </a:t>
             </a:r>
             <a:r>
-              <a:rPr dirty="0" sz="1600" spc="-430">
-                <a:latin typeface="Arial MT"/>
-                <a:cs typeface="Arial MT"/>
-              </a:rPr>
-              <a:t> </a:t>
-            </a:r>
-            <a:r>
-              <a:rPr dirty="0" sz="1600" spc="-5">
+              <a:rPr sz="1600" spc="-430" dirty="0">
+                <a:latin typeface="Arial MT"/>
+                <a:cs typeface="Arial MT"/>
+              </a:rPr>
+              <a:t> </a:t>
+            </a:r>
+            <a:r>
+              <a:rPr sz="1600" spc="-5" dirty="0">
                 <a:latin typeface="Arial MT"/>
                 <a:cs typeface="Arial MT"/>
               </a:rPr>
@@ -3457,7 +3668,9 @@
           <p:txBody>
             <a:bodyPr wrap="square" lIns="0" tIns="0" rIns="0" bIns="0" rtlCol="0"/>
             <a:lstStyle/>
-            <a:p/>
+            <a:p>
+              <a:endParaRPr/>
+            </a:p>
           </p:txBody>
         </p:sp>
         <p:sp>
@@ -3588,7 +3801,9 @@
           <p:txBody>
             <a:bodyPr wrap="square" lIns="0" tIns="0" rIns="0" bIns="0" rtlCol="0"/>
             <a:lstStyle/>
-            <a:p/>
+            <a:p>
+              <a:endParaRPr/>
+            </a:p>
           </p:txBody>
         </p:sp>
       </p:grpSp>
@@ -3608,7 +3823,7 @@
           </a:prstGeom>
         </p:spPr>
         <p:txBody>
-          <a:bodyPr wrap="square" lIns="0" tIns="8890" rIns="0" bIns="0" rtlCol="0" vert="horz">
+          <a:bodyPr vert="horz" wrap="square" lIns="0" tIns="8890" rIns="0" bIns="0" rtlCol="0">
             <a:spAutoFit/>
           </a:bodyPr>
           <a:lstStyle/>
@@ -3622,63 +3837,63 @@
               </a:spcBef>
             </a:pPr>
             <a:r>
-              <a:rPr dirty="0" sz="1600" spc="-5">
+              <a:rPr sz="1600" spc="-5" dirty="0">
                 <a:latin typeface="Arial MT"/>
                 <a:cs typeface="Arial MT"/>
               </a:rPr>
               <a:t>Estimate</a:t>
             </a:r>
             <a:r>
-              <a:rPr dirty="0" sz="1600" spc="-90">
-                <a:latin typeface="Arial MT"/>
-                <a:cs typeface="Arial MT"/>
-              </a:rPr>
-              <a:t> </a:t>
-            </a:r>
-            <a:r>
-              <a:rPr dirty="0" sz="1600" spc="-5">
+              <a:rPr sz="1600" spc="-90" dirty="0">
+                <a:latin typeface="Arial MT"/>
+                <a:cs typeface="Arial MT"/>
+              </a:rPr>
+              <a:t> </a:t>
+            </a:r>
+            <a:r>
+              <a:rPr sz="1600" spc="-5" dirty="0">
                 <a:latin typeface="Arial MT"/>
                 <a:cs typeface="Arial MT"/>
               </a:rPr>
               <a:t>the </a:t>
             </a:r>
             <a:r>
-              <a:rPr dirty="0" sz="1600" spc="-430">
-                <a:latin typeface="Arial MT"/>
-                <a:cs typeface="Arial MT"/>
-              </a:rPr>
-              <a:t> </a:t>
-            </a:r>
-            <a:r>
-              <a:rPr dirty="0" sz="1600" spc="-5">
+              <a:rPr sz="1600" spc="-430" dirty="0">
+                <a:latin typeface="Arial MT"/>
+                <a:cs typeface="Arial MT"/>
+              </a:rPr>
+              <a:t> </a:t>
+            </a:r>
+            <a:r>
+              <a:rPr sz="1600" spc="-5" dirty="0">
                 <a:latin typeface="Arial MT"/>
                 <a:cs typeface="Arial MT"/>
               </a:rPr>
               <a:t>accuracy of </a:t>
             </a:r>
             <a:r>
-              <a:rPr dirty="0" sz="1600">
-                <a:latin typeface="Arial MT"/>
-                <a:cs typeface="Arial MT"/>
-              </a:rPr>
-              <a:t> </a:t>
-            </a:r>
-            <a:r>
-              <a:rPr dirty="0" sz="1600" spc="-5">
+              <a:rPr sz="1600" dirty="0">
+                <a:latin typeface="Arial MT"/>
+                <a:cs typeface="Arial MT"/>
+              </a:rPr>
+              <a:t> </a:t>
+            </a:r>
+            <a:r>
+              <a:rPr sz="1600" spc="-5" dirty="0">
                 <a:latin typeface="Arial MT"/>
                 <a:cs typeface="Arial MT"/>
               </a:rPr>
               <a:t>the</a:t>
             </a:r>
             <a:r>
-              <a:rPr dirty="0" sz="1600" spc="-100">
-                <a:latin typeface="Arial MT"/>
-                <a:cs typeface="Arial MT"/>
-              </a:rPr>
-              <a:t> </a:t>
-            </a:r>
-            <a:r>
-              <a:rPr dirty="0" sz="1600">
+              <a:rPr sz="1600" spc="-100" dirty="0">
+                <a:latin typeface="Arial MT"/>
+                <a:cs typeface="Arial MT"/>
+              </a:rPr>
+              <a:t> </a:t>
+            </a:r>
+            <a:r>
+              <a:rPr sz="1600" dirty="0">
                 <a:latin typeface="Arial MT"/>
                 <a:cs typeface="Arial MT"/>
               </a:rPr>
@@ -3784,7 +3999,9 @@
           <p:txBody>
             <a:bodyPr wrap="square" lIns="0" tIns="0" rIns="0" bIns="0" rtlCol="0"/>
             <a:lstStyle/>
-            <a:p/>
+            <a:p>
+              <a:endParaRPr/>
+            </a:p>
           </p:txBody>
         </p:sp>
         <p:sp>
@@ -3843,7 +4060,9 @@
           <p:txBody>
             <a:bodyPr wrap="square" lIns="0" tIns="0" rIns="0" bIns="0" rtlCol="0"/>
             <a:lstStyle/>
-            <a:p/>
+            <a:p>
+              <a:endParaRPr/>
+            </a:p>
           </p:txBody>
         </p:sp>
         <p:sp>
@@ -3891,7 +4110,9 @@
           <p:txBody>
             <a:bodyPr wrap="square" lIns="0" tIns="0" rIns="0" bIns="0" rtlCol="0"/>
             <a:lstStyle/>
-            <a:p/>
+            <a:p>
+              <a:endParaRPr/>
+            </a:p>
           </p:txBody>
         </p:sp>
       </p:grpSp>
@@ -3910,10 +4131,12 @@
             <a:off x="530225" y="212711"/>
             <a:ext cx="6018530" cy="574040"/>
           </a:xfrm>
-          <a:prstGeom prst="rect"/>
+          <a:prstGeom prst="rect">
+            <a:avLst/>
+          </a:prstGeom>
         </p:spPr>
         <p:txBody>
-          <a:bodyPr wrap="square" lIns="0" tIns="12700" rIns="0" bIns="0" rtlCol="0" vert="horz">
+          <a:bodyPr vert="horz" wrap="square" lIns="0" tIns="12700" rIns="0" bIns="0" rtlCol="0">
             <a:spAutoFit/>
           </a:bodyPr>
           <a:lstStyle/>
@@ -3927,23 +4150,23 @@
               </a:spcBef>
             </a:pPr>
             <a:r>
-              <a:rPr dirty="0" spc="-5"/>
+              <a:rPr spc="-5" dirty="0"/>
               <a:t>Nearest</a:t>
             </a:r>
             <a:r>
-              <a:rPr dirty="0" spc="-50"/>
-              <a:t> </a:t>
-            </a:r>
-            <a:r>
-              <a:rPr dirty="0" spc="-5"/>
+              <a:rPr spc="-50" dirty="0"/>
+              <a:t> </a:t>
+            </a:r>
+            <a:r>
+              <a:rPr spc="-5" dirty="0"/>
               <a:t>Neighbor</a:t>
             </a:r>
             <a:r>
-              <a:rPr dirty="0" spc="-45"/>
-              <a:t> </a:t>
-            </a:r>
-            <a:r>
-              <a:rPr dirty="0" spc="-5"/>
+              <a:rPr spc="-45" dirty="0"/>
+              <a:t> </a:t>
+            </a:r>
+            <a:r>
+              <a:rPr spc="-5" dirty="0"/>
               <a:t>Classifier</a:t>
             </a:r>
           </a:p>
@@ -3970,12 +4193,12 @@
           </a:ln>
         </p:spPr>
         <p:txBody>
-          <a:bodyPr wrap="square" lIns="0" tIns="130810" rIns="0" bIns="0" rtlCol="0" vert="horz">
+          <a:bodyPr vert="horz" wrap="square" lIns="0" tIns="130810" rIns="0" bIns="0" rtlCol="0">
             <a:spAutoFit/>
           </a:bodyPr>
           <a:lstStyle/>
           <a:p>
-            <a:pPr algn="just" marL="94615" marR="90170" indent="61594">
+            <a:pPr marL="94615" marR="90170" indent="61594" algn="just">
               <a:lnSpc>
                 <a:spcPct val="100000"/>
               </a:lnSpc>
@@ -3984,7 +4207,7 @@
               </a:spcBef>
             </a:pPr>
             <a:r>
-              <a:rPr dirty="0" u="heavy" sz="2200" spc="-5" b="1">
+              <a:rPr sz="2200" b="1" u="heavy" spc="-5" dirty="0">
                 <a:uFill>
                   <a:solidFill>
                     <a:srgbClr val="000000"/>
@@ -3996,63 +4219,63 @@
               <a:t>NN Classifier </a:t>
             </a:r>
             <a:r>
-              <a:rPr dirty="0" sz="2200" spc="-600" b="1">
+              <a:rPr sz="2200" b="1" spc="-600" dirty="0">
                 <a:latin typeface="Arial"/>
                 <a:cs typeface="Arial"/>
               </a:rPr>
               <a:t> </a:t>
             </a:r>
             <a:r>
-              <a:rPr dirty="0" sz="2000" spc="-5">
+              <a:rPr sz="2000" spc="-5" dirty="0">
                 <a:latin typeface="Arial MT"/>
                 <a:cs typeface="Arial MT"/>
               </a:rPr>
               <a:t>Use the label of </a:t>
             </a:r>
             <a:r>
-              <a:rPr dirty="0" sz="2000">
-                <a:latin typeface="Arial MT"/>
-                <a:cs typeface="Arial MT"/>
-              </a:rPr>
-              <a:t> </a:t>
-            </a:r>
-            <a:r>
-              <a:rPr dirty="0" sz="2000" spc="-5">
+              <a:rPr sz="2000" dirty="0">
+                <a:latin typeface="Arial MT"/>
+                <a:cs typeface="Arial MT"/>
+              </a:rPr>
+              <a:t> </a:t>
+            </a:r>
+            <a:r>
+              <a:rPr sz="2000" spc="-5" dirty="0">
                 <a:latin typeface="Arial MT"/>
                 <a:cs typeface="Arial MT"/>
               </a:rPr>
               <a:t>the </a:t>
             </a:r>
             <a:r>
-              <a:rPr dirty="0" sz="2000">
+              <a:rPr sz="2000" dirty="0">
                 <a:latin typeface="Arial MT"/>
                 <a:cs typeface="Arial MT"/>
               </a:rPr>
               <a:t>most similar </a:t>
             </a:r>
             <a:r>
-              <a:rPr dirty="0" sz="2000" spc="5">
-                <a:latin typeface="Arial MT"/>
-                <a:cs typeface="Arial MT"/>
-              </a:rPr>
-              <a:t> </a:t>
-            </a:r>
-            <a:r>
-              <a:rPr dirty="0" sz="2000" spc="-5">
+              <a:rPr sz="2000" spc="5" dirty="0">
+                <a:latin typeface="Arial MT"/>
+                <a:cs typeface="Arial MT"/>
+              </a:rPr>
+              <a:t> </a:t>
+            </a:r>
+            <a:r>
+              <a:rPr sz="2000" spc="-5" dirty="0">
                 <a:latin typeface="Arial MT"/>
                 <a:cs typeface="Arial MT"/>
               </a:rPr>
               <a:t>training</a:t>
             </a:r>
             <a:r>
-              <a:rPr dirty="0" sz="2000" spc="-95">
-                <a:latin typeface="Arial MT"/>
-                <a:cs typeface="Arial MT"/>
-              </a:rPr>
-              <a:t> </a:t>
-            </a:r>
-            <a:r>
-              <a:rPr dirty="0" sz="2000" spc="-5">
+              <a:rPr sz="2000" spc="-95" dirty="0">
+                <a:latin typeface="Arial MT"/>
+                <a:cs typeface="Arial MT"/>
+              </a:rPr>
+              <a:t> </a:t>
+            </a:r>
+            <a:r>
+              <a:rPr sz="2000" spc="-5" dirty="0">
                 <a:latin typeface="Arial MT"/>
                 <a:cs typeface="Arial MT"/>
               </a:rPr>
@@ -4081,7 +4304,7 @@
           </a:prstGeom>
         </p:spPr>
         <p:txBody>
-          <a:bodyPr wrap="square" lIns="0" tIns="27940" rIns="0" bIns="0" rtlCol="0" vert="horz">
+          <a:bodyPr vert="horz" wrap="square" lIns="0" tIns="27940" rIns="0" bIns="0" rtlCol="0">
             <a:spAutoFit/>
           </a:bodyPr>
           <a:lstStyle/>
@@ -4095,49 +4318,49 @@
               </a:spcBef>
             </a:pPr>
             <a:r>
-              <a:rPr dirty="0" sz="2400" spc="-5">
+              <a:rPr sz="2400" spc="-5" dirty="0">
                 <a:latin typeface="Arial MT"/>
                 <a:cs typeface="Arial MT"/>
               </a:rPr>
               <a:t>Attributes</a:t>
             </a:r>
             <a:r>
-              <a:rPr dirty="0" sz="2400" spc="-105">
-                <a:latin typeface="Arial MT"/>
-                <a:cs typeface="Arial MT"/>
-              </a:rPr>
-              <a:t> </a:t>
-            </a:r>
-            <a:r>
-              <a:rPr dirty="0" sz="2400" spc="-5">
+              <a:rPr sz="2400" spc="-105" dirty="0">
+                <a:latin typeface="Arial MT"/>
+                <a:cs typeface="Arial MT"/>
+              </a:rPr>
+              <a:t> </a:t>
+            </a:r>
+            <a:r>
+              <a:rPr sz="2400" spc="-5" dirty="0">
                 <a:latin typeface="Arial MT"/>
                 <a:cs typeface="Arial MT"/>
               </a:rPr>
               <a:t>of </a:t>
             </a:r>
             <a:r>
-              <a:rPr dirty="0" sz="2400" spc="-650">
-                <a:latin typeface="Arial MT"/>
-                <a:cs typeface="Arial MT"/>
-              </a:rPr>
-              <a:t> </a:t>
-            </a:r>
-            <a:r>
-              <a:rPr dirty="0" sz="2400" spc="-5">
+              <a:rPr sz="2400" spc="-650" dirty="0">
+                <a:latin typeface="Arial MT"/>
+                <a:cs typeface="Arial MT"/>
+              </a:rPr>
+              <a:t> </a:t>
+            </a:r>
+            <a:r>
+              <a:rPr sz="2400" spc="-5" dirty="0">
                 <a:latin typeface="Arial MT"/>
                 <a:cs typeface="Arial MT"/>
               </a:rPr>
               <a:t>an</a:t>
             </a:r>
             <a:r>
-              <a:rPr dirty="0" sz="2400" spc="-65">
-                <a:latin typeface="Arial MT"/>
-                <a:cs typeface="Arial MT"/>
-              </a:rPr>
-              <a:t> </a:t>
-            </a:r>
-            <a:r>
-              <a:rPr dirty="0" sz="2400" spc="-5">
+              <a:rPr sz="2400" spc="-65" dirty="0">
+                <a:latin typeface="Arial MT"/>
+                <a:cs typeface="Arial MT"/>
+              </a:rPr>
+              <a:t> </a:t>
+            </a:r>
+            <a:r>
+              <a:rPr sz="2400" spc="-5" dirty="0">
                 <a:latin typeface="Arial MT"/>
                 <a:cs typeface="Arial MT"/>
               </a:rPr>
@@ -4166,7 +4389,7 @@
           </a:prstGeom>
         </p:spPr>
         <p:txBody>
-          <a:bodyPr wrap="square" lIns="0" tIns="27940" rIns="0" bIns="0" rtlCol="0" vert="horz">
+          <a:bodyPr vert="horz" wrap="square" lIns="0" tIns="27940" rIns="0" bIns="0" rtlCol="0">
             <a:spAutoFit/>
           </a:bodyPr>
           <a:lstStyle/>
@@ -4180,63 +4403,63 @@
               </a:spcBef>
             </a:pPr>
             <a:r>
-              <a:rPr dirty="0" sz="2400" spc="-5">
+              <a:rPr sz="2400" spc="-5" dirty="0">
                 <a:latin typeface="Arial MT"/>
                 <a:cs typeface="Arial MT"/>
               </a:rPr>
               <a:t>Predicted</a:t>
             </a:r>
             <a:r>
-              <a:rPr dirty="0" sz="2400" spc="-100">
-                <a:latin typeface="Arial MT"/>
-                <a:cs typeface="Arial MT"/>
-              </a:rPr>
-              <a:t> </a:t>
-            </a:r>
-            <a:r>
-              <a:rPr dirty="0" sz="2400" spc="-5">
+              <a:rPr sz="2400" spc="-100" dirty="0">
+                <a:latin typeface="Arial MT"/>
+                <a:cs typeface="Arial MT"/>
+              </a:rPr>
+              <a:t> </a:t>
+            </a:r>
+            <a:r>
+              <a:rPr sz="2400" spc="-5" dirty="0">
                 <a:latin typeface="Arial MT"/>
                 <a:cs typeface="Arial MT"/>
               </a:rPr>
               <a:t>label </a:t>
             </a:r>
             <a:r>
-              <a:rPr dirty="0" sz="2400" spc="-655">
-                <a:latin typeface="Arial MT"/>
-                <a:cs typeface="Arial MT"/>
-              </a:rPr>
-              <a:t> </a:t>
-            </a:r>
-            <a:r>
-              <a:rPr dirty="0" sz="2400" spc="-5">
+              <a:rPr sz="2400" spc="-655" dirty="0">
+                <a:latin typeface="Arial MT"/>
+                <a:cs typeface="Arial MT"/>
+              </a:rPr>
+              <a:t> </a:t>
+            </a:r>
+            <a:r>
+              <a:rPr sz="2400" spc="-5" dirty="0">
                 <a:latin typeface="Arial MT"/>
                 <a:cs typeface="Arial MT"/>
               </a:rPr>
               <a:t>of</a:t>
             </a:r>
             <a:r>
-              <a:rPr dirty="0" sz="2400" spc="-50">
-                <a:latin typeface="Arial MT"/>
-                <a:cs typeface="Arial MT"/>
-              </a:rPr>
-              <a:t> </a:t>
-            </a:r>
-            <a:r>
-              <a:rPr dirty="0" sz="2400" spc="-5">
+              <a:rPr sz="2400" spc="-50" dirty="0">
+                <a:latin typeface="Arial MT"/>
+                <a:cs typeface="Arial MT"/>
+              </a:rPr>
+              <a:t> </a:t>
+            </a:r>
+            <a:r>
+              <a:rPr sz="2400" spc="-5" dirty="0">
                 <a:latin typeface="Arial MT"/>
                 <a:cs typeface="Arial MT"/>
               </a:rPr>
               <a:t>the</a:t>
             </a:r>
             <a:r>
-              <a:rPr dirty="0" sz="2400" spc="-50">
-                <a:latin typeface="Arial MT"/>
-                <a:cs typeface="Arial MT"/>
-              </a:rPr>
-              <a:t> </a:t>
-            </a:r>
-            <a:r>
-              <a:rPr dirty="0" sz="2400" spc="-5">
+              <a:rPr sz="2400" spc="-50" dirty="0">
+                <a:latin typeface="Arial MT"/>
+                <a:cs typeface="Arial MT"/>
+              </a:rPr>
+              <a:t> </a:t>
+            </a:r>
+            <a:r>
+              <a:rPr sz="2400" spc="-5" dirty="0">
                 <a:latin typeface="Arial MT"/>
                 <a:cs typeface="Arial MT"/>
               </a:rPr>
@@ -4268,7 +4491,7 @@
           </a:solidFill>
         </p:spPr>
         <p:txBody>
-          <a:bodyPr wrap="square" lIns="0" tIns="0" rIns="0" bIns="0" rtlCol="0" vert="horz">
+          <a:bodyPr vert="horz" wrap="square" lIns="0" tIns="0" rIns="0" bIns="0" rtlCol="0">
             <a:spAutoFit/>
           </a:bodyPr>
           <a:lstStyle/>
@@ -4293,7 +4516,7 @@
               </a:spcBef>
             </a:pPr>
             <a:r>
-              <a:rPr dirty="0" sz="1800" spc="-5" b="1">
+              <a:rPr sz="1800" b="1" spc="-5" dirty="0">
                 <a:solidFill>
                   <a:srgbClr val="FFFFFF"/>
                 </a:solidFill>
@@ -4354,7 +4577,9 @@
         <p:txBody>
           <a:bodyPr wrap="square" lIns="0" tIns="0" rIns="0" bIns="0" rtlCol="0"/>
           <a:lstStyle/>
-          <a:p/>
+          <a:p>
+            <a:endParaRPr/>
+          </a:p>
         </p:txBody>
       </p:sp>
       <p:sp>
@@ -4373,7 +4598,7 @@
           </a:prstGeom>
         </p:spPr>
         <p:txBody>
-          <a:bodyPr wrap="square" lIns="0" tIns="12700" rIns="0" bIns="0" rtlCol="0" vert="horz">
+          <a:bodyPr vert="horz" wrap="square" lIns="0" tIns="12700" rIns="0" bIns="0" rtlCol="0">
             <a:spAutoFit/>
           </a:bodyPr>
           <a:lstStyle/>
@@ -4387,7 +4612,7 @@
               </a:spcBef>
             </a:pPr>
             <a:r>
-              <a:rPr dirty="0" sz="1800" spc="-5" b="1">
+              <a:rPr sz="1800" b="1" spc="-5" dirty="0">
                 <a:solidFill>
                   <a:srgbClr val="FFFFFF"/>
                 </a:solidFill>
@@ -4448,7 +4673,9 @@
         <p:txBody>
           <a:bodyPr wrap="square" lIns="0" tIns="0" rIns="0" bIns="0" rtlCol="0"/>
           <a:lstStyle/>
-          <a:p/>
+          <a:p>
+            <a:endParaRPr/>
+          </a:p>
         </p:txBody>
       </p:sp>
       <p:sp>
@@ -4467,7 +4694,7 @@
           </a:prstGeom>
         </p:spPr>
         <p:txBody>
-          <a:bodyPr wrap="square" lIns="0" tIns="12700" rIns="0" bIns="0" rtlCol="0" vert="horz">
+          <a:bodyPr vert="horz" wrap="square" lIns="0" tIns="12700" rIns="0" bIns="0" rtlCol="0">
             <a:spAutoFit/>
           </a:bodyPr>
           <a:lstStyle/>
@@ -4481,7 +4708,7 @@
               </a:spcBef>
             </a:pPr>
             <a:r>
-              <a:rPr dirty="0" sz="1800" spc="-5" b="1">
+              <a:rPr sz="1800" b="1" spc="-5" dirty="0">
                 <a:solidFill>
                   <a:srgbClr val="FFFFFF"/>
                 </a:solidFill>
@@ -4542,7 +4769,9 @@
         <p:txBody>
           <a:bodyPr wrap="square" lIns="0" tIns="0" rIns="0" bIns="0" rtlCol="0"/>
           <a:lstStyle/>
-          <a:p/>
+          <a:p>
+            <a:endParaRPr/>
+          </a:p>
         </p:txBody>
       </p:sp>
       <p:grpSp>
@@ -4577,7 +4806,7 @@
               <a:cxnLst/>
               <a:rect l="l" t="t" r="r" b="b"/>
               <a:pathLst>
-                <a:path w="2583179" h="0">
+                <a:path w="2583179">
                   <a:moveTo>
                     <a:pt x="0" y="0"/>
                   </a:moveTo>
@@ -4596,7 +4825,9 @@
           <p:txBody>
             <a:bodyPr wrap="square" lIns="0" tIns="0" rIns="0" bIns="0" rtlCol="0"/>
             <a:lstStyle/>
-            <a:p/>
+            <a:p>
+              <a:endParaRPr/>
+            </a:p>
           </p:txBody>
         </p:sp>
         <p:sp>
@@ -4828,7 +5059,9 @@
           <p:txBody>
             <a:bodyPr wrap="square" lIns="0" tIns="0" rIns="0" bIns="0" rtlCol="0"/>
             <a:lstStyle/>
-            <a:p/>
+            <a:p>
+              <a:endParaRPr/>
+            </a:p>
           </p:txBody>
         </p:sp>
       </p:grpSp>
@@ -4850,7 +5083,7 @@
             <a:cxnLst/>
             <a:rect l="l" t="t" r="r" b="b"/>
             <a:pathLst>
-              <a:path w="1473835" h="0">
+              <a:path w="1473835">
                 <a:moveTo>
                   <a:pt x="0" y="0"/>
                 </a:moveTo>
@@ -4869,7 +5102,9 @@
         <p:txBody>
           <a:bodyPr wrap="square" lIns="0" tIns="0" rIns="0" bIns="0" rtlCol="0"/>
           <a:lstStyle/>
-          <a:p/>
+          <a:p>
+            <a:endParaRPr/>
+          </a:p>
         </p:txBody>
       </p:sp>
       <p:grpSp>
@@ -4904,7 +5139,7 @@
               <a:cxnLst/>
               <a:rect l="l" t="t" r="r" b="b"/>
               <a:pathLst>
-                <a:path w="412750" h="0">
+                <a:path w="412750">
                   <a:moveTo>
                     <a:pt x="0" y="0"/>
                   </a:moveTo>
@@ -4923,7 +5158,9 @@
           <p:txBody>
             <a:bodyPr wrap="square" lIns="0" tIns="0" rIns="0" bIns="0" rtlCol="0"/>
             <a:lstStyle/>
-            <a:p/>
+            <a:p>
+              <a:endParaRPr/>
+            </a:p>
           </p:txBody>
         </p:sp>
         <p:sp>
@@ -5032,7 +5269,9 @@
           <p:txBody>
             <a:bodyPr wrap="square" lIns="0" tIns="0" rIns="0" bIns="0" rtlCol="0"/>
             <a:lstStyle/>
-            <a:p/>
+            <a:p>
+              <a:endParaRPr/>
+            </a:p>
           </p:txBody>
         </p:sp>
       </p:grpSp>
@@ -5055,7 +5294,7 @@
           </a:solidFill>
         </p:spPr>
         <p:txBody>
-          <a:bodyPr wrap="square" lIns="0" tIns="127635" rIns="0" bIns="0" rtlCol="0" vert="horz">
+          <a:bodyPr vert="horz" wrap="square" lIns="0" tIns="127635" rIns="0" bIns="0" rtlCol="0">
             <a:spAutoFit/>
           </a:bodyPr>
           <a:lstStyle/>
@@ -5069,7 +5308,7 @@
               </a:spcBef>
             </a:pPr>
             <a:r>
-              <a:rPr dirty="0" sz="1800" spc="-20" b="1">
+              <a:rPr sz="1800" b="1" spc="-20" dirty="0">
                 <a:solidFill>
                   <a:srgbClr val="FFFFFF"/>
                 </a:solidFill>
@@ -5104,7 +5343,7 @@
           </a:solidFill>
         </p:spPr>
         <p:txBody>
-          <a:bodyPr wrap="square" lIns="0" tIns="127635" rIns="0" bIns="0" rtlCol="0" vert="horz">
+          <a:bodyPr vert="horz" wrap="square" lIns="0" tIns="127635" rIns="0" bIns="0" rtlCol="0">
             <a:spAutoFit/>
           </a:bodyPr>
           <a:lstStyle/>
@@ -5118,7 +5357,7 @@
               </a:spcBef>
             </a:pPr>
             <a:r>
-              <a:rPr dirty="0" sz="1800" spc="-5" b="1">
+              <a:rPr sz="1800" b="1" spc="-5" dirty="0">
                 <a:solidFill>
                   <a:srgbClr val="FFFFFF"/>
                 </a:solidFill>
@@ -5153,7 +5392,7 @@
           </a:solidFill>
         </p:spPr>
         <p:txBody>
-          <a:bodyPr wrap="square" lIns="0" tIns="5080" rIns="0" bIns="0" rtlCol="0" vert="horz">
+          <a:bodyPr vert="horz" wrap="square" lIns="0" tIns="5080" rIns="0" bIns="0" rtlCol="0">
             <a:spAutoFit/>
           </a:bodyPr>
           <a:lstStyle/>
@@ -5167,7 +5406,7 @@
               </a:spcBef>
             </a:pPr>
             <a:r>
-              <a:rPr dirty="0" sz="1800" spc="-40" b="1">
+              <a:rPr sz="1800" b="1" spc="-40" dirty="0">
                 <a:solidFill>
                   <a:srgbClr val="FFFFFF"/>
                 </a:solidFill>
@@ -5202,7 +5441,7 @@
           </a:solidFill>
         </p:spPr>
         <p:txBody>
-          <a:bodyPr wrap="square" lIns="0" tIns="5080" rIns="0" bIns="0" rtlCol="0" vert="horz">
+          <a:bodyPr vert="horz" wrap="square" lIns="0" tIns="5080" rIns="0" bIns="0" rtlCol="0">
             <a:spAutoFit/>
           </a:bodyPr>
           <a:lstStyle/>
@@ -5216,7 +5455,7 @@
               </a:spcBef>
             </a:pPr>
             <a:r>
-              <a:rPr dirty="0" sz="1800" spc="-5" b="1">
+              <a:rPr sz="1800" b="1" spc="-5" dirty="0">
                 <a:solidFill>
                   <a:srgbClr val="FFFFFF"/>
                 </a:solidFill>
@@ -5248,7 +5487,7 @@
           </a:prstGeom>
         </p:spPr>
         <p:txBody>
-          <a:bodyPr wrap="square" lIns="0" tIns="12700" rIns="0" bIns="0" rtlCol="0" vert="horz">
+          <a:bodyPr vert="horz" wrap="square" lIns="0" tIns="12700" rIns="0" bIns="0" rtlCol="0">
             <a:spAutoFit/>
           </a:bodyPr>
           <a:lstStyle/>
@@ -5262,7 +5501,7 @@
               </a:spcBef>
             </a:pPr>
             <a:r>
-              <a:rPr dirty="0" sz="2400">
+              <a:rPr sz="2400" dirty="0">
                 <a:solidFill>
                   <a:srgbClr val="3B7EA1"/>
                 </a:solidFill>
@@ -5318,10 +5557,12 @@
             <a:off x="3949625" y="2240540"/>
             <a:ext cx="1244600" cy="574040"/>
           </a:xfrm>
-          <a:prstGeom prst="rect"/>
+          <a:prstGeom prst="rect">
+            <a:avLst/>
+          </a:prstGeom>
         </p:spPr>
         <p:txBody>
-          <a:bodyPr wrap="square" lIns="0" tIns="12700" rIns="0" bIns="0" rtlCol="0" vert="horz">
+          <a:bodyPr vert="horz" wrap="square" lIns="0" tIns="12700" rIns="0" bIns="0" rtlCol="0">
             <a:spAutoFit/>
           </a:bodyPr>
           <a:lstStyle/>
@@ -5335,7 +5576,7 @@
               </a:spcBef>
             </a:pPr>
             <a:r>
-              <a:rPr dirty="0" spc="-5"/>
+              <a:rPr spc="-5" dirty="0"/>
               <a:t>Rows</a:t>
             </a:r>
           </a:p>
@@ -5375,14 +5616,14 @@
         <p:spPr>
           <a:xfrm>
             <a:off x="530225" y="905764"/>
-            <a:ext cx="7720330" cy="3593465"/>
+            <a:ext cx="7720330" cy="3647793"/>
           </a:xfrm>
           <a:prstGeom prst="rect">
             <a:avLst/>
           </a:prstGeom>
         </p:spPr>
         <p:txBody>
-          <a:bodyPr wrap="square" lIns="0" tIns="125095" rIns="0" bIns="0" rtlCol="0" vert="horz">
+          <a:bodyPr vert="horz" wrap="square" lIns="0" tIns="125095" rIns="0" bIns="0" rtlCol="0">
             <a:spAutoFit/>
           </a:bodyPr>
           <a:lstStyle/>
@@ -5396,7 +5637,7 @@
               </a:spcBef>
             </a:pPr>
             <a:r>
-              <a:rPr dirty="0" sz="2200" spc="-5">
+              <a:rPr sz="2200" spc="-5" dirty="0">
                 <a:solidFill>
                   <a:srgbClr val="3B3B3B"/>
                 </a:solidFill>
@@ -5406,17 +5647,17 @@
               <a:t>Each</a:t>
             </a:r>
             <a:r>
-              <a:rPr dirty="0" sz="2200" spc="-20">
-                <a:solidFill>
-                  <a:srgbClr val="3B3B3B"/>
-                </a:solidFill>
-                <a:latin typeface="Arial MT"/>
-                <a:cs typeface="Arial MT"/>
-              </a:rPr>
-              <a:t> </a:t>
-            </a:r>
-            <a:r>
-              <a:rPr dirty="0" sz="2200">
+              <a:rPr sz="2200" spc="-20" dirty="0">
+                <a:solidFill>
+                  <a:srgbClr val="3B3B3B"/>
+                </a:solidFill>
+                <a:latin typeface="Arial MT"/>
+                <a:cs typeface="Arial MT"/>
+              </a:rPr>
+              <a:t> </a:t>
+            </a:r>
+            <a:r>
+              <a:rPr sz="2200" dirty="0">
                 <a:solidFill>
                   <a:srgbClr val="3B3B3B"/>
                 </a:solidFill>
@@ -5426,17 +5667,17 @@
               <a:t>row</a:t>
             </a:r>
             <a:r>
-              <a:rPr dirty="0" sz="2200" spc="-15">
-                <a:solidFill>
-                  <a:srgbClr val="3B3B3B"/>
-                </a:solidFill>
-                <a:latin typeface="Arial MT"/>
-                <a:cs typeface="Arial MT"/>
-              </a:rPr>
-              <a:t> </a:t>
-            </a:r>
-            <a:r>
-              <a:rPr dirty="0" sz="2200">
+              <a:rPr sz="2200" spc="-15" dirty="0">
+                <a:solidFill>
+                  <a:srgbClr val="3B3B3B"/>
+                </a:solidFill>
+                <a:latin typeface="Arial MT"/>
+                <a:cs typeface="Arial MT"/>
+              </a:rPr>
+              <a:t> </a:t>
+            </a:r>
+            <a:r>
+              <a:rPr sz="2200" dirty="0">
                 <a:solidFill>
                   <a:srgbClr val="3B3B3B"/>
                 </a:solidFill>
@@ -5446,17 +5687,17 @@
               <a:t>contains</a:t>
             </a:r>
             <a:r>
-              <a:rPr dirty="0" sz="2200" spc="-10">
-                <a:solidFill>
-                  <a:srgbClr val="3B3B3B"/>
-                </a:solidFill>
-                <a:latin typeface="Arial MT"/>
-                <a:cs typeface="Arial MT"/>
-              </a:rPr>
-              <a:t> </a:t>
-            </a:r>
-            <a:r>
-              <a:rPr dirty="0" sz="2200" spc="-5">
+              <a:rPr sz="2200" spc="-10" dirty="0">
+                <a:solidFill>
+                  <a:srgbClr val="3B3B3B"/>
+                </a:solidFill>
+                <a:latin typeface="Arial MT"/>
+                <a:cs typeface="Arial MT"/>
+              </a:rPr>
+              <a:t> </a:t>
+            </a:r>
+            <a:r>
+              <a:rPr sz="2200" spc="-5" dirty="0">
                 <a:solidFill>
                   <a:srgbClr val="3B3B3B"/>
                 </a:solidFill>
@@ -5466,17 +5707,17 @@
               <a:t>all</a:t>
             </a:r>
             <a:r>
-              <a:rPr dirty="0" sz="2200" spc="-15">
-                <a:solidFill>
-                  <a:srgbClr val="3B3B3B"/>
-                </a:solidFill>
-                <a:latin typeface="Arial MT"/>
-                <a:cs typeface="Arial MT"/>
-              </a:rPr>
-              <a:t> </a:t>
-            </a:r>
-            <a:r>
-              <a:rPr dirty="0" sz="2200" spc="-5">
+              <a:rPr sz="2200" spc="-15" dirty="0">
+                <a:solidFill>
+                  <a:srgbClr val="3B3B3B"/>
+                </a:solidFill>
+                <a:latin typeface="Arial MT"/>
+                <a:cs typeface="Arial MT"/>
+              </a:rPr>
+              <a:t> </a:t>
+            </a:r>
+            <a:r>
+              <a:rPr sz="2200" spc="-5" dirty="0">
                 <a:solidFill>
                   <a:srgbClr val="3B3B3B"/>
                 </a:solidFill>
@@ -5486,17 +5727,17 @@
               <a:t>the</a:t>
             </a:r>
             <a:r>
-              <a:rPr dirty="0" sz="2200" spc="-15">
-                <a:solidFill>
-                  <a:srgbClr val="3B3B3B"/>
-                </a:solidFill>
-                <a:latin typeface="Arial MT"/>
-                <a:cs typeface="Arial MT"/>
-              </a:rPr>
-              <a:t> </a:t>
-            </a:r>
-            <a:r>
-              <a:rPr dirty="0" sz="2200" spc="-5">
+              <a:rPr sz="2200" spc="-15" dirty="0">
+                <a:solidFill>
+                  <a:srgbClr val="3B3B3B"/>
+                </a:solidFill>
+                <a:latin typeface="Arial MT"/>
+                <a:cs typeface="Arial MT"/>
+              </a:rPr>
+              <a:t> </a:t>
+            </a:r>
+            <a:r>
+              <a:rPr sz="2200" spc="-5" dirty="0">
                 <a:solidFill>
                   <a:srgbClr val="3B3B3B"/>
                 </a:solidFill>
@@ -5506,17 +5747,17 @@
               <a:t>data</a:t>
             </a:r>
             <a:r>
-              <a:rPr dirty="0" sz="2200" spc="-15">
-                <a:solidFill>
-                  <a:srgbClr val="3B3B3B"/>
-                </a:solidFill>
-                <a:latin typeface="Arial MT"/>
-                <a:cs typeface="Arial MT"/>
-              </a:rPr>
-              <a:t> </a:t>
-            </a:r>
-            <a:r>
-              <a:rPr dirty="0" sz="2200" spc="-5">
+              <a:rPr sz="2200" spc="-15" dirty="0">
+                <a:solidFill>
+                  <a:srgbClr val="3B3B3B"/>
+                </a:solidFill>
+                <a:latin typeface="Arial MT"/>
+                <a:cs typeface="Arial MT"/>
+              </a:rPr>
+              <a:t> </a:t>
+            </a:r>
+            <a:r>
+              <a:rPr sz="2200" spc="-5" dirty="0">
                 <a:solidFill>
                   <a:srgbClr val="3B3B3B"/>
                 </a:solidFill>
@@ -5526,17 +5767,17 @@
               <a:t>for</a:t>
             </a:r>
             <a:r>
-              <a:rPr dirty="0" sz="2200" spc="-15">
-                <a:solidFill>
-                  <a:srgbClr val="3B3B3B"/>
-                </a:solidFill>
-                <a:latin typeface="Arial MT"/>
-                <a:cs typeface="Arial MT"/>
-              </a:rPr>
-              <a:t> </a:t>
-            </a:r>
-            <a:r>
-              <a:rPr dirty="0" sz="2200" spc="-5">
+              <a:rPr sz="2200" spc="-15" dirty="0">
+                <a:solidFill>
+                  <a:srgbClr val="3B3B3B"/>
+                </a:solidFill>
+                <a:latin typeface="Arial MT"/>
+                <a:cs typeface="Arial MT"/>
+              </a:rPr>
+              <a:t> </a:t>
+            </a:r>
+            <a:r>
+              <a:rPr sz="2200" spc="-5" dirty="0">
                 <a:solidFill>
                   <a:srgbClr val="3B3B3B"/>
                 </a:solidFill>
@@ -5546,17 +5787,17 @@
               <a:t>one</a:t>
             </a:r>
             <a:r>
-              <a:rPr dirty="0" sz="2200" spc="-15">
-                <a:solidFill>
-                  <a:srgbClr val="3B3B3B"/>
-                </a:solidFill>
-                <a:latin typeface="Arial MT"/>
-                <a:cs typeface="Arial MT"/>
-              </a:rPr>
-              <a:t> </a:t>
-            </a:r>
-            <a:r>
-              <a:rPr dirty="0" sz="2200" spc="-5">
+              <a:rPr sz="2200" spc="-15" dirty="0">
+                <a:solidFill>
+                  <a:srgbClr val="3B3B3B"/>
+                </a:solidFill>
+                <a:latin typeface="Arial MT"/>
+                <a:cs typeface="Arial MT"/>
+              </a:rPr>
+              <a:t> </a:t>
+            </a:r>
+            <a:r>
+              <a:rPr sz="2200" spc="-5" dirty="0">
                 <a:solidFill>
                   <a:srgbClr val="3B3B3B"/>
                 </a:solidFill>
@@ -5565,7 +5806,7 @@
               </a:rPr>
               <a:t>individual</a:t>
             </a:r>
-            <a:endParaRPr sz="2200">
+            <a:endParaRPr sz="2200" dirty="0">
               <a:latin typeface="Arial MT"/>
               <a:cs typeface="Arial MT"/>
             </a:endParaRPr>
@@ -5589,7 +5830,7 @@
               </a:tabLst>
             </a:pPr>
             <a:r>
-              <a:rPr dirty="0" sz="2200" spc="-5" b="1">
+              <a:rPr sz="2200" b="1" spc="-5" dirty="0">
                 <a:solidFill>
                   <a:srgbClr val="0000FF"/>
                 </a:solidFill>
@@ -5599,7 +5840,7 @@
               <a:t>t.row(i</a:t>
             </a:r>
             <a:r>
-              <a:rPr dirty="0" sz="2200" b="1">
+              <a:rPr sz="2200" b="1" dirty="0">
                 <a:solidFill>
                   <a:srgbClr val="0000FF"/>
                 </a:solidFill>
@@ -5609,7 +5850,7 @@
               <a:t>)</a:t>
             </a:r>
             <a:r>
-              <a:rPr dirty="0" sz="2200" spc="-715" b="1">
+              <a:rPr sz="2200" b="1" spc="-715" dirty="0">
                 <a:solidFill>
                   <a:srgbClr val="0000FF"/>
                 </a:solidFill>
@@ -5619,7 +5860,7 @@
               <a:t> </a:t>
             </a:r>
             <a:r>
-              <a:rPr dirty="0" sz="2200" spc="-5">
+              <a:rPr sz="2200" spc="-5" dirty="0">
                 <a:solidFill>
                   <a:srgbClr val="3B3B3B"/>
                 </a:solidFill>
@@ -5629,7 +5870,7 @@
               <a:t>evaluate</a:t>
             </a:r>
             <a:r>
-              <a:rPr dirty="0" sz="2200">
+              <a:rPr sz="2200" dirty="0">
                 <a:solidFill>
                   <a:srgbClr val="3B3B3B"/>
                 </a:solidFill>
@@ -5639,7 +5880,7 @@
               <a:t>s</a:t>
             </a:r>
             <a:r>
-              <a:rPr dirty="0" sz="2200" spc="-5">
+              <a:rPr sz="2200" spc="-5" dirty="0">
                 <a:solidFill>
                   <a:srgbClr val="3B3B3B"/>
                 </a:solidFill>
@@ -5649,7 +5890,7 @@
               <a:t> t</a:t>
             </a:r>
             <a:r>
-              <a:rPr dirty="0" sz="2200">
+              <a:rPr sz="2200" dirty="0">
                 <a:solidFill>
                   <a:srgbClr val="3B3B3B"/>
                 </a:solidFill>
@@ -5659,17 +5900,17 @@
               <a:t>o</a:t>
             </a:r>
             <a:r>
-              <a:rPr dirty="0" sz="2200" spc="10">
-                <a:solidFill>
-                  <a:srgbClr val="3B3B3B"/>
-                </a:solidFill>
-                <a:latin typeface="Arial MT"/>
-                <a:cs typeface="Arial MT"/>
-              </a:rPr>
-              <a:t> </a:t>
-            </a:r>
-            <a:r>
-              <a:rPr dirty="0" sz="2200" spc="-5" b="1">
+              <a:rPr sz="2200" spc="10" dirty="0">
+                <a:solidFill>
+                  <a:srgbClr val="3B3B3B"/>
+                </a:solidFill>
+                <a:latin typeface="Arial MT"/>
+                <a:cs typeface="Arial MT"/>
+              </a:rPr>
+              <a:t> </a:t>
+            </a:r>
+            <a:r>
+              <a:rPr sz="2200" b="1" spc="-5" dirty="0">
                 <a:solidFill>
                   <a:srgbClr val="3B3B3B"/>
                 </a:solidFill>
@@ -5679,7 +5920,7 @@
               <a:t>i</a:t>
             </a:r>
             <a:r>
-              <a:rPr dirty="0" sz="2200" spc="-5">
+              <a:rPr sz="2200" spc="-5" dirty="0">
                 <a:solidFill>
                   <a:srgbClr val="3B3B3B"/>
                 </a:solidFill>
@@ -5689,7 +5930,7 @@
               <a:t>t</a:t>
             </a:r>
             <a:r>
-              <a:rPr dirty="0" sz="2200">
+              <a:rPr sz="2200" dirty="0">
                 <a:solidFill>
                   <a:srgbClr val="3B3B3B"/>
                 </a:solidFill>
@@ -5699,17 +5940,17 @@
               <a:t>h</a:t>
             </a:r>
             <a:r>
-              <a:rPr dirty="0" sz="2200" spc="-10">
-                <a:solidFill>
-                  <a:srgbClr val="3B3B3B"/>
-                </a:solidFill>
-                <a:latin typeface="Arial MT"/>
-                <a:cs typeface="Arial MT"/>
-              </a:rPr>
-              <a:t> </a:t>
-            </a:r>
-            <a:r>
-              <a:rPr dirty="0" sz="2200">
+              <a:rPr sz="2200" spc="-10" dirty="0">
+                <a:solidFill>
+                  <a:srgbClr val="3B3B3B"/>
+                </a:solidFill>
+                <a:latin typeface="Arial MT"/>
+                <a:cs typeface="Arial MT"/>
+              </a:rPr>
+              <a:t> </a:t>
+            </a:r>
+            <a:r>
+              <a:rPr sz="2200" dirty="0">
                 <a:solidFill>
                   <a:srgbClr val="3B3B3B"/>
                 </a:solidFill>
@@ -5719,7 +5960,7 @@
               <a:t>row</a:t>
             </a:r>
             <a:r>
-              <a:rPr dirty="0" sz="2200" spc="-5">
+              <a:rPr sz="2200" spc="-5" dirty="0">
                 <a:solidFill>
                   <a:srgbClr val="3B3B3B"/>
                 </a:solidFill>
@@ -5729,7 +5970,7 @@
               <a:t> o</a:t>
             </a:r>
             <a:r>
-              <a:rPr dirty="0" sz="2200">
+              <a:rPr sz="2200" dirty="0">
                 <a:solidFill>
                   <a:srgbClr val="3B3B3B"/>
                 </a:solidFill>
@@ -5739,7 +5980,7 @@
               <a:t>f</a:t>
             </a:r>
             <a:r>
-              <a:rPr dirty="0" sz="2200" spc="-5">
+              <a:rPr sz="2200" spc="-5" dirty="0">
                 <a:solidFill>
                   <a:srgbClr val="3B3B3B"/>
                 </a:solidFill>
@@ -5749,7 +5990,7 @@
               <a:t> tabl</a:t>
             </a:r>
             <a:r>
-              <a:rPr dirty="0" sz="2200">
+              <a:rPr sz="2200" dirty="0">
                 <a:solidFill>
                   <a:srgbClr val="3B3B3B"/>
                 </a:solidFill>
@@ -5759,17 +6000,17 @@
               <a:t>e</a:t>
             </a:r>
             <a:r>
-              <a:rPr dirty="0" sz="2200" spc="25">
-                <a:solidFill>
-                  <a:srgbClr val="3B3B3B"/>
-                </a:solidFill>
-                <a:latin typeface="Arial MT"/>
-                <a:cs typeface="Arial MT"/>
-              </a:rPr>
-              <a:t> </a:t>
-            </a:r>
-            <a:r>
-              <a:rPr dirty="0" sz="2200" b="1">
+              <a:rPr sz="2200" spc="25" dirty="0">
+                <a:solidFill>
+                  <a:srgbClr val="3B3B3B"/>
+                </a:solidFill>
+                <a:latin typeface="Arial MT"/>
+                <a:cs typeface="Arial MT"/>
+              </a:rPr>
+              <a:t> </a:t>
+            </a:r>
+            <a:r>
+              <a:rPr sz="2200" b="1" dirty="0">
                 <a:solidFill>
                   <a:srgbClr val="3B3B3B"/>
                 </a:solidFill>
@@ -5778,7 +6019,7 @@
               </a:rPr>
               <a:t>t</a:t>
             </a:r>
-            <a:endParaRPr sz="2200">
+            <a:endParaRPr sz="2200" dirty="0">
               <a:latin typeface="Courier New"/>
               <a:cs typeface="Courier New"/>
             </a:endParaRPr>
@@ -5802,7 +6043,7 @@
               </a:tabLst>
             </a:pPr>
             <a:r>
-              <a:rPr dirty="0" sz="2200" spc="-5" b="1">
+              <a:rPr sz="2200" b="1" spc="-5" dirty="0">
                 <a:solidFill>
                   <a:srgbClr val="0000FF"/>
                 </a:solidFill>
@@ -5812,132 +6053,132 @@
               <a:t>t.row(i).item(j)</a:t>
             </a:r>
             <a:r>
-              <a:rPr dirty="0" sz="2200" spc="-5">
+              <a:rPr sz="2200" spc="-5" dirty="0">
                 <a:latin typeface="Arial MT"/>
                 <a:cs typeface="Arial MT"/>
               </a:rPr>
               <a:t>i</a:t>
             </a:r>
             <a:r>
-              <a:rPr dirty="0" sz="2200">
+              <a:rPr sz="2200" dirty="0">
                 <a:latin typeface="Arial MT"/>
                 <a:cs typeface="Arial MT"/>
               </a:rPr>
               <a:t>s</a:t>
             </a:r>
             <a:r>
-              <a:rPr dirty="0" sz="2200" spc="-5">
+              <a:rPr sz="2200" spc="-5" dirty="0">
                 <a:latin typeface="Arial MT"/>
                 <a:cs typeface="Arial MT"/>
               </a:rPr>
               <a:t> th</a:t>
             </a:r>
             <a:r>
-              <a:rPr dirty="0" sz="2200">
+              <a:rPr sz="2200" dirty="0">
                 <a:latin typeface="Arial MT"/>
                 <a:cs typeface="Arial MT"/>
               </a:rPr>
               <a:t>e</a:t>
             </a:r>
             <a:r>
-              <a:rPr dirty="0" sz="2200" spc="-10">
-                <a:latin typeface="Arial MT"/>
-                <a:cs typeface="Arial MT"/>
-              </a:rPr>
-              <a:t> </a:t>
-            </a:r>
-            <a:r>
-              <a:rPr dirty="0" sz="2200">
+              <a:rPr sz="2200" spc="-10" dirty="0">
+                <a:latin typeface="Arial MT"/>
+                <a:cs typeface="Arial MT"/>
+              </a:rPr>
+              <a:t> </a:t>
+            </a:r>
+            <a:r>
+              <a:rPr sz="2200" dirty="0">
                 <a:latin typeface="Arial MT"/>
                 <a:cs typeface="Arial MT"/>
               </a:rPr>
               <a:t>value</a:t>
             </a:r>
             <a:r>
-              <a:rPr dirty="0" sz="2200" spc="-5">
+              <a:rPr sz="2200" spc="-5" dirty="0">
                 <a:latin typeface="Arial MT"/>
                 <a:cs typeface="Arial MT"/>
               </a:rPr>
               <a:t> o</a:t>
             </a:r>
             <a:r>
-              <a:rPr dirty="0" sz="2200">
+              <a:rPr sz="2200" dirty="0">
                 <a:latin typeface="Arial MT"/>
                 <a:cs typeface="Arial MT"/>
               </a:rPr>
               <a:t>f</a:t>
             </a:r>
             <a:r>
-              <a:rPr dirty="0" sz="2200" spc="-5">
-                <a:latin typeface="Arial MT"/>
-                <a:cs typeface="Arial MT"/>
-              </a:rPr>
-              <a:t> </a:t>
-            </a:r>
-            <a:r>
-              <a:rPr dirty="0" sz="2200">
+              <a:rPr sz="2200" spc="-5" dirty="0">
+                <a:latin typeface="Arial MT"/>
+                <a:cs typeface="Arial MT"/>
+              </a:rPr>
+              <a:t> </a:t>
+            </a:r>
+            <a:r>
+              <a:rPr sz="2200" dirty="0">
                 <a:latin typeface="Arial MT"/>
                 <a:cs typeface="Arial MT"/>
               </a:rPr>
               <a:t>column</a:t>
             </a:r>
             <a:r>
-              <a:rPr dirty="0" sz="2200" spc="15">
-                <a:latin typeface="Arial MT"/>
-                <a:cs typeface="Arial MT"/>
-              </a:rPr>
-              <a:t> </a:t>
-            </a:r>
-            <a:r>
-              <a:rPr dirty="0" sz="2200" b="1">
+              <a:rPr sz="2200" spc="15" dirty="0">
+                <a:latin typeface="Arial MT"/>
+                <a:cs typeface="Arial MT"/>
+              </a:rPr>
+              <a:t> </a:t>
+            </a:r>
+            <a:r>
+              <a:rPr sz="2200" b="1" dirty="0">
                 <a:latin typeface="Courier New"/>
                 <a:cs typeface="Courier New"/>
               </a:rPr>
               <a:t>j</a:t>
             </a:r>
             <a:r>
-              <a:rPr dirty="0" sz="2200" spc="-715" b="1">
+              <a:rPr sz="2200" b="1" spc="-715" dirty="0">
                 <a:latin typeface="Courier New"/>
                 <a:cs typeface="Courier New"/>
               </a:rPr>
               <a:t> </a:t>
             </a:r>
             <a:r>
-              <a:rPr dirty="0" sz="2200" spc="-5">
+              <a:rPr sz="2200" spc="-5" dirty="0">
                 <a:latin typeface="Arial MT"/>
                 <a:cs typeface="Arial MT"/>
               </a:rPr>
               <a:t>i</a:t>
             </a:r>
             <a:r>
-              <a:rPr dirty="0" sz="2200">
+              <a:rPr sz="2200" dirty="0">
                 <a:latin typeface="Arial MT"/>
                 <a:cs typeface="Arial MT"/>
               </a:rPr>
               <a:t>n</a:t>
             </a:r>
             <a:r>
-              <a:rPr dirty="0" sz="2200" spc="-5">
-                <a:latin typeface="Arial MT"/>
-                <a:cs typeface="Arial MT"/>
-              </a:rPr>
-              <a:t> </a:t>
-            </a:r>
-            <a:r>
-              <a:rPr dirty="0" sz="2200">
+              <a:rPr sz="2200" spc="-5" dirty="0">
+                <a:latin typeface="Arial MT"/>
+                <a:cs typeface="Arial MT"/>
+              </a:rPr>
+              <a:t> </a:t>
+            </a:r>
+            <a:r>
+              <a:rPr sz="2200" dirty="0">
                 <a:latin typeface="Arial MT"/>
                 <a:cs typeface="Arial MT"/>
               </a:rPr>
               <a:t>row </a:t>
             </a:r>
             <a:r>
-              <a:rPr dirty="0" sz="2200" b="1">
+              <a:rPr sz="2200" b="1" dirty="0">
                 <a:latin typeface="Courier New"/>
                 <a:cs typeface="Courier New"/>
               </a:rPr>
               <a:t>i</a:t>
             </a:r>
-            <a:endParaRPr sz="2200">
+            <a:endParaRPr sz="2200" dirty="0">
               <a:latin typeface="Courier New"/>
               <a:cs typeface="Courier New"/>
             </a:endParaRPr>
@@ -5960,7 +6201,7 @@
               </a:tabLst>
             </a:pPr>
             <a:r>
-              <a:rPr dirty="0" sz="2200" spc="-5">
+              <a:rPr sz="2200" spc="-5" dirty="0">
                 <a:solidFill>
                   <a:srgbClr val="3B3B3B"/>
                 </a:solidFill>
@@ -5970,17 +6211,17 @@
               <a:t>If</a:t>
             </a:r>
             <a:r>
-              <a:rPr dirty="0" sz="2200" spc="-25">
-                <a:solidFill>
-                  <a:srgbClr val="3B3B3B"/>
-                </a:solidFill>
-                <a:latin typeface="Arial MT"/>
-                <a:cs typeface="Arial MT"/>
-              </a:rPr>
-              <a:t> </a:t>
-            </a:r>
-            <a:r>
-              <a:rPr dirty="0" sz="2200" spc="-5">
+              <a:rPr sz="2200" spc="-25" dirty="0">
+                <a:solidFill>
+                  <a:srgbClr val="3B3B3B"/>
+                </a:solidFill>
+                <a:latin typeface="Arial MT"/>
+                <a:cs typeface="Arial MT"/>
+              </a:rPr>
+              <a:t> </a:t>
+            </a:r>
+            <a:r>
+              <a:rPr sz="2200" spc="-5" dirty="0">
                 <a:solidFill>
                   <a:srgbClr val="3B3B3B"/>
                 </a:solidFill>
@@ -5990,17 +6231,17 @@
               <a:t>all</a:t>
             </a:r>
             <a:r>
-              <a:rPr dirty="0" sz="2200" spc="-15">
-                <a:solidFill>
-                  <a:srgbClr val="3B3B3B"/>
-                </a:solidFill>
-                <a:latin typeface="Arial MT"/>
-                <a:cs typeface="Arial MT"/>
-              </a:rPr>
-              <a:t> </a:t>
-            </a:r>
-            <a:r>
-              <a:rPr dirty="0" sz="2200">
+              <a:rPr sz="2200" spc="-15" dirty="0">
+                <a:solidFill>
+                  <a:srgbClr val="3B3B3B"/>
+                </a:solidFill>
+                <a:latin typeface="Arial MT"/>
+                <a:cs typeface="Arial MT"/>
+              </a:rPr>
+              <a:t> </a:t>
+            </a:r>
+            <a:r>
+              <a:rPr sz="2200" dirty="0">
                 <a:solidFill>
                   <a:srgbClr val="3B3B3B"/>
                 </a:solidFill>
@@ -6010,17 +6251,17 @@
               <a:t>values</a:t>
             </a:r>
             <a:r>
-              <a:rPr dirty="0" sz="2200" spc="-15">
-                <a:solidFill>
-                  <a:srgbClr val="3B3B3B"/>
-                </a:solidFill>
-                <a:latin typeface="Arial MT"/>
-                <a:cs typeface="Arial MT"/>
-              </a:rPr>
-              <a:t> </a:t>
-            </a:r>
-            <a:r>
-              <a:rPr dirty="0" sz="2200" spc="-5">
+              <a:rPr sz="2200" spc="-15" dirty="0">
+                <a:solidFill>
+                  <a:srgbClr val="3B3B3B"/>
+                </a:solidFill>
+                <a:latin typeface="Arial MT"/>
+                <a:cs typeface="Arial MT"/>
+              </a:rPr>
+              <a:t> </a:t>
+            </a:r>
+            <a:r>
+              <a:rPr sz="2200" spc="-5" dirty="0">
                 <a:solidFill>
                   <a:srgbClr val="3B3B3B"/>
                 </a:solidFill>
@@ -6030,17 +6271,17 @@
               <a:t>are</a:t>
             </a:r>
             <a:r>
-              <a:rPr dirty="0" sz="2200" spc="-15">
-                <a:solidFill>
-                  <a:srgbClr val="3B3B3B"/>
-                </a:solidFill>
-                <a:latin typeface="Arial MT"/>
-                <a:cs typeface="Arial MT"/>
-              </a:rPr>
-              <a:t> </a:t>
-            </a:r>
-            <a:r>
-              <a:rPr dirty="0" sz="2200" spc="-5">
+              <a:rPr sz="2200" spc="-15" dirty="0">
+                <a:solidFill>
+                  <a:srgbClr val="3B3B3B"/>
+                </a:solidFill>
+                <a:latin typeface="Arial MT"/>
+                <a:cs typeface="Arial MT"/>
+              </a:rPr>
+              <a:t> </a:t>
+            </a:r>
+            <a:r>
+              <a:rPr sz="2200" spc="-5" dirty="0">
                 <a:solidFill>
                   <a:srgbClr val="3B3B3B"/>
                 </a:solidFill>
@@ -6050,17 +6291,17 @@
               <a:t>numbers,</a:t>
             </a:r>
             <a:r>
-              <a:rPr dirty="0" sz="2200" spc="-15">
-                <a:solidFill>
-                  <a:srgbClr val="3B3B3B"/>
-                </a:solidFill>
-                <a:latin typeface="Arial MT"/>
-                <a:cs typeface="Arial MT"/>
-              </a:rPr>
-              <a:t> </a:t>
-            </a:r>
-            <a:r>
-              <a:rPr dirty="0" sz="2200" spc="-5">
+              <a:rPr sz="2200" spc="-15" dirty="0">
+                <a:solidFill>
+                  <a:srgbClr val="3B3B3B"/>
+                </a:solidFill>
+                <a:latin typeface="Arial MT"/>
+                <a:cs typeface="Arial MT"/>
+              </a:rPr>
+              <a:t> </a:t>
+            </a:r>
+            <a:r>
+              <a:rPr sz="2200" spc="-5" dirty="0">
                 <a:solidFill>
                   <a:srgbClr val="3B3B3B"/>
                 </a:solidFill>
@@ -6070,17 +6311,17 @@
               <a:t>then</a:t>
             </a:r>
             <a:r>
-              <a:rPr dirty="0" sz="2200" spc="20">
-                <a:solidFill>
-                  <a:srgbClr val="3B3B3B"/>
-                </a:solidFill>
-                <a:latin typeface="Arial MT"/>
-                <a:cs typeface="Arial MT"/>
-              </a:rPr>
-              <a:t> </a:t>
-            </a:r>
-            <a:r>
-              <a:rPr dirty="0" sz="2200" spc="-5" b="1">
+              <a:rPr sz="2200" spc="20" dirty="0">
+                <a:solidFill>
+                  <a:srgbClr val="3B3B3B"/>
+                </a:solidFill>
+                <a:latin typeface="Arial MT"/>
+                <a:cs typeface="Arial MT"/>
+              </a:rPr>
+              <a:t> </a:t>
+            </a:r>
+            <a:r>
+              <a:rPr sz="2200" b="1" spc="-5" dirty="0">
                 <a:solidFill>
                   <a:srgbClr val="0000FF"/>
                 </a:solidFill>
@@ -6089,7 +6330,7 @@
               </a:rPr>
               <a:t>np.array(t.row(i))</a:t>
             </a:r>
-            <a:endParaRPr sz="2200">
+            <a:endParaRPr sz="2200" dirty="0">
               <a:latin typeface="Courier New"/>
               <a:cs typeface="Courier New"/>
             </a:endParaRPr>
@@ -6104,7 +6345,7 @@
               </a:spcBef>
             </a:pPr>
             <a:r>
-              <a:rPr dirty="0" sz="2200" spc="-5">
+              <a:rPr sz="2200" spc="-5" dirty="0">
                 <a:solidFill>
                   <a:srgbClr val="3B3B3B"/>
                 </a:solidFill>
@@ -6114,17 +6355,17 @@
               <a:t>evaluates</a:t>
             </a:r>
             <a:r>
-              <a:rPr dirty="0" sz="2200" spc="-10">
-                <a:solidFill>
-                  <a:srgbClr val="3B3B3B"/>
-                </a:solidFill>
-                <a:latin typeface="Arial MT"/>
-                <a:cs typeface="Arial MT"/>
-              </a:rPr>
-              <a:t> </a:t>
-            </a:r>
-            <a:r>
-              <a:rPr dirty="0" sz="2200" spc="-5">
+              <a:rPr sz="2200" spc="-10" dirty="0">
+                <a:solidFill>
+                  <a:srgbClr val="3B3B3B"/>
+                </a:solidFill>
+                <a:latin typeface="Arial MT"/>
+                <a:cs typeface="Arial MT"/>
+              </a:rPr>
+              <a:t> </a:t>
+            </a:r>
+            <a:r>
+              <a:rPr sz="2200" spc="-5" dirty="0">
                 <a:solidFill>
                   <a:srgbClr val="3B3B3B"/>
                 </a:solidFill>
@@ -6134,17 +6375,17 @@
               <a:t>to</a:t>
             </a:r>
             <a:r>
-              <a:rPr dirty="0" sz="2200" spc="-15">
-                <a:solidFill>
-                  <a:srgbClr val="3B3B3B"/>
-                </a:solidFill>
-                <a:latin typeface="Arial MT"/>
-                <a:cs typeface="Arial MT"/>
-              </a:rPr>
-              <a:t> </a:t>
-            </a:r>
-            <a:r>
-              <a:rPr dirty="0" sz="2200" spc="-5">
+              <a:rPr sz="2200" spc="-15" dirty="0">
+                <a:solidFill>
+                  <a:srgbClr val="3B3B3B"/>
+                </a:solidFill>
+                <a:latin typeface="Arial MT"/>
+                <a:cs typeface="Arial MT"/>
+              </a:rPr>
+              <a:t> </a:t>
+            </a:r>
+            <a:r>
+              <a:rPr sz="2200" spc="-5" dirty="0">
                 <a:solidFill>
                   <a:srgbClr val="3B3B3B"/>
                 </a:solidFill>
@@ -6154,17 +6395,17 @@
               <a:t>an array</a:t>
             </a:r>
             <a:r>
-              <a:rPr dirty="0" sz="2200" spc="-10">
-                <a:solidFill>
-                  <a:srgbClr val="3B3B3B"/>
-                </a:solidFill>
-                <a:latin typeface="Arial MT"/>
-                <a:cs typeface="Arial MT"/>
-              </a:rPr>
-              <a:t> </a:t>
-            </a:r>
-            <a:r>
-              <a:rPr dirty="0" sz="2200" spc="-5">
+              <a:rPr sz="2200" spc="-10" dirty="0">
+                <a:solidFill>
+                  <a:srgbClr val="3B3B3B"/>
+                </a:solidFill>
+                <a:latin typeface="Arial MT"/>
+                <a:cs typeface="Arial MT"/>
+              </a:rPr>
+              <a:t> </a:t>
+            </a:r>
+            <a:r>
+              <a:rPr sz="2200" spc="-5" dirty="0">
                 <a:solidFill>
                   <a:srgbClr val="3B3B3B"/>
                 </a:solidFill>
@@ -6174,17 +6415,17 @@
               <a:t>of</a:t>
             </a:r>
             <a:r>
-              <a:rPr dirty="0" sz="2200" spc="-10">
-                <a:solidFill>
-                  <a:srgbClr val="3B3B3B"/>
-                </a:solidFill>
-                <a:latin typeface="Arial MT"/>
-                <a:cs typeface="Arial MT"/>
-              </a:rPr>
-              <a:t> </a:t>
-            </a:r>
-            <a:r>
-              <a:rPr dirty="0" sz="2200" spc="-5">
+              <a:rPr sz="2200" spc="-10" dirty="0">
+                <a:solidFill>
+                  <a:srgbClr val="3B3B3B"/>
+                </a:solidFill>
+                <a:latin typeface="Arial MT"/>
+                <a:cs typeface="Arial MT"/>
+              </a:rPr>
+              <a:t> </a:t>
+            </a:r>
+            <a:r>
+              <a:rPr sz="2200" spc="-5" dirty="0">
                 <a:solidFill>
                   <a:srgbClr val="3B3B3B"/>
                 </a:solidFill>
@@ -6194,17 +6435,17 @@
               <a:t>all the</a:t>
             </a:r>
             <a:r>
-              <a:rPr dirty="0" sz="2200" spc="-15">
-                <a:solidFill>
-                  <a:srgbClr val="3B3B3B"/>
-                </a:solidFill>
-                <a:latin typeface="Arial MT"/>
-                <a:cs typeface="Arial MT"/>
-              </a:rPr>
-              <a:t> </a:t>
-            </a:r>
-            <a:r>
-              <a:rPr dirty="0" sz="2200" spc="-5">
+              <a:rPr sz="2200" spc="-15" dirty="0">
+                <a:solidFill>
+                  <a:srgbClr val="3B3B3B"/>
+                </a:solidFill>
+                <a:latin typeface="Arial MT"/>
+                <a:cs typeface="Arial MT"/>
+              </a:rPr>
+              <a:t> </a:t>
+            </a:r>
+            <a:r>
+              <a:rPr sz="2200" spc="-5" dirty="0">
                 <a:solidFill>
                   <a:srgbClr val="3B3B3B"/>
                 </a:solidFill>
@@ -6214,17 +6455,17 @@
               <a:t>numbers in</a:t>
             </a:r>
             <a:r>
-              <a:rPr dirty="0" sz="2200" spc="-10">
-                <a:solidFill>
-                  <a:srgbClr val="3B3B3B"/>
-                </a:solidFill>
-                <a:latin typeface="Arial MT"/>
-                <a:cs typeface="Arial MT"/>
-              </a:rPr>
-              <a:t> </a:t>
-            </a:r>
-            <a:r>
-              <a:rPr dirty="0" sz="2200" spc="-5">
+              <a:rPr sz="2200" spc="-10" dirty="0">
+                <a:solidFill>
+                  <a:srgbClr val="3B3B3B"/>
+                </a:solidFill>
+                <a:latin typeface="Arial MT"/>
+                <a:cs typeface="Arial MT"/>
+              </a:rPr>
+              <a:t> </a:t>
+            </a:r>
+            <a:r>
+              <a:rPr sz="2200" spc="-5" dirty="0">
                 <a:solidFill>
                   <a:srgbClr val="3B3B3B"/>
                 </a:solidFill>
@@ -6234,17 +6475,17 @@
               <a:t>the</a:t>
             </a:r>
             <a:r>
-              <a:rPr dirty="0" sz="2200" spc="-15">
-                <a:solidFill>
-                  <a:srgbClr val="3B3B3B"/>
-                </a:solidFill>
-                <a:latin typeface="Arial MT"/>
-                <a:cs typeface="Arial MT"/>
-              </a:rPr>
-              <a:t> </a:t>
-            </a:r>
-            <a:r>
-              <a:rPr dirty="0" sz="2200" spc="-35">
+              <a:rPr sz="2200" spc="-15" dirty="0">
+                <a:solidFill>
+                  <a:srgbClr val="3B3B3B"/>
+                </a:solidFill>
+                <a:latin typeface="Arial MT"/>
+                <a:cs typeface="Arial MT"/>
+              </a:rPr>
+              <a:t> </a:t>
+            </a:r>
+            <a:r>
+              <a:rPr sz="2200" spc="-35" dirty="0">
                 <a:solidFill>
                   <a:srgbClr val="3B3B3B"/>
                 </a:solidFill>
@@ -6253,7 +6494,7 @@
               </a:rPr>
               <a:t>row.</a:t>
             </a:r>
-            <a:endParaRPr sz="2200">
+            <a:endParaRPr sz="2200" dirty="0">
               <a:latin typeface="Arial MT"/>
               <a:cs typeface="Arial MT"/>
             </a:endParaRPr>
@@ -6276,7 +6517,7 @@
               </a:tabLst>
             </a:pPr>
             <a:r>
-              <a:rPr dirty="0" sz="2200" spc="-125">
+              <a:rPr sz="2200" spc="-125" dirty="0">
                 <a:solidFill>
                   <a:srgbClr val="3B3B3B"/>
                 </a:solidFill>
@@ -6286,17 +6527,17 @@
               <a:t>To</a:t>
             </a:r>
             <a:r>
-              <a:rPr dirty="0" sz="2200" spc="-15">
-                <a:solidFill>
-                  <a:srgbClr val="3B3B3B"/>
-                </a:solidFill>
-                <a:latin typeface="Arial MT"/>
-                <a:cs typeface="Arial MT"/>
-              </a:rPr>
-              <a:t> </a:t>
-            </a:r>
-            <a:r>
-              <a:rPr dirty="0" sz="2200">
+              <a:rPr sz="2200" spc="-15" dirty="0">
+                <a:solidFill>
+                  <a:srgbClr val="3B3B3B"/>
+                </a:solidFill>
+                <a:latin typeface="Arial MT"/>
+                <a:cs typeface="Arial MT"/>
+              </a:rPr>
+              <a:t> </a:t>
+            </a:r>
+            <a:r>
+              <a:rPr sz="2200" dirty="0">
                 <a:solidFill>
                   <a:srgbClr val="3B3B3B"/>
                 </a:solidFill>
@@ -6306,17 +6547,17 @@
               <a:t>consider</a:t>
             </a:r>
             <a:r>
-              <a:rPr dirty="0" sz="2200" spc="-15">
-                <a:solidFill>
-                  <a:srgbClr val="3B3B3B"/>
-                </a:solidFill>
-                <a:latin typeface="Arial MT"/>
-                <a:cs typeface="Arial MT"/>
-              </a:rPr>
-              <a:t> </a:t>
-            </a:r>
-            <a:r>
-              <a:rPr dirty="0" sz="2200" spc="-5">
+              <a:rPr sz="2200" spc="-15" dirty="0">
+                <a:solidFill>
+                  <a:srgbClr val="3B3B3B"/>
+                </a:solidFill>
+                <a:latin typeface="Arial MT"/>
+                <a:cs typeface="Arial MT"/>
+              </a:rPr>
+              <a:t> </a:t>
+            </a:r>
+            <a:r>
+              <a:rPr sz="2200" spc="-5" dirty="0">
                 <a:solidFill>
                   <a:srgbClr val="3B3B3B"/>
                 </a:solidFill>
@@ -6326,17 +6567,17 @@
               <a:t>each</a:t>
             </a:r>
             <a:r>
-              <a:rPr dirty="0" sz="2200" spc="-10">
-                <a:solidFill>
-                  <a:srgbClr val="3B3B3B"/>
-                </a:solidFill>
-                <a:latin typeface="Arial MT"/>
-                <a:cs typeface="Arial MT"/>
-              </a:rPr>
-              <a:t> </a:t>
-            </a:r>
-            <a:r>
-              <a:rPr dirty="0" sz="2200">
+              <a:rPr sz="2200" spc="-10" dirty="0">
+                <a:solidFill>
+                  <a:srgbClr val="3B3B3B"/>
+                </a:solidFill>
+                <a:latin typeface="Arial MT"/>
+                <a:cs typeface="Arial MT"/>
+              </a:rPr>
+              <a:t> </a:t>
+            </a:r>
+            <a:r>
+              <a:rPr sz="2200" dirty="0">
                 <a:solidFill>
                   <a:srgbClr val="3B3B3B"/>
                 </a:solidFill>
@@ -6346,17 +6587,17 @@
               <a:t>row</a:t>
             </a:r>
             <a:r>
-              <a:rPr dirty="0" sz="2200" spc="-15">
-                <a:solidFill>
-                  <a:srgbClr val="3B3B3B"/>
-                </a:solidFill>
-                <a:latin typeface="Arial MT"/>
-                <a:cs typeface="Arial MT"/>
-              </a:rPr>
-              <a:t> </a:t>
-            </a:r>
-            <a:r>
-              <a:rPr dirty="0" sz="2200" spc="-20">
+              <a:rPr sz="2200" spc="-15" dirty="0">
+                <a:solidFill>
+                  <a:srgbClr val="3B3B3B"/>
+                </a:solidFill>
+                <a:latin typeface="Arial MT"/>
+                <a:cs typeface="Arial MT"/>
+              </a:rPr>
+              <a:t> </a:t>
+            </a:r>
+            <a:r>
+              <a:rPr sz="2200" spc="-20" dirty="0">
                 <a:solidFill>
                   <a:srgbClr val="3B3B3B"/>
                 </a:solidFill>
@@ -6366,7 +6607,7 @@
               <a:t>individually, </a:t>
             </a:r>
             <a:r>
-              <a:rPr dirty="0" sz="2200" spc="-5">
+              <a:rPr sz="2200" spc="-5" dirty="0">
                 <a:solidFill>
                   <a:srgbClr val="3B3B3B"/>
                 </a:solidFill>
@@ -6375,7 +6616,7 @@
               </a:rPr>
               <a:t>use</a:t>
             </a:r>
-            <a:endParaRPr sz="2200">
+            <a:endParaRPr sz="2200" dirty="0">
               <a:latin typeface="Arial MT"/>
               <a:cs typeface="Arial MT"/>
             </a:endParaRPr>
@@ -6390,7 +6631,7 @@
               </a:spcBef>
             </a:pPr>
             <a:r>
-              <a:rPr dirty="0" sz="2200" spc="-5" b="1">
+              <a:rPr sz="2200" b="1" spc="-5" dirty="0">
                 <a:solidFill>
                   <a:srgbClr val="0000FF"/>
                 </a:solidFill>
@@ -6400,7 +6641,7 @@
               <a:t>for</a:t>
             </a:r>
             <a:r>
-              <a:rPr dirty="0" sz="2200" spc="-30" b="1">
+              <a:rPr sz="2200" b="1" spc="-30" dirty="0">
                 <a:solidFill>
                   <a:srgbClr val="0000FF"/>
                 </a:solidFill>
@@ -6410,7 +6651,7 @@
               <a:t> </a:t>
             </a:r>
             <a:r>
-              <a:rPr dirty="0" sz="2200" spc="-5" b="1">
+              <a:rPr sz="2200" b="1" spc="-5" dirty="0">
                 <a:solidFill>
                   <a:srgbClr val="0000FF"/>
                 </a:solidFill>
@@ -6420,7 +6661,7 @@
               <a:t>row</a:t>
             </a:r>
             <a:r>
-              <a:rPr dirty="0" sz="2200" spc="-30" b="1">
+              <a:rPr sz="2200" b="1" spc="-30" dirty="0">
                 <a:solidFill>
                   <a:srgbClr val="0000FF"/>
                 </a:solidFill>
@@ -6430,7 +6671,7 @@
               <a:t> </a:t>
             </a:r>
             <a:r>
-              <a:rPr dirty="0" sz="2200" spc="-5" b="1">
+              <a:rPr sz="2200" b="1" spc="-5" dirty="0">
                 <a:solidFill>
                   <a:srgbClr val="0000FF"/>
                 </a:solidFill>
@@ -6440,7 +6681,7 @@
               <a:t>in</a:t>
             </a:r>
             <a:r>
-              <a:rPr dirty="0" sz="2200" spc="-30" b="1">
+              <a:rPr sz="2200" b="1" spc="-30" dirty="0">
                 <a:solidFill>
                   <a:srgbClr val="0000FF"/>
                 </a:solidFill>
@@ -6450,7 +6691,7 @@
               <a:t> </a:t>
             </a:r>
             <a:r>
-              <a:rPr dirty="0" sz="2200" spc="-5" b="1">
+              <a:rPr sz="2200" b="1" spc="-5" dirty="0">
                 <a:solidFill>
                   <a:srgbClr val="0000FF"/>
                 </a:solidFill>
@@ -6459,7 +6700,7 @@
               </a:rPr>
               <a:t>t.rows:</a:t>
             </a:r>
-            <a:endParaRPr sz="2200">
+            <a:endParaRPr sz="2200" dirty="0">
               <a:latin typeface="Courier New"/>
               <a:cs typeface="Courier New"/>
             </a:endParaRPr>
@@ -6474,17 +6715,17 @@
               </a:spcBef>
             </a:pPr>
             <a:r>
-              <a:rPr dirty="0" sz="2200" spc="-5" b="1">
+              <a:rPr lang="en-US" sz="2200" b="1" spc="-5" dirty="0" smtClean="0">
                 <a:solidFill>
                   <a:srgbClr val="0000FF"/>
                 </a:solidFill>
                 <a:latin typeface="Courier New"/>
                 <a:cs typeface="Courier New"/>
               </a:rPr>
-              <a:t>...</a:t>
-            </a:r>
-            <a:r>
-              <a:rPr dirty="0" sz="2200" spc="-45" b="1">
+              <a:t>…</a:t>
+            </a:r>
+            <a:r>
+              <a:rPr sz="2200" b="1" spc="-45" dirty="0" smtClean="0">
                 <a:solidFill>
                   <a:srgbClr val="0000FF"/>
                 </a:solidFill>
@@ -6494,7 +6735,7 @@
               <a:t> </a:t>
             </a:r>
             <a:r>
-              <a:rPr dirty="0" sz="2200" spc="-5" b="1">
+              <a:rPr sz="2200" b="1" spc="-5" dirty="0">
                 <a:solidFill>
                   <a:srgbClr val="0000FF"/>
                 </a:solidFill>
@@ -6504,7 +6745,7 @@
               <a:t>row.item(j)</a:t>
             </a:r>
             <a:r>
-              <a:rPr dirty="0" sz="2200" spc="-40" b="1">
+              <a:rPr sz="2200" b="1" spc="-40" dirty="0">
                 <a:solidFill>
                   <a:srgbClr val="0000FF"/>
                 </a:solidFill>
@@ -6514,7 +6755,7 @@
               <a:t> </a:t>
             </a:r>
             <a:r>
-              <a:rPr dirty="0" sz="2200" b="1">
+              <a:rPr sz="2200" b="1" dirty="0">
                 <a:solidFill>
                   <a:srgbClr val="0000FF"/>
                 </a:solidFill>
@@ -6523,7 +6764,7 @@
               </a:rPr>
               <a:t>…</a:t>
             </a:r>
-            <a:endParaRPr sz="2200">
+            <a:endParaRPr sz="2200" dirty="0">
               <a:latin typeface="Courier New"/>
               <a:cs typeface="Courier New"/>
             </a:endParaRPr>
@@ -6547,7 +6788,7 @@
               </a:tabLst>
             </a:pPr>
             <a:r>
-              <a:rPr dirty="0" sz="2200" spc="-5" b="1">
+              <a:rPr sz="2200" b="1" spc="-5" dirty="0">
                 <a:solidFill>
                   <a:srgbClr val="0000FF"/>
                 </a:solidFill>
@@ -6557,63 +6798,63 @@
               <a:t>t.exclude(i)</a:t>
             </a:r>
             <a:r>
-              <a:rPr dirty="0" sz="2200" spc="-5">
+              <a:rPr sz="2200" spc="-5" dirty="0">
                 <a:latin typeface="Arial MT"/>
                 <a:cs typeface="Arial MT"/>
               </a:rPr>
               <a:t>evaluate</a:t>
             </a:r>
             <a:r>
-              <a:rPr dirty="0" sz="2200">
+              <a:rPr sz="2200" dirty="0">
                 <a:latin typeface="Arial MT"/>
                 <a:cs typeface="Arial MT"/>
               </a:rPr>
               <a:t>s</a:t>
             </a:r>
             <a:r>
-              <a:rPr dirty="0" sz="2200" spc="-5">
+              <a:rPr sz="2200" spc="-5" dirty="0">
                 <a:latin typeface="Arial MT"/>
                 <a:cs typeface="Arial MT"/>
               </a:rPr>
               <a:t> t</a:t>
             </a:r>
             <a:r>
-              <a:rPr dirty="0" sz="2200">
+              <a:rPr sz="2200" dirty="0">
                 <a:latin typeface="Arial MT"/>
                 <a:cs typeface="Arial MT"/>
               </a:rPr>
               <a:t>o</a:t>
             </a:r>
             <a:r>
-              <a:rPr dirty="0" sz="2200" spc="-10">
-                <a:latin typeface="Arial MT"/>
-                <a:cs typeface="Arial MT"/>
-              </a:rPr>
-              <a:t> </a:t>
-            </a:r>
-            <a:r>
-              <a:rPr dirty="0" sz="2200" spc="-5">
+              <a:rPr sz="2200" spc="-10" dirty="0">
+                <a:latin typeface="Arial MT"/>
+                <a:cs typeface="Arial MT"/>
+              </a:rPr>
+              <a:t> </a:t>
+            </a:r>
+            <a:r>
+              <a:rPr sz="2200" spc="-5" dirty="0">
                 <a:latin typeface="Arial MT"/>
                 <a:cs typeface="Arial MT"/>
               </a:rPr>
               <a:t>th</a:t>
             </a:r>
             <a:r>
-              <a:rPr dirty="0" sz="2200">
+              <a:rPr sz="2200" dirty="0">
                 <a:latin typeface="Arial MT"/>
                 <a:cs typeface="Arial MT"/>
               </a:rPr>
               <a:t>e</a:t>
             </a:r>
             <a:r>
-              <a:rPr dirty="0" sz="2200" spc="20">
-                <a:latin typeface="Arial MT"/>
-                <a:cs typeface="Arial MT"/>
-              </a:rPr>
-              <a:t> </a:t>
-            </a:r>
-            <a:r>
-              <a:rPr dirty="0" sz="2200" spc="-5">
+              <a:rPr sz="2200" spc="20" dirty="0">
+                <a:latin typeface="Arial MT"/>
+                <a:cs typeface="Arial MT"/>
+              </a:rPr>
+              <a:t> </a:t>
+            </a:r>
+            <a:r>
+              <a:rPr sz="2200" spc="-5" dirty="0">
                 <a:solidFill>
                   <a:srgbClr val="3B3B3B"/>
                 </a:solidFill>
@@ -6623,7 +6864,7 @@
               <a:t>tabl</a:t>
             </a:r>
             <a:r>
-              <a:rPr dirty="0" sz="2200">
+              <a:rPr sz="2200" dirty="0">
                 <a:solidFill>
                   <a:srgbClr val="3B3B3B"/>
                 </a:solidFill>
@@ -6633,17 +6874,17 @@
               <a:t>e</a:t>
             </a:r>
             <a:r>
-              <a:rPr dirty="0" sz="2200" spc="10">
-                <a:solidFill>
-                  <a:srgbClr val="3B3B3B"/>
-                </a:solidFill>
-                <a:latin typeface="Arial MT"/>
-                <a:cs typeface="Arial MT"/>
-              </a:rPr>
-              <a:t> </a:t>
-            </a:r>
-            <a:r>
-              <a:rPr dirty="0" sz="2200" b="1">
+              <a:rPr sz="2200" spc="10" dirty="0">
+                <a:solidFill>
+                  <a:srgbClr val="3B3B3B"/>
+                </a:solidFill>
+                <a:latin typeface="Arial MT"/>
+                <a:cs typeface="Arial MT"/>
+              </a:rPr>
+              <a:t> </a:t>
+            </a:r>
+            <a:r>
+              <a:rPr sz="2200" b="1" dirty="0">
                 <a:solidFill>
                   <a:srgbClr val="3B3B3B"/>
                 </a:solidFill>
@@ -6653,7 +6894,7 @@
               <a:t>t</a:t>
             </a:r>
             <a:r>
-              <a:rPr dirty="0" sz="2200" spc="-715" b="1">
+              <a:rPr sz="2200" b="1" spc="-715" dirty="0">
                 <a:solidFill>
                   <a:srgbClr val="3B3B3B"/>
                 </a:solidFill>
@@ -6663,42 +6904,42 @@
               <a:t> </a:t>
             </a:r>
             <a:r>
-              <a:rPr dirty="0" sz="2200" spc="-5">
+              <a:rPr sz="2200" spc="-5" dirty="0">
                 <a:latin typeface="Arial MT"/>
                 <a:cs typeface="Arial MT"/>
               </a:rPr>
               <a:t>withou</a:t>
             </a:r>
             <a:r>
-              <a:rPr dirty="0" sz="2200">
+              <a:rPr sz="2200" dirty="0">
                 <a:latin typeface="Arial MT"/>
                 <a:cs typeface="Arial MT"/>
               </a:rPr>
               <a:t>t</a:t>
             </a:r>
             <a:r>
-              <a:rPr dirty="0" sz="2200" spc="-5">
+              <a:rPr sz="2200" spc="-5" dirty="0">
                 <a:latin typeface="Arial MT"/>
                 <a:cs typeface="Arial MT"/>
               </a:rPr>
               <a:t> it</a:t>
             </a:r>
             <a:r>
-              <a:rPr dirty="0" sz="2200">
+              <a:rPr sz="2200" dirty="0">
                 <a:latin typeface="Arial MT"/>
                 <a:cs typeface="Arial MT"/>
               </a:rPr>
               <a:t>s</a:t>
             </a:r>
             <a:r>
-              <a:rPr dirty="0" sz="2200" spc="5">
-                <a:latin typeface="Arial MT"/>
-                <a:cs typeface="Arial MT"/>
-              </a:rPr>
-              <a:t> </a:t>
-            </a:r>
-            <a:r>
-              <a:rPr dirty="0" sz="2200" spc="-5" b="1">
+              <a:rPr sz="2200" spc="5" dirty="0">
+                <a:latin typeface="Arial MT"/>
+                <a:cs typeface="Arial MT"/>
+              </a:rPr>
+              <a:t> </a:t>
+            </a:r>
+            <a:r>
+              <a:rPr sz="2200" b="1" spc="-5" dirty="0">
                 <a:solidFill>
                   <a:srgbClr val="3B3B3B"/>
                 </a:solidFill>
@@ -6708,7 +6949,7 @@
               <a:t>i</a:t>
             </a:r>
             <a:r>
-              <a:rPr dirty="0" sz="2200" spc="-5">
+              <a:rPr sz="2200" spc="-5" dirty="0">
                 <a:solidFill>
                   <a:srgbClr val="3B3B3B"/>
                 </a:solidFill>
@@ -6718,7 +6959,7 @@
               <a:t>t</a:t>
             </a:r>
             <a:r>
-              <a:rPr dirty="0" sz="2200">
+              <a:rPr sz="2200" dirty="0">
                 <a:solidFill>
                   <a:srgbClr val="3B3B3B"/>
                 </a:solidFill>
@@ -6728,17 +6969,17 @@
               <a:t>h</a:t>
             </a:r>
             <a:r>
-              <a:rPr dirty="0" sz="2200" spc="-10">
-                <a:solidFill>
-                  <a:srgbClr val="3B3B3B"/>
-                </a:solidFill>
-                <a:latin typeface="Arial MT"/>
-                <a:cs typeface="Arial MT"/>
-              </a:rPr>
-              <a:t> </a:t>
-            </a:r>
-            <a:r>
-              <a:rPr dirty="0" sz="2200">
+              <a:rPr sz="2200" spc="-10" dirty="0">
+                <a:solidFill>
+                  <a:srgbClr val="3B3B3B"/>
+                </a:solidFill>
+                <a:latin typeface="Arial MT"/>
+                <a:cs typeface="Arial MT"/>
+              </a:rPr>
+              <a:t> </a:t>
+            </a:r>
+            <a:r>
+              <a:rPr sz="2200" dirty="0">
                 <a:solidFill>
                   <a:srgbClr val="3B3B3B"/>
                 </a:solidFill>
@@ -6747,7 +6988,7 @@
               </a:rPr>
               <a:t>row</a:t>
             </a:r>
-            <a:endParaRPr sz="2200">
+            <a:endParaRPr sz="2200" dirty="0">
               <a:latin typeface="Arial MT"/>
               <a:cs typeface="Arial MT"/>
             </a:endParaRPr>
@@ -6769,10 +7010,12 @@
             <a:off x="530225" y="212715"/>
             <a:ext cx="3341370" cy="574040"/>
           </a:xfrm>
-          <a:prstGeom prst="rect"/>
+          <a:prstGeom prst="rect">
+            <a:avLst/>
+          </a:prstGeom>
         </p:spPr>
         <p:txBody>
-          <a:bodyPr wrap="square" lIns="0" tIns="12700" rIns="0" bIns="0" rtlCol="0" vert="horz">
+          <a:bodyPr vert="horz" wrap="square" lIns="0" tIns="12700" rIns="0" bIns="0" rtlCol="0">
             <a:spAutoFit/>
           </a:bodyPr>
           <a:lstStyle/>
@@ -6786,19 +7029,19 @@
               </a:spcBef>
             </a:pPr>
             <a:r>
-              <a:rPr dirty="0" spc="-5"/>
+              <a:rPr spc="-5" dirty="0"/>
               <a:t>Rows</a:t>
             </a:r>
             <a:r>
-              <a:rPr dirty="0" spc="-50"/>
-              <a:t> </a:t>
-            </a:r>
-            <a:r>
-              <a:rPr dirty="0" spc="-5"/>
+              <a:rPr spc="-50" dirty="0"/>
+              <a:t> </a:t>
+            </a:r>
+            <a:r>
+              <a:rPr spc="-5" dirty="0"/>
               <a:t>of</a:t>
             </a:r>
             <a:r>
-              <a:rPr dirty="0" spc="-50"/>
+              <a:rPr spc="-50" dirty="0"/>
               <a:t> Tables</a:t>
             </a:r>
           </a:p>
@@ -6844,10 +7087,12 @@
             <a:off x="3606390" y="2240540"/>
             <a:ext cx="1931035" cy="574040"/>
           </a:xfrm>
-          <a:prstGeom prst="rect"/>
+          <a:prstGeom prst="rect">
+            <a:avLst/>
+          </a:prstGeom>
         </p:spPr>
         <p:txBody>
-          <a:bodyPr wrap="square" lIns="0" tIns="12700" rIns="0" bIns="0" rtlCol="0" vert="horz">
+          <a:bodyPr vert="horz" wrap="square" lIns="0" tIns="12700" rIns="0" bIns="0" rtlCol="0">
             <a:spAutoFit/>
           </a:bodyPr>
           <a:lstStyle/>
@@ -6861,7 +7106,7 @@
               </a:spcBef>
             </a:pPr>
             <a:r>
-              <a:rPr dirty="0" spc="-5"/>
+              <a:rPr spc="-5" dirty="0"/>
               <a:t>Distance</a:t>
             </a:r>
           </a:p>
@@ -6907,10 +7152,12 @@
             <a:off x="530225" y="212715"/>
             <a:ext cx="4540250" cy="574040"/>
           </a:xfrm>
-          <a:prstGeom prst="rect"/>
+          <a:prstGeom prst="rect">
+            <a:avLst/>
+          </a:prstGeom>
         </p:spPr>
         <p:txBody>
-          <a:bodyPr wrap="square" lIns="0" tIns="12700" rIns="0" bIns="0" rtlCol="0" vert="horz">
+          <a:bodyPr vert="horz" wrap="square" lIns="0" tIns="12700" rIns="0" bIns="0" rtlCol="0">
             <a:spAutoFit/>
           </a:bodyPr>
           <a:lstStyle/>
@@ -6924,7 +7171,7 @@
               </a:spcBef>
             </a:pPr>
             <a:r>
-              <a:rPr dirty="0" spc="-5"/>
+              <a:rPr spc="-5" dirty="0"/>
               <a:t>Pythagoras</a:t>
             </a:r>
             <a:r>
@@ -6932,11 +7179,11 @@
               <a:t>’</a:t>
             </a:r>
             <a:r>
-              <a:rPr dirty="0" spc="-204"/>
-              <a:t> </a:t>
-            </a:r>
-            <a:r>
-              <a:rPr dirty="0" spc="-5"/>
+              <a:rPr spc="-204" dirty="0"/>
+              <a:t> </a:t>
+            </a:r>
+            <a:r>
+              <a:rPr spc="-5" dirty="0"/>
               <a:t>Formula</a:t>
             </a:r>
           </a:p>
@@ -6993,7 +7240,9 @@
           <p:txBody>
             <a:bodyPr wrap="square" lIns="0" tIns="0" rIns="0" bIns="0" rtlCol="0"/>
             <a:lstStyle/>
-            <a:p/>
+            <a:p>
+              <a:endParaRPr/>
+            </a:p>
           </p:txBody>
         </p:sp>
         <p:sp>
@@ -7033,7 +7282,9 @@
           <p:txBody>
             <a:bodyPr wrap="square" lIns="0" tIns="0" rIns="0" bIns="0" rtlCol="0"/>
             <a:lstStyle/>
-            <a:p/>
+            <a:p>
+              <a:endParaRPr/>
+            </a:p>
           </p:txBody>
         </p:sp>
         <p:sp>
@@ -7073,7 +7324,9 @@
           <p:txBody>
             <a:bodyPr wrap="square" lIns="0" tIns="0" rIns="0" bIns="0" rtlCol="0"/>
             <a:lstStyle/>
-            <a:p/>
+            <a:p>
+              <a:endParaRPr/>
+            </a:p>
           </p:txBody>
         </p:sp>
         <p:pic>
@@ -7115,7 +7368,7 @@
           </a:prstGeom>
         </p:spPr>
         <p:txBody>
-          <a:bodyPr wrap="square" lIns="0" tIns="12700" rIns="0" bIns="0" rtlCol="0" vert="horz">
+          <a:bodyPr vert="horz" wrap="square" lIns="0" tIns="12700" rIns="0" bIns="0" rtlCol="0">
             <a:spAutoFit/>
           </a:bodyPr>
           <a:lstStyle/>
@@ -7129,49 +7382,49 @@
               </a:spcBef>
             </a:pPr>
             <a:r>
-              <a:rPr dirty="0" sz="2400">
+              <a:rPr sz="2400" dirty="0">
                 <a:latin typeface="Arial MT"/>
                 <a:cs typeface="Arial MT"/>
               </a:rPr>
               <a:t>(x</a:t>
             </a:r>
             <a:r>
-              <a:rPr dirty="0" sz="2400">
+              <a:rPr sz="2400" dirty="0">
                 <a:latin typeface="MS PGothic"/>
                 <a:cs typeface="MS PGothic"/>
               </a:rPr>
               <a:t>₀</a:t>
             </a:r>
             <a:r>
-              <a:rPr dirty="0" sz="2400">
+              <a:rPr sz="2400" dirty="0">
                 <a:latin typeface="Arial MT"/>
                 <a:cs typeface="Arial MT"/>
               </a:rPr>
               <a:t>,</a:t>
             </a:r>
             <a:r>
-              <a:rPr dirty="0" sz="2400" spc="-95">
-                <a:latin typeface="Arial MT"/>
-                <a:cs typeface="Arial MT"/>
-              </a:rPr>
-              <a:t> </a:t>
-            </a:r>
-            <a:r>
-              <a:rPr dirty="0" sz="2400">
+              <a:rPr sz="2400" spc="-95" dirty="0">
+                <a:latin typeface="Arial MT"/>
+                <a:cs typeface="Arial MT"/>
+              </a:rPr>
+              <a:t> </a:t>
+            </a:r>
+            <a:r>
+              <a:rPr sz="2400" dirty="0">
                 <a:latin typeface="Arial MT"/>
                 <a:cs typeface="Arial MT"/>
               </a:rPr>
               <a:t>y</a:t>
             </a:r>
             <a:r>
-              <a:rPr dirty="0" sz="2400">
+              <a:rPr sz="2400" dirty="0">
                 <a:latin typeface="MS PGothic"/>
                 <a:cs typeface="MS PGothic"/>
               </a:rPr>
               <a:t>₀</a:t>
             </a:r>
             <a:r>
-              <a:rPr dirty="0" sz="2400">
+              <a:rPr sz="2400" dirty="0">
                 <a:latin typeface="Arial MT"/>
                 <a:cs typeface="Arial MT"/>
               </a:rPr>
@@ -7200,7 +7453,7 @@
           </a:prstGeom>
         </p:spPr>
         <p:txBody>
-          <a:bodyPr wrap="square" lIns="0" tIns="12700" rIns="0" bIns="0" rtlCol="0" vert="horz">
+          <a:bodyPr vert="horz" wrap="square" lIns="0" tIns="12700" rIns="0" bIns="0" rtlCol="0">
             <a:spAutoFit/>
           </a:bodyPr>
           <a:lstStyle/>
@@ -7214,49 +7467,49 @@
               </a:spcBef>
             </a:pPr>
             <a:r>
-              <a:rPr dirty="0" sz="2400">
+              <a:rPr sz="2400" dirty="0">
                 <a:latin typeface="Arial MT"/>
                 <a:cs typeface="Arial MT"/>
               </a:rPr>
               <a:t>(x</a:t>
             </a:r>
             <a:r>
-              <a:rPr dirty="0" sz="2400">
+              <a:rPr sz="2400" dirty="0">
                 <a:latin typeface="MS PGothic"/>
                 <a:cs typeface="MS PGothic"/>
               </a:rPr>
               <a:t>₁</a:t>
             </a:r>
             <a:r>
-              <a:rPr dirty="0" sz="2400">
+              <a:rPr sz="2400" dirty="0">
                 <a:latin typeface="Arial MT"/>
                 <a:cs typeface="Arial MT"/>
               </a:rPr>
               <a:t>,</a:t>
             </a:r>
             <a:r>
-              <a:rPr dirty="0" sz="2400" spc="-95">
-                <a:latin typeface="Arial MT"/>
-                <a:cs typeface="Arial MT"/>
-              </a:rPr>
-              <a:t> </a:t>
-            </a:r>
-            <a:r>
-              <a:rPr dirty="0" sz="2400">
+              <a:rPr sz="2400" spc="-95" dirty="0">
+                <a:latin typeface="Arial MT"/>
+                <a:cs typeface="Arial MT"/>
+              </a:rPr>
+              <a:t> </a:t>
+            </a:r>
+            <a:r>
+              <a:rPr sz="2400" dirty="0">
                 <a:latin typeface="Arial MT"/>
                 <a:cs typeface="Arial MT"/>
               </a:rPr>
               <a:t>y</a:t>
             </a:r>
             <a:r>
-              <a:rPr dirty="0" sz="2400">
+              <a:rPr sz="2400" dirty="0">
                 <a:latin typeface="MS PGothic"/>
                 <a:cs typeface="MS PGothic"/>
               </a:rPr>
               <a:t>₁</a:t>
             </a:r>
             <a:r>
-              <a:rPr dirty="0" sz="2400">
+              <a:rPr sz="2400" dirty="0">
                 <a:latin typeface="Arial MT"/>
                 <a:cs typeface="Arial MT"/>
               </a:rPr>
@@ -7285,7 +7538,7 @@
           </a:prstGeom>
         </p:spPr>
         <p:txBody>
-          <a:bodyPr wrap="square" lIns="0" tIns="12700" rIns="0" bIns="0" rtlCol="0" vert="horz">
+          <a:bodyPr vert="horz" wrap="square" lIns="0" tIns="12700" rIns="0" bIns="0" rtlCol="0">
             <a:spAutoFit/>
           </a:bodyPr>
           <a:lstStyle/>
@@ -7299,7 +7552,7 @@
               </a:spcBef>
             </a:pPr>
             <a:r>
-              <a:rPr dirty="0" sz="2400">
+              <a:rPr sz="2400" dirty="0">
                 <a:solidFill>
                   <a:srgbClr val="37761C"/>
                 </a:solidFill>
@@ -7309,7 +7562,7 @@
               <a:t>y</a:t>
             </a:r>
             <a:r>
-              <a:rPr dirty="0" sz="2400">
+              <a:rPr sz="2400" dirty="0">
                 <a:solidFill>
                   <a:srgbClr val="37761C"/>
                 </a:solidFill>
@@ -7319,7 +7572,7 @@
               <a:t>₀</a:t>
             </a:r>
             <a:r>
-              <a:rPr dirty="0" sz="2400" spc="-120">
+              <a:rPr sz="2400" spc="-120" dirty="0">
                 <a:solidFill>
                   <a:srgbClr val="37761C"/>
                 </a:solidFill>
@@ -7329,7 +7582,7 @@
               <a:t> </a:t>
             </a:r>
             <a:r>
-              <a:rPr dirty="0" sz="2400">
+              <a:rPr sz="2400" dirty="0">
                 <a:solidFill>
                   <a:srgbClr val="37761C"/>
                 </a:solidFill>
@@ -7339,7 +7592,7 @@
               <a:t>-</a:t>
             </a:r>
             <a:r>
-              <a:rPr dirty="0" sz="2400" spc="-50">
+              <a:rPr sz="2400" spc="-50" dirty="0">
                 <a:solidFill>
                   <a:srgbClr val="37761C"/>
                 </a:solidFill>
@@ -7349,7 +7602,7 @@
               <a:t> </a:t>
             </a:r>
             <a:r>
-              <a:rPr dirty="0" sz="2400">
+              <a:rPr sz="2400" dirty="0">
                 <a:solidFill>
                   <a:srgbClr val="37761C"/>
                 </a:solidFill>
@@ -7359,7 +7612,7 @@
               <a:t>y</a:t>
             </a:r>
             <a:r>
-              <a:rPr dirty="0" sz="2400">
+              <a:rPr sz="2400" dirty="0">
                 <a:solidFill>
                   <a:srgbClr val="37761C"/>
                 </a:solidFill>
@@ -7391,7 +7644,7 @@
           </a:prstGeom>
         </p:spPr>
         <p:txBody>
-          <a:bodyPr wrap="square" lIns="0" tIns="12700" rIns="0" bIns="0" rtlCol="0" vert="horz">
+          <a:bodyPr vert="horz" wrap="square" lIns="0" tIns="12700" rIns="0" bIns="0" rtlCol="0">
             <a:spAutoFit/>
           </a:bodyPr>
           <a:lstStyle/>
@@ -7405,7 +7658,7 @@
               </a:spcBef>
             </a:pPr>
             <a:r>
-              <a:rPr dirty="0" sz="2400">
+              <a:rPr sz="2400" dirty="0">
                 <a:solidFill>
                   <a:srgbClr val="1155CC"/>
                 </a:solidFill>
@@ -7415,7 +7668,7 @@
               <a:t>x</a:t>
             </a:r>
             <a:r>
-              <a:rPr dirty="0" sz="2400">
+              <a:rPr sz="2400" dirty="0">
                 <a:solidFill>
                   <a:srgbClr val="1155CC"/>
                 </a:solidFill>
@@ -7425,7 +7678,7 @@
               <a:t>₀</a:t>
             </a:r>
             <a:r>
-              <a:rPr dirty="0" sz="2400" spc="-120">
+              <a:rPr sz="2400" spc="-120" dirty="0">
                 <a:solidFill>
                   <a:srgbClr val="1155CC"/>
                 </a:solidFill>
@@ -7435,7 +7688,7 @@
               <a:t> </a:t>
             </a:r>
             <a:r>
-              <a:rPr dirty="0" sz="2400">
+              <a:rPr sz="2400" dirty="0">
                 <a:solidFill>
                   <a:srgbClr val="1155CC"/>
                 </a:solidFill>
@@ -7445,7 +7698,7 @@
               <a:t>-</a:t>
             </a:r>
             <a:r>
-              <a:rPr dirty="0" sz="2400" spc="-50">
+              <a:rPr sz="2400" spc="-50" dirty="0">
                 <a:solidFill>
                   <a:srgbClr val="1155CC"/>
                 </a:solidFill>
@@ -7455,7 +7708,7 @@
               <a:t> </a:t>
             </a:r>
             <a:r>
-              <a:rPr dirty="0" sz="2400">
+              <a:rPr sz="2400" dirty="0">
                 <a:solidFill>
                   <a:srgbClr val="1155CC"/>
                 </a:solidFill>
@@ -7465,7 +7718,7 @@
               <a:t>x</a:t>
             </a:r>
             <a:r>
-              <a:rPr dirty="0" sz="2400">
+              <a:rPr sz="2400" dirty="0">
                 <a:solidFill>
                   <a:srgbClr val="1155CC"/>
                 </a:solidFill>
@@ -7521,10 +7774,12 @@
             <a:off x="530225" y="212715"/>
             <a:ext cx="6461760" cy="574040"/>
           </a:xfrm>
-          <a:prstGeom prst="rect"/>
+          <a:prstGeom prst="rect">
+            <a:avLst/>
+          </a:prstGeom>
         </p:spPr>
         <p:txBody>
-          <a:bodyPr wrap="square" lIns="0" tIns="12700" rIns="0" bIns="0" rtlCol="0" vert="horz">
+          <a:bodyPr vert="horz" wrap="square" lIns="0" tIns="12700" rIns="0" bIns="0" rtlCol="0">
             <a:spAutoFit/>
           </a:bodyPr>
           <a:lstStyle/>
@@ -7538,31 +7793,31 @@
               </a:spcBef>
             </a:pPr>
             <a:r>
-              <a:rPr dirty="0" spc="-5"/>
+              <a:rPr spc="-5" dirty="0"/>
               <a:t>Distance</a:t>
             </a:r>
             <a:r>
-              <a:rPr dirty="0" spc="-35"/>
-              <a:t> </a:t>
-            </a:r>
-            <a:r>
-              <a:rPr dirty="0" spc="-5"/>
+              <a:rPr spc="-35" dirty="0"/>
+              <a:t> </a:t>
+            </a:r>
+            <a:r>
+              <a:rPr spc="-5" dirty="0"/>
               <a:t>Between</a:t>
             </a:r>
             <a:r>
-              <a:rPr dirty="0" spc="-30"/>
-              <a:t> </a:t>
-            </a:r>
-            <a:r>
-              <a:rPr dirty="0" spc="-95"/>
+              <a:rPr spc="-30" dirty="0"/>
+              <a:t> </a:t>
+            </a:r>
+            <a:r>
+              <a:rPr spc="-95" dirty="0"/>
               <a:t>Two</a:t>
             </a:r>
             <a:r>
-              <a:rPr dirty="0" spc="-40"/>
-              <a:t> </a:t>
-            </a:r>
-            <a:r>
-              <a:rPr dirty="0" spc="-5"/>
+              <a:rPr spc="-40" dirty="0"/>
+              <a:t> </a:t>
+            </a:r>
+            <a:r>
+              <a:rPr spc="-5" dirty="0"/>
               <a:t>Points</a:t>
             </a:r>
           </a:p>
@@ -7584,7 +7839,7 @@
           </a:prstGeom>
         </p:spPr>
         <p:txBody>
-          <a:bodyPr wrap="square" lIns="0" tIns="12700" rIns="0" bIns="0" rtlCol="0" vert="horz">
+          <a:bodyPr vert="horz" wrap="square" lIns="0" tIns="12700" rIns="0" bIns="0" rtlCol="0">
             <a:spAutoFit/>
           </a:bodyPr>
           <a:lstStyle/>
@@ -7606,7 +7861,7 @@
               </a:tabLst>
             </a:pPr>
             <a:r>
-              <a:rPr dirty="0" sz="2400" spc="-50">
+              <a:rPr sz="2400" spc="-50" dirty="0">
                 <a:solidFill>
                   <a:srgbClr val="3B3B3B"/>
                 </a:solidFill>
@@ -7616,17 +7871,17 @@
               <a:t>Two</a:t>
             </a:r>
             <a:r>
-              <a:rPr dirty="0" sz="2400" spc="-25">
-                <a:solidFill>
-                  <a:srgbClr val="3B3B3B"/>
-                </a:solidFill>
-                <a:latin typeface="Arial MT"/>
-                <a:cs typeface="Arial MT"/>
-              </a:rPr>
-              <a:t> </a:t>
-            </a:r>
-            <a:r>
-              <a:rPr dirty="0" sz="2400" spc="-5">
+              <a:rPr sz="2400" spc="-25" dirty="0">
+                <a:solidFill>
+                  <a:srgbClr val="3B3B3B"/>
+                </a:solidFill>
+                <a:latin typeface="Arial MT"/>
+                <a:cs typeface="Arial MT"/>
+              </a:rPr>
+              <a:t> </a:t>
+            </a:r>
+            <a:r>
+              <a:rPr sz="2400" spc="-5" dirty="0">
                 <a:solidFill>
                   <a:srgbClr val="3B3B3B"/>
                 </a:solidFill>
@@ -7636,17 +7891,17 @@
               <a:t>attributes</a:t>
             </a:r>
             <a:r>
-              <a:rPr dirty="0" sz="2400" spc="-10">
-                <a:solidFill>
-                  <a:srgbClr val="3B3B3B"/>
-                </a:solidFill>
-                <a:latin typeface="Arial MT"/>
-                <a:cs typeface="Arial MT"/>
-              </a:rPr>
-              <a:t> </a:t>
-            </a:r>
-            <a:r>
-              <a:rPr dirty="0" sz="2400" i="1">
+              <a:rPr sz="2400" spc="-10" dirty="0">
+                <a:solidFill>
+                  <a:srgbClr val="3B3B3B"/>
+                </a:solidFill>
+                <a:latin typeface="Arial MT"/>
+                <a:cs typeface="Arial MT"/>
+              </a:rPr>
+              <a:t> </a:t>
+            </a:r>
+            <a:r>
+              <a:rPr sz="2400" i="1" dirty="0">
                 <a:solidFill>
                   <a:srgbClr val="3B3B3B"/>
                 </a:solidFill>
@@ -7656,7 +7911,7 @@
               <a:t>x</a:t>
             </a:r>
             <a:r>
-              <a:rPr dirty="0" sz="2400" spc="-25" i="1">
+              <a:rPr sz="2400" i="1" spc="-25" dirty="0">
                 <a:solidFill>
                   <a:srgbClr val="3B3B3B"/>
                 </a:solidFill>
@@ -7666,7 +7921,7 @@
               <a:t> </a:t>
             </a:r>
             <a:r>
-              <a:rPr dirty="0" sz="2400" spc="-5">
+              <a:rPr sz="2400" spc="-5" dirty="0">
                 <a:solidFill>
                   <a:srgbClr val="3B3B3B"/>
                 </a:solidFill>
@@ -7676,17 +7931,17 @@
               <a:t>and</a:t>
             </a:r>
             <a:r>
-              <a:rPr dirty="0" sz="2400" spc="-20">
-                <a:solidFill>
-                  <a:srgbClr val="3B3B3B"/>
-                </a:solidFill>
-                <a:latin typeface="Arial MT"/>
-                <a:cs typeface="Arial MT"/>
-              </a:rPr>
-              <a:t> </a:t>
-            </a:r>
-            <a:r>
-              <a:rPr dirty="0" sz="2400" i="1">
+              <a:rPr sz="2400" spc="-20" dirty="0">
+                <a:solidFill>
+                  <a:srgbClr val="3B3B3B"/>
+                </a:solidFill>
+                <a:latin typeface="Arial MT"/>
+                <a:cs typeface="Arial MT"/>
+              </a:rPr>
+              <a:t> </a:t>
+            </a:r>
+            <a:r>
+              <a:rPr sz="2400" i="1" dirty="0">
                 <a:solidFill>
                   <a:srgbClr val="3B3B3B"/>
                 </a:solidFill>
@@ -7696,7 +7951,7 @@
               <a:t>y</a:t>
             </a:r>
             <a:r>
-              <a:rPr dirty="0" sz="2400">
+              <a:rPr sz="2400" dirty="0">
                 <a:solidFill>
                   <a:srgbClr val="3B3B3B"/>
                 </a:solidFill>
@@ -7750,7 +8005,7 @@
           </a:prstGeom>
         </p:spPr>
         <p:txBody>
-          <a:bodyPr wrap="square" lIns="0" tIns="12700" rIns="0" bIns="0" rtlCol="0" vert="horz">
+          <a:bodyPr vert="horz" wrap="square" lIns="0" tIns="12700" rIns="0" bIns="0" rtlCol="0">
             <a:spAutoFit/>
           </a:bodyPr>
           <a:lstStyle/>
@@ -7772,91 +8027,91 @@
               </a:tabLst>
             </a:pPr>
             <a:r>
-              <a:rPr dirty="0" sz="2400" spc="-5">
+              <a:rPr sz="2400" spc="-5" dirty="0">
                 <a:latin typeface="Arial MT"/>
                 <a:cs typeface="Arial MT"/>
               </a:rPr>
               <a:t>Three</a:t>
             </a:r>
             <a:r>
-              <a:rPr dirty="0" sz="2400" spc="-30">
-                <a:latin typeface="Arial MT"/>
-                <a:cs typeface="Arial MT"/>
-              </a:rPr>
-              <a:t> </a:t>
-            </a:r>
-            <a:r>
-              <a:rPr dirty="0" sz="2400" spc="-5">
+              <a:rPr sz="2400" spc="-30" dirty="0">
+                <a:latin typeface="Arial MT"/>
+                <a:cs typeface="Arial MT"/>
+              </a:rPr>
+              <a:t> </a:t>
+            </a:r>
+            <a:r>
+              <a:rPr sz="2400" spc="-5" dirty="0">
                 <a:latin typeface="Arial MT"/>
                 <a:cs typeface="Arial MT"/>
               </a:rPr>
               <a:t>attributes</a:t>
             </a:r>
             <a:r>
-              <a:rPr dirty="0" sz="2400" spc="10">
-                <a:latin typeface="Arial MT"/>
-                <a:cs typeface="Arial MT"/>
-              </a:rPr>
-              <a:t> </a:t>
-            </a:r>
-            <a:r>
-              <a:rPr dirty="0" sz="2400" i="1">
+              <a:rPr sz="2400" spc="10" dirty="0">
+                <a:latin typeface="Arial MT"/>
+                <a:cs typeface="Arial MT"/>
+              </a:rPr>
+              <a:t> </a:t>
+            </a:r>
+            <a:r>
+              <a:rPr sz="2400" i="1" dirty="0">
                 <a:latin typeface="Arial"/>
                 <a:cs typeface="Arial"/>
               </a:rPr>
               <a:t>x</a:t>
             </a:r>
             <a:r>
-              <a:rPr dirty="0" sz="2400">
+              <a:rPr sz="2400" dirty="0">
                 <a:latin typeface="Arial MT"/>
                 <a:cs typeface="Arial MT"/>
               </a:rPr>
               <a:t>,</a:t>
             </a:r>
             <a:r>
-              <a:rPr dirty="0" sz="2400" spc="-15">
-                <a:latin typeface="Arial MT"/>
-                <a:cs typeface="Arial MT"/>
-              </a:rPr>
-              <a:t> </a:t>
-            </a:r>
-            <a:r>
-              <a:rPr dirty="0" sz="2400" spc="-90" i="1">
+              <a:rPr sz="2400" spc="-15" dirty="0">
+                <a:latin typeface="Arial MT"/>
+                <a:cs typeface="Arial MT"/>
+              </a:rPr>
+              <a:t> </a:t>
+            </a:r>
+            <a:r>
+              <a:rPr sz="2400" i="1" spc="-90" dirty="0">
                 <a:latin typeface="Arial"/>
                 <a:cs typeface="Arial"/>
               </a:rPr>
               <a:t>y,</a:t>
             </a:r>
             <a:r>
-              <a:rPr dirty="0" sz="2400" spc="-20" i="1">
+              <a:rPr sz="2400" i="1" spc="-20" dirty="0">
                 <a:latin typeface="Arial"/>
                 <a:cs typeface="Arial"/>
               </a:rPr>
               <a:t> </a:t>
             </a:r>
             <a:r>
-              <a:rPr dirty="0" sz="2400" spc="-5">
+              <a:rPr sz="2400" spc="-5" dirty="0">
                 <a:latin typeface="Arial MT"/>
                 <a:cs typeface="Arial MT"/>
               </a:rPr>
               <a:t>and</a:t>
             </a:r>
             <a:r>
-              <a:rPr dirty="0" sz="2400" spc="-20">
-                <a:latin typeface="Arial MT"/>
-                <a:cs typeface="Arial MT"/>
-              </a:rPr>
-              <a:t> </a:t>
-            </a:r>
-            <a:r>
-              <a:rPr dirty="0" sz="2400" i="1">
+              <a:rPr sz="2400" spc="-20" dirty="0">
+                <a:latin typeface="Arial MT"/>
+                <a:cs typeface="Arial MT"/>
+              </a:rPr>
+              <a:t> </a:t>
+            </a:r>
+            <a:r>
+              <a:rPr sz="2400" i="1" dirty="0">
                 <a:latin typeface="Arial"/>
                 <a:cs typeface="Arial"/>
               </a:rPr>
               <a:t>z</a:t>
             </a:r>
             <a:r>
-              <a:rPr dirty="0" sz="2400">
+              <a:rPr sz="2400" dirty="0">
                 <a:latin typeface="Arial MT"/>
                 <a:cs typeface="Arial MT"/>
               </a:rPr>
@@ -7907,7 +8162,7 @@
           </a:prstGeom>
         </p:spPr>
         <p:txBody>
-          <a:bodyPr wrap="square" lIns="0" tIns="12700" rIns="0" bIns="0" rtlCol="0" vert="horz">
+          <a:bodyPr vert="horz" wrap="square" lIns="0" tIns="12700" rIns="0" bIns="0" rtlCol="0">
             <a:spAutoFit/>
           </a:bodyPr>
           <a:lstStyle/>
@@ -7929,49 +8184,49 @@
               </a:tabLst>
             </a:pPr>
             <a:r>
-              <a:rPr dirty="0" sz="2400" spc="-5">
+              <a:rPr sz="2400" spc="-5" dirty="0">
                 <a:latin typeface="Arial MT"/>
                 <a:cs typeface="Arial MT"/>
               </a:rPr>
               <a:t>and</a:t>
             </a:r>
             <a:r>
-              <a:rPr dirty="0" sz="2400" spc="-35">
-                <a:latin typeface="Arial MT"/>
-                <a:cs typeface="Arial MT"/>
-              </a:rPr>
-              <a:t> </a:t>
-            </a:r>
-            <a:r>
-              <a:rPr dirty="0" sz="2400">
+              <a:rPr sz="2400" spc="-35" dirty="0">
+                <a:latin typeface="Arial MT"/>
+                <a:cs typeface="Arial MT"/>
+              </a:rPr>
+              <a:t> </a:t>
+            </a:r>
+            <a:r>
+              <a:rPr sz="2400" dirty="0">
                 <a:latin typeface="Arial MT"/>
                 <a:cs typeface="Arial MT"/>
               </a:rPr>
               <a:t>so</a:t>
             </a:r>
             <a:r>
-              <a:rPr dirty="0" sz="2400" spc="-35">
-                <a:latin typeface="Arial MT"/>
-                <a:cs typeface="Arial MT"/>
-              </a:rPr>
-              <a:t> </a:t>
-            </a:r>
-            <a:r>
-              <a:rPr dirty="0" sz="2400" spc="-5">
+              <a:rPr sz="2400" spc="-35" dirty="0">
+                <a:latin typeface="Arial MT"/>
+                <a:cs typeface="Arial MT"/>
+              </a:rPr>
+              <a:t> </a:t>
+            </a:r>
+            <a:r>
+              <a:rPr sz="2400" spc="-5" dirty="0">
                 <a:latin typeface="Arial MT"/>
                 <a:cs typeface="Arial MT"/>
               </a:rPr>
               <a:t>on</a:t>
             </a:r>
             <a:r>
-              <a:rPr dirty="0" sz="2400" spc="-30">
-                <a:latin typeface="Arial MT"/>
-                <a:cs typeface="Arial MT"/>
-              </a:rPr>
-              <a:t> </a:t>
-            </a:r>
-            <a:r>
-              <a:rPr dirty="0" sz="2400" spc="-5">
+              <a:rPr sz="2400" spc="-30" dirty="0">
+                <a:latin typeface="Arial MT"/>
+                <a:cs typeface="Arial MT"/>
+              </a:rPr>
+              <a:t> </a:t>
+            </a:r>
+            <a:r>
+              <a:rPr sz="2400" spc="-5" dirty="0">
                 <a:latin typeface="Arial MT"/>
                 <a:cs typeface="Arial MT"/>
               </a:rPr>
@@ -8000,7 +8255,7 @@
           </a:prstGeom>
         </p:spPr>
         <p:txBody>
-          <a:bodyPr wrap="square" lIns="0" tIns="12700" rIns="0" bIns="0" rtlCol="0" vert="horz">
+          <a:bodyPr vert="horz" wrap="square" lIns="0" tIns="12700" rIns="0" bIns="0" rtlCol="0">
             <a:spAutoFit/>
           </a:bodyPr>
           <a:lstStyle/>
@@ -8014,7 +8269,7 @@
               </a:spcBef>
             </a:pPr>
             <a:r>
-              <a:rPr dirty="0" sz="2400">
+              <a:rPr sz="2400" dirty="0">
                 <a:solidFill>
                   <a:srgbClr val="3B7EA1"/>
                 </a:solidFill>
@@ -8039,7 +8294,7 @@
 </file>
 
 <file path=ppt/slides/slide2.xml><?xml version="1.0" encoding="utf-8"?>
-<p:sld xmlns:a="http://schemas.openxmlformats.org/drawingml/2006/main" xmlns:r="http://schemas.openxmlformats.org/officeDocument/2006/relationships" xmlns:p="http://schemas.openxmlformats.org/presentationml/2006/main" showMasterSp="0">
+<p:sld xmlns:a="http://schemas.openxmlformats.org/drawingml/2006/main" xmlns:r="http://schemas.openxmlformats.org/officeDocument/2006/relationships" xmlns:p="http://schemas.openxmlformats.org/presentationml/2006/main" showMasterSp="0" show="0">
   <p:cSld>
     <p:spTree>
       <p:nvGrpSpPr>
@@ -8070,10 +8325,12 @@
             <a:off x="2768451" y="2240540"/>
             <a:ext cx="3606165" cy="574040"/>
           </a:xfrm>
-          <a:prstGeom prst="rect"/>
+          <a:prstGeom prst="rect">
+            <a:avLst/>
+          </a:prstGeom>
         </p:spPr>
         <p:txBody>
-          <a:bodyPr wrap="square" lIns="0" tIns="12700" rIns="0" bIns="0" rtlCol="0" vert="horz">
+          <a:bodyPr vert="horz" wrap="square" lIns="0" tIns="12700" rIns="0" bIns="0" rtlCol="0">
             <a:spAutoFit/>
           </a:bodyPr>
           <a:lstStyle/>
@@ -8087,7 +8344,7 @@
               </a:spcBef>
             </a:pPr>
             <a:r>
-              <a:rPr dirty="0" spc="-5"/>
+              <a:rPr spc="-5" dirty="0"/>
               <a:t>Announcements</a:t>
             </a:r>
           </a:p>
@@ -8098,6 +8355,14 @@
   <p:clrMapOvr>
     <a:masterClrMapping/>
   </p:clrMapOvr>
+  <mc:AlternateContent xmlns:mc="http://schemas.openxmlformats.org/markup-compatibility/2006">
+    <mc:Choice xmlns:p14="http://schemas.microsoft.com/office/powerpoint/2010/main" Requires="p14">
+      <p:transition spd="slow" p14:dur="2000"/>
+    </mc:Choice>
+    <mc:Fallback>
+      <p:transition spd="slow"/>
+    </mc:Fallback>
+  </mc:AlternateContent>
 </p:sld>
 </file>
 
@@ -8133,10 +8398,12 @@
             <a:off x="3441526" y="2240540"/>
             <a:ext cx="2256790" cy="574040"/>
           </a:xfrm>
-          <a:prstGeom prst="rect"/>
+          <a:prstGeom prst="rect">
+            <a:avLst/>
+          </a:prstGeom>
         </p:spPr>
         <p:txBody>
-          <a:bodyPr wrap="square" lIns="0" tIns="12700" rIns="0" bIns="0" rtlCol="0" vert="horz">
+          <a:bodyPr vert="horz" wrap="square" lIns="0" tIns="12700" rIns="0" bIns="0" rtlCol="0">
             <a:spAutoFit/>
           </a:bodyPr>
           <a:lstStyle/>
@@ -8150,7 +8417,7 @@
               </a:spcBef>
             </a:pPr>
             <a:r>
-              <a:rPr dirty="0" spc="-5"/>
+              <a:rPr spc="-5" dirty="0"/>
               <a:t>Prediction</a:t>
             </a:r>
           </a:p>
@@ -8196,10 +8463,12 @@
             <a:off x="530225" y="212711"/>
             <a:ext cx="7465695" cy="574040"/>
           </a:xfrm>
-          <a:prstGeom prst="rect"/>
+          <a:prstGeom prst="rect">
+            <a:avLst/>
+          </a:prstGeom>
         </p:spPr>
         <p:txBody>
-          <a:bodyPr wrap="square" lIns="0" tIns="12700" rIns="0" bIns="0" rtlCol="0" vert="horz">
+          <a:bodyPr vert="horz" wrap="square" lIns="0" tIns="12700" rIns="0" bIns="0" rtlCol="0">
             <a:spAutoFit/>
           </a:bodyPr>
           <a:lstStyle/>
@@ -8213,47 +8482,47 @@
               </a:spcBef>
             </a:pPr>
             <a:r>
-              <a:rPr dirty="0" spc="-10"/>
+              <a:rPr spc="-10" dirty="0"/>
               <a:t>Guessing</a:t>
             </a:r>
             <a:r>
-              <a:rPr dirty="0" spc="-25"/>
-              <a:t> </a:t>
-            </a:r>
-            <a:r>
-              <a:rPr dirty="0" spc="-5"/>
+              <a:rPr spc="-25" dirty="0"/>
+              <a:t> </a:t>
+            </a:r>
+            <a:r>
+              <a:rPr spc="-5" dirty="0"/>
               <a:t>the</a:t>
             </a:r>
             <a:r>
-              <a:rPr dirty="0" spc="-20"/>
-              <a:t> </a:t>
-            </a:r>
-            <a:r>
-              <a:rPr dirty="0" spc="-45"/>
+              <a:rPr spc="-20" dirty="0"/>
+              <a:t> </a:t>
+            </a:r>
+            <a:r>
+              <a:rPr spc="-45" dirty="0"/>
               <a:t>Value</a:t>
             </a:r>
             <a:r>
-              <a:rPr dirty="0" spc="-20"/>
-              <a:t> </a:t>
-            </a:r>
-            <a:r>
-              <a:rPr dirty="0" spc="-5"/>
+              <a:rPr spc="-20" dirty="0"/>
+              <a:t> </a:t>
+            </a:r>
+            <a:r>
+              <a:rPr spc="-5" dirty="0"/>
               <a:t>of</a:t>
             </a:r>
             <a:r>
-              <a:rPr dirty="0" spc="-25"/>
-              <a:t> </a:t>
-            </a:r>
-            <a:r>
-              <a:rPr dirty="0" spc="-5"/>
+              <a:rPr spc="-25" dirty="0"/>
+              <a:t> </a:t>
+            </a:r>
+            <a:r>
+              <a:rPr spc="-5" dirty="0"/>
               <a:t>an</a:t>
             </a:r>
             <a:r>
-              <a:rPr dirty="0" spc="-155"/>
-              <a:t> </a:t>
-            </a:r>
-            <a:r>
-              <a:rPr dirty="0" spc="-5"/>
+              <a:rPr spc="-155" dirty="0"/>
+              <a:t> </a:t>
+            </a:r>
+            <a:r>
+              <a:rPr spc="-5" dirty="0"/>
               <a:t>Attribute</a:t>
             </a:r>
           </a:p>
@@ -8268,14 +8537,14 @@
         <p:spPr>
           <a:xfrm>
             <a:off x="574724" y="1093342"/>
-            <a:ext cx="7884159" cy="3425825"/>
+            <a:ext cx="7884159" cy="3426579"/>
           </a:xfrm>
           <a:prstGeom prst="rect">
             <a:avLst/>
           </a:prstGeom>
         </p:spPr>
         <p:txBody>
-          <a:bodyPr wrap="square" lIns="0" tIns="12700" rIns="0" bIns="0" rtlCol="0" vert="horz">
+          <a:bodyPr vert="horz" wrap="square" lIns="0" tIns="12700" rIns="0" bIns="0" rtlCol="0">
             <a:spAutoFit/>
           </a:bodyPr>
           <a:lstStyle/>
@@ -8297,7 +8566,7 @@
               </a:tabLst>
             </a:pPr>
             <a:r>
-              <a:rPr dirty="0" sz="2400" spc="-5">
+              <a:rPr sz="2400" spc="-5" dirty="0">
                 <a:solidFill>
                   <a:srgbClr val="3B3B3B"/>
                 </a:solidFill>
@@ -8307,17 +8576,17 @@
               <a:t>Based</a:t>
             </a:r>
             <a:r>
-              <a:rPr dirty="0" sz="2400" spc="-35">
-                <a:solidFill>
-                  <a:srgbClr val="3B3B3B"/>
-                </a:solidFill>
-                <a:latin typeface="Arial MT"/>
-                <a:cs typeface="Arial MT"/>
-              </a:rPr>
-              <a:t> </a:t>
-            </a:r>
-            <a:r>
-              <a:rPr dirty="0" sz="2400" spc="-5">
+              <a:rPr sz="2400" spc="-35" dirty="0">
+                <a:solidFill>
+                  <a:srgbClr val="3B3B3B"/>
+                </a:solidFill>
+                <a:latin typeface="Arial MT"/>
+                <a:cs typeface="Arial MT"/>
+              </a:rPr>
+              <a:t> </a:t>
+            </a:r>
+            <a:r>
+              <a:rPr sz="2400" spc="-5" dirty="0">
                 <a:solidFill>
                   <a:srgbClr val="3B3B3B"/>
                 </a:solidFill>
@@ -8327,17 +8596,17 @@
               <a:t>on</a:t>
             </a:r>
             <a:r>
-              <a:rPr dirty="0" sz="2400" spc="-25">
-                <a:solidFill>
-                  <a:srgbClr val="3B3B3B"/>
-                </a:solidFill>
-                <a:latin typeface="Arial MT"/>
-                <a:cs typeface="Arial MT"/>
-              </a:rPr>
-              <a:t> </a:t>
-            </a:r>
-            <a:r>
-              <a:rPr dirty="0" sz="2400" spc="-5">
+              <a:rPr sz="2400" spc="-25" dirty="0">
+                <a:solidFill>
+                  <a:srgbClr val="3B3B3B"/>
+                </a:solidFill>
+                <a:latin typeface="Arial MT"/>
+                <a:cs typeface="Arial MT"/>
+              </a:rPr>
+              <a:t> </a:t>
+            </a:r>
+            <a:r>
+              <a:rPr sz="2400" spc="-5" dirty="0">
                 <a:solidFill>
                   <a:srgbClr val="3B3B3B"/>
                 </a:solidFill>
@@ -8347,17 +8616,17 @@
               <a:t>incomplete</a:t>
             </a:r>
             <a:r>
-              <a:rPr dirty="0" sz="2400" spc="-25">
-                <a:solidFill>
-                  <a:srgbClr val="3B3B3B"/>
-                </a:solidFill>
-                <a:latin typeface="Arial MT"/>
-                <a:cs typeface="Arial MT"/>
-              </a:rPr>
-              <a:t> </a:t>
-            </a:r>
-            <a:r>
-              <a:rPr dirty="0" sz="2400" spc="-5">
+              <a:rPr sz="2400" spc="-25" dirty="0">
+                <a:solidFill>
+                  <a:srgbClr val="3B3B3B"/>
+                </a:solidFill>
+                <a:latin typeface="Arial MT"/>
+                <a:cs typeface="Arial MT"/>
+              </a:rPr>
+              <a:t> </a:t>
+            </a:r>
+            <a:r>
+              <a:rPr sz="2400" spc="-5" dirty="0">
                 <a:solidFill>
                   <a:srgbClr val="3B3B3B"/>
                 </a:solidFill>
@@ -8366,7 +8635,7 @@
               </a:rPr>
               <a:t>information</a:t>
             </a:r>
-            <a:endParaRPr sz="2400">
+            <a:endParaRPr sz="2400" dirty="0">
               <a:latin typeface="Arial MT"/>
               <a:cs typeface="Arial MT"/>
             </a:endParaRPr>
@@ -8389,7 +8658,7 @@
               </a:tabLst>
             </a:pPr>
             <a:r>
-              <a:rPr dirty="0" sz="2400" spc="-5">
+              <a:rPr sz="2400" spc="-5" dirty="0">
                 <a:solidFill>
                   <a:srgbClr val="3B3B3B"/>
                 </a:solidFill>
@@ -8399,17 +8668,17 @@
               <a:t>One</a:t>
             </a:r>
             <a:r>
-              <a:rPr dirty="0" sz="2400" spc="-30">
-                <a:solidFill>
-                  <a:srgbClr val="3B3B3B"/>
-                </a:solidFill>
-                <a:latin typeface="Arial MT"/>
-                <a:cs typeface="Arial MT"/>
-              </a:rPr>
-              <a:t> </a:t>
-            </a:r>
-            <a:r>
-              <a:rPr dirty="0" sz="2400" spc="-5">
+              <a:rPr sz="2400" spc="-30" dirty="0">
+                <a:solidFill>
+                  <a:srgbClr val="3B3B3B"/>
+                </a:solidFill>
+                <a:latin typeface="Arial MT"/>
+                <a:cs typeface="Arial MT"/>
+              </a:rPr>
+              <a:t> </a:t>
+            </a:r>
+            <a:r>
+              <a:rPr sz="2400" spc="-5" dirty="0">
                 <a:solidFill>
                   <a:srgbClr val="3B3B3B"/>
                 </a:solidFill>
@@ -8419,17 +8688,17 @@
               <a:t>way</a:t>
             </a:r>
             <a:r>
-              <a:rPr dirty="0" sz="2400" spc="-20">
-                <a:solidFill>
-                  <a:srgbClr val="3B3B3B"/>
-                </a:solidFill>
-                <a:latin typeface="Arial MT"/>
-                <a:cs typeface="Arial MT"/>
-              </a:rPr>
-              <a:t> </a:t>
-            </a:r>
-            <a:r>
-              <a:rPr dirty="0" sz="2400" spc="-5">
+              <a:rPr sz="2400" spc="-20" dirty="0">
+                <a:solidFill>
+                  <a:srgbClr val="3B3B3B"/>
+                </a:solidFill>
+                <a:latin typeface="Arial MT"/>
+                <a:cs typeface="Arial MT"/>
+              </a:rPr>
+              <a:t> </a:t>
+            </a:r>
+            <a:r>
+              <a:rPr sz="2400" spc="-5" dirty="0">
                 <a:solidFill>
                   <a:srgbClr val="3B3B3B"/>
                 </a:solidFill>
@@ -8439,17 +8708,17 @@
               <a:t>of</a:t>
             </a:r>
             <a:r>
-              <a:rPr dirty="0" sz="2400" spc="-20">
-                <a:solidFill>
-                  <a:srgbClr val="3B3B3B"/>
-                </a:solidFill>
-                <a:latin typeface="Arial MT"/>
-                <a:cs typeface="Arial MT"/>
-              </a:rPr>
-              <a:t> </a:t>
-            </a:r>
-            <a:r>
-              <a:rPr dirty="0" sz="2400">
+              <a:rPr sz="2400" spc="-20" dirty="0">
+                <a:solidFill>
+                  <a:srgbClr val="3B3B3B"/>
+                </a:solidFill>
+                <a:latin typeface="Arial MT"/>
+                <a:cs typeface="Arial MT"/>
+              </a:rPr>
+              <a:t> </a:t>
+            </a:r>
+            <a:r>
+              <a:rPr sz="2400" dirty="0">
                 <a:solidFill>
                   <a:srgbClr val="3B3B3B"/>
                 </a:solidFill>
@@ -8459,17 +8728,17 @@
               <a:t>making</a:t>
             </a:r>
             <a:r>
-              <a:rPr dirty="0" sz="2400" spc="-25">
-                <a:solidFill>
-                  <a:srgbClr val="3B3B3B"/>
-                </a:solidFill>
-                <a:latin typeface="Arial MT"/>
-                <a:cs typeface="Arial MT"/>
-              </a:rPr>
-              <a:t> </a:t>
-            </a:r>
-            <a:r>
-              <a:rPr dirty="0" sz="2400" spc="-5">
+              <a:rPr sz="2400" spc="-25" dirty="0">
+                <a:solidFill>
+                  <a:srgbClr val="3B3B3B"/>
+                </a:solidFill>
+                <a:latin typeface="Arial MT"/>
+                <a:cs typeface="Arial MT"/>
+              </a:rPr>
+              <a:t> </a:t>
+            </a:r>
+            <a:r>
+              <a:rPr sz="2400" spc="-5" dirty="0">
                 <a:solidFill>
                   <a:srgbClr val="3B3B3B"/>
                 </a:solidFill>
@@ -8478,13 +8747,13 @@
               </a:rPr>
               <a:t>predictions:</a:t>
             </a:r>
-            <a:endParaRPr sz="2400">
+            <a:endParaRPr sz="2400" dirty="0">
               <a:latin typeface="Arial MT"/>
               <a:cs typeface="Arial MT"/>
             </a:endParaRPr>
           </a:p>
           <a:p>
-            <a:pPr lvl="1" marL="882015" indent="-412750">
+            <a:pPr marL="882015" lvl="1" indent="-412750">
               <a:lnSpc>
                 <a:spcPts val="2850"/>
               </a:lnSpc>
@@ -8498,7 +8767,7 @@
               </a:tabLst>
             </a:pPr>
             <a:r>
-              <a:rPr dirty="0" sz="2400" spc="-135">
+              <a:rPr sz="2400" spc="-135" dirty="0">
                 <a:solidFill>
                   <a:srgbClr val="3B3B3B"/>
                 </a:solidFill>
@@ -8508,17 +8777,17 @@
               <a:t>To</a:t>
             </a:r>
             <a:r>
-              <a:rPr dirty="0" sz="2400" spc="-20">
-                <a:solidFill>
-                  <a:srgbClr val="3B3B3B"/>
-                </a:solidFill>
-                <a:latin typeface="Arial MT"/>
-                <a:cs typeface="Arial MT"/>
-              </a:rPr>
-              <a:t> </a:t>
-            </a:r>
-            <a:r>
-              <a:rPr dirty="0" sz="2400" spc="-5">
+              <a:rPr sz="2400" spc="-20" dirty="0">
+                <a:solidFill>
+                  <a:srgbClr val="3B3B3B"/>
+                </a:solidFill>
+                <a:latin typeface="Arial MT"/>
+                <a:cs typeface="Arial MT"/>
+              </a:rPr>
+              <a:t> </a:t>
+            </a:r>
+            <a:r>
+              <a:rPr sz="2400" spc="-5" dirty="0">
                 <a:solidFill>
                   <a:srgbClr val="3B3B3B"/>
                 </a:solidFill>
@@ -8528,17 +8797,17 @@
               <a:t>predict</a:t>
             </a:r>
             <a:r>
-              <a:rPr dirty="0" sz="2400" spc="-15">
-                <a:solidFill>
-                  <a:srgbClr val="3B3B3B"/>
-                </a:solidFill>
-                <a:latin typeface="Arial MT"/>
-                <a:cs typeface="Arial MT"/>
-              </a:rPr>
-              <a:t> </a:t>
-            </a:r>
-            <a:r>
-              <a:rPr dirty="0" sz="2400" spc="-5">
+              <a:rPr sz="2400" spc="-15" dirty="0">
+                <a:solidFill>
+                  <a:srgbClr val="3B3B3B"/>
+                </a:solidFill>
+                <a:latin typeface="Arial MT"/>
+                <a:cs typeface="Arial MT"/>
+              </a:rPr>
+              <a:t> </a:t>
+            </a:r>
+            <a:r>
+              <a:rPr sz="2400" spc="-5" dirty="0">
                 <a:solidFill>
                   <a:srgbClr val="3B3B3B"/>
                 </a:solidFill>
@@ -8548,17 +8817,17 @@
               <a:t>an</a:t>
             </a:r>
             <a:r>
-              <a:rPr dirty="0" sz="2400" spc="-15">
-                <a:solidFill>
-                  <a:srgbClr val="3B3B3B"/>
-                </a:solidFill>
-                <a:latin typeface="Arial MT"/>
-                <a:cs typeface="Arial MT"/>
-              </a:rPr>
-              <a:t> </a:t>
-            </a:r>
-            <a:r>
-              <a:rPr dirty="0" sz="2400" spc="-5">
+              <a:rPr sz="2400" spc="-15" dirty="0">
+                <a:solidFill>
+                  <a:srgbClr val="3B3B3B"/>
+                </a:solidFill>
+                <a:latin typeface="Arial MT"/>
+                <a:cs typeface="Arial MT"/>
+              </a:rPr>
+              <a:t> </a:t>
+            </a:r>
+            <a:r>
+              <a:rPr sz="2400" spc="-5" dirty="0">
                 <a:solidFill>
                   <a:srgbClr val="3B3B3B"/>
                 </a:solidFill>
@@ -8568,17 +8837,17 @@
               <a:t>outcome</a:t>
             </a:r>
             <a:r>
-              <a:rPr dirty="0" sz="2400" spc="-15">
-                <a:solidFill>
-                  <a:srgbClr val="3B3B3B"/>
-                </a:solidFill>
-                <a:latin typeface="Arial MT"/>
-                <a:cs typeface="Arial MT"/>
-              </a:rPr>
-              <a:t> </a:t>
-            </a:r>
-            <a:r>
-              <a:rPr dirty="0" sz="2400" spc="-5">
+              <a:rPr sz="2400" spc="-15" dirty="0">
+                <a:solidFill>
+                  <a:srgbClr val="3B3B3B"/>
+                </a:solidFill>
+                <a:latin typeface="Arial MT"/>
+                <a:cs typeface="Arial MT"/>
+              </a:rPr>
+              <a:t> </a:t>
+            </a:r>
+            <a:r>
+              <a:rPr sz="2400" spc="-5" dirty="0">
                 <a:solidFill>
                   <a:srgbClr val="3B3B3B"/>
                 </a:solidFill>
@@ -8588,17 +8857,17 @@
               <a:t>for</a:t>
             </a:r>
             <a:r>
-              <a:rPr dirty="0" sz="2400" spc="-20">
-                <a:solidFill>
-                  <a:srgbClr val="3B3B3B"/>
-                </a:solidFill>
-                <a:latin typeface="Arial MT"/>
-                <a:cs typeface="Arial MT"/>
-              </a:rPr>
-              <a:t> </a:t>
-            </a:r>
-            <a:r>
-              <a:rPr dirty="0" sz="2400" spc="-5">
+              <a:rPr sz="2400" spc="-20" dirty="0">
+                <a:solidFill>
+                  <a:srgbClr val="3B3B3B"/>
+                </a:solidFill>
+                <a:latin typeface="Arial MT"/>
+                <a:cs typeface="Arial MT"/>
+              </a:rPr>
+              <a:t> </a:t>
+            </a:r>
+            <a:r>
+              <a:rPr sz="2400" spc="-5" dirty="0">
                 <a:solidFill>
                   <a:srgbClr val="3B3B3B"/>
                 </a:solidFill>
@@ -8608,17 +8877,17 @@
               <a:t>an</a:t>
             </a:r>
             <a:r>
-              <a:rPr dirty="0" sz="2400" spc="-15">
-                <a:solidFill>
-                  <a:srgbClr val="3B3B3B"/>
-                </a:solidFill>
-                <a:latin typeface="Arial MT"/>
-                <a:cs typeface="Arial MT"/>
-              </a:rPr>
-              <a:t> </a:t>
-            </a:r>
-            <a:r>
-              <a:rPr dirty="0" sz="2400" spc="-5">
+              <a:rPr sz="2400" spc="-15" dirty="0">
+                <a:solidFill>
+                  <a:srgbClr val="3B3B3B"/>
+                </a:solidFill>
+                <a:latin typeface="Arial MT"/>
+                <a:cs typeface="Arial MT"/>
+              </a:rPr>
+              <a:t> </a:t>
+            </a:r>
+            <a:r>
+              <a:rPr sz="2400" spc="-5" dirty="0">
                 <a:solidFill>
                   <a:srgbClr val="3B3B3B"/>
                 </a:solidFill>
@@ -8627,13 +8896,13 @@
               </a:rPr>
               <a:t>individual,</a:t>
             </a:r>
-            <a:endParaRPr sz="2400">
+            <a:endParaRPr sz="2400" dirty="0">
               <a:latin typeface="Arial MT"/>
               <a:cs typeface="Arial MT"/>
             </a:endParaRPr>
           </a:p>
           <a:p>
-            <a:pPr lvl="1" marL="882015" indent="-412750">
+            <a:pPr marL="882015" lvl="1" indent="-412750">
               <a:lnSpc>
                 <a:spcPts val="2850"/>
               </a:lnSpc>
@@ -8647,7 +8916,7 @@
               </a:tabLst>
             </a:pPr>
             <a:r>
-              <a:rPr dirty="0" sz="2400" spc="-5">
+              <a:rPr sz="2400" spc="-5" dirty="0">
                 <a:solidFill>
                   <a:srgbClr val="3B3B3B"/>
                 </a:solidFill>
@@ -8657,17 +8926,17 @@
               <a:t>find</a:t>
             </a:r>
             <a:r>
-              <a:rPr dirty="0" sz="2400" spc="-20">
-                <a:solidFill>
-                  <a:srgbClr val="3B3B3B"/>
-                </a:solidFill>
-                <a:latin typeface="Arial MT"/>
-                <a:cs typeface="Arial MT"/>
-              </a:rPr>
-              <a:t> </a:t>
-            </a:r>
-            <a:r>
-              <a:rPr dirty="0" sz="2400" spc="-5">
+              <a:rPr sz="2400" spc="-20" dirty="0">
+                <a:solidFill>
+                  <a:srgbClr val="3B3B3B"/>
+                </a:solidFill>
+                <a:latin typeface="Arial MT"/>
+                <a:cs typeface="Arial MT"/>
+              </a:rPr>
+              <a:t> </a:t>
+            </a:r>
+            <a:r>
+              <a:rPr sz="2400" spc="-5" dirty="0">
                 <a:solidFill>
                   <a:srgbClr val="3B3B3B"/>
                 </a:solidFill>
@@ -8677,17 +8946,17 @@
               <a:t>others</a:t>
             </a:r>
             <a:r>
-              <a:rPr dirty="0" sz="2400" spc="-15">
-                <a:solidFill>
-                  <a:srgbClr val="3B3B3B"/>
-                </a:solidFill>
-                <a:latin typeface="Arial MT"/>
-                <a:cs typeface="Arial MT"/>
-              </a:rPr>
-              <a:t> </a:t>
-            </a:r>
-            <a:r>
-              <a:rPr dirty="0" sz="2400" spc="-5">
+              <a:rPr sz="2400" spc="-15" dirty="0">
+                <a:solidFill>
+                  <a:srgbClr val="3B3B3B"/>
+                </a:solidFill>
+                <a:latin typeface="Arial MT"/>
+                <a:cs typeface="Arial MT"/>
+              </a:rPr>
+              <a:t> </a:t>
+            </a:r>
+            <a:r>
+              <a:rPr sz="2400" spc="-5" dirty="0">
                 <a:solidFill>
                   <a:srgbClr val="3B3B3B"/>
                 </a:solidFill>
@@ -8697,17 +8966,17 @@
               <a:t>who</a:t>
             </a:r>
             <a:r>
-              <a:rPr dirty="0" sz="2400" spc="-15">
-                <a:solidFill>
-                  <a:srgbClr val="3B3B3B"/>
-                </a:solidFill>
-                <a:latin typeface="Arial MT"/>
-                <a:cs typeface="Arial MT"/>
-              </a:rPr>
-              <a:t> </a:t>
-            </a:r>
-            <a:r>
-              <a:rPr dirty="0" sz="2400" spc="-5">
+              <a:rPr sz="2400" spc="-15" dirty="0">
+                <a:solidFill>
+                  <a:srgbClr val="3B3B3B"/>
+                </a:solidFill>
+                <a:latin typeface="Arial MT"/>
+                <a:cs typeface="Arial MT"/>
+              </a:rPr>
+              <a:t> </a:t>
+            </a:r>
+            <a:r>
+              <a:rPr sz="2400" spc="-5" dirty="0">
                 <a:solidFill>
                   <a:srgbClr val="3B3B3B"/>
                 </a:solidFill>
@@ -8717,17 +8986,17 @@
               <a:t>are</a:t>
             </a:r>
             <a:r>
-              <a:rPr dirty="0" sz="2400" spc="-15">
-                <a:solidFill>
-                  <a:srgbClr val="3B3B3B"/>
-                </a:solidFill>
-                <a:latin typeface="Arial MT"/>
-                <a:cs typeface="Arial MT"/>
-              </a:rPr>
-              <a:t> </a:t>
-            </a:r>
-            <a:r>
-              <a:rPr dirty="0" sz="2400" spc="-5">
+              <a:rPr sz="2400" spc="-15" dirty="0">
+                <a:solidFill>
+                  <a:srgbClr val="3B3B3B"/>
+                </a:solidFill>
+                <a:latin typeface="Arial MT"/>
+                <a:cs typeface="Arial MT"/>
+              </a:rPr>
+              <a:t> </a:t>
+            </a:r>
+            <a:r>
+              <a:rPr sz="2400" spc="-5" dirty="0">
                 <a:solidFill>
                   <a:srgbClr val="3B3B3B"/>
                 </a:solidFill>
@@ -8737,17 +9006,17 @@
               <a:t>like</a:t>
             </a:r>
             <a:r>
-              <a:rPr dirty="0" sz="2400" spc="-15">
-                <a:solidFill>
-                  <a:srgbClr val="3B3B3B"/>
-                </a:solidFill>
-                <a:latin typeface="Arial MT"/>
-                <a:cs typeface="Arial MT"/>
-              </a:rPr>
-              <a:t> </a:t>
-            </a:r>
-            <a:r>
-              <a:rPr dirty="0" sz="2400" spc="-5">
+              <a:rPr sz="2400" spc="-15" dirty="0">
+                <a:solidFill>
+                  <a:srgbClr val="3B3B3B"/>
+                </a:solidFill>
+                <a:latin typeface="Arial MT"/>
+                <a:cs typeface="Arial MT"/>
+              </a:rPr>
+              <a:t> </a:t>
+            </a:r>
+            <a:r>
+              <a:rPr sz="2400" spc="-5" dirty="0">
                 <a:solidFill>
                   <a:srgbClr val="3B3B3B"/>
                 </a:solidFill>
@@ -8757,17 +9026,17 @@
               <a:t>that</a:t>
             </a:r>
             <a:r>
-              <a:rPr dirty="0" sz="2400" spc="-20">
-                <a:solidFill>
-                  <a:srgbClr val="3B3B3B"/>
-                </a:solidFill>
-                <a:latin typeface="Arial MT"/>
-                <a:cs typeface="Arial MT"/>
-              </a:rPr>
-              <a:t> </a:t>
-            </a:r>
-            <a:r>
-              <a:rPr dirty="0" sz="2400" spc="-5">
+              <a:rPr sz="2400" spc="-20" dirty="0">
+                <a:solidFill>
+                  <a:srgbClr val="3B3B3B"/>
+                </a:solidFill>
+                <a:latin typeface="Arial MT"/>
+                <a:cs typeface="Arial MT"/>
+              </a:rPr>
+              <a:t> </a:t>
+            </a:r>
+            <a:r>
+              <a:rPr sz="2400" spc="-5" dirty="0">
                 <a:solidFill>
                   <a:srgbClr val="3B3B3B"/>
                 </a:solidFill>
@@ -8776,13 +9045,13 @@
               </a:rPr>
               <a:t>individual</a:t>
             </a:r>
-            <a:endParaRPr sz="2400">
+            <a:endParaRPr sz="2400" dirty="0">
               <a:latin typeface="Arial MT"/>
               <a:cs typeface="Arial MT"/>
             </a:endParaRPr>
           </a:p>
           <a:p>
-            <a:pPr lvl="1" marL="882015" indent="-412750">
+            <a:pPr marL="882015" lvl="1" indent="-412750">
               <a:lnSpc>
                 <a:spcPts val="2850"/>
               </a:lnSpc>
@@ -8796,7 +9065,7 @@
               </a:tabLst>
             </a:pPr>
             <a:r>
-              <a:rPr dirty="0" sz="2400" spc="-5">
+              <a:rPr sz="2400" spc="-5" dirty="0">
                 <a:solidFill>
                   <a:srgbClr val="3B3B3B"/>
                 </a:solidFill>
@@ -8806,17 +9075,17 @@
               <a:t>and</a:t>
             </a:r>
             <a:r>
-              <a:rPr dirty="0" sz="2400" spc="-20">
-                <a:solidFill>
-                  <a:srgbClr val="3B3B3B"/>
-                </a:solidFill>
-                <a:latin typeface="Arial MT"/>
-                <a:cs typeface="Arial MT"/>
-              </a:rPr>
-              <a:t> </a:t>
-            </a:r>
-            <a:r>
-              <a:rPr dirty="0" sz="2400" spc="-5">
+              <a:rPr sz="2400" spc="-20" dirty="0">
+                <a:solidFill>
+                  <a:srgbClr val="3B3B3B"/>
+                </a:solidFill>
+                <a:latin typeface="Arial MT"/>
+                <a:cs typeface="Arial MT"/>
+              </a:rPr>
+              <a:t> </a:t>
+            </a:r>
+            <a:r>
+              <a:rPr sz="2400" spc="-5" dirty="0">
                 <a:solidFill>
                   <a:srgbClr val="3B3B3B"/>
                 </a:solidFill>
@@ -8826,17 +9095,17 @@
               <a:t>whose</a:t>
             </a:r>
             <a:r>
-              <a:rPr dirty="0" sz="2400" spc="-20">
-                <a:solidFill>
-                  <a:srgbClr val="3B3B3B"/>
-                </a:solidFill>
-                <a:latin typeface="Arial MT"/>
-                <a:cs typeface="Arial MT"/>
-              </a:rPr>
-              <a:t> </a:t>
-            </a:r>
-            <a:r>
-              <a:rPr dirty="0" sz="2400" spc="-5">
+              <a:rPr sz="2400" spc="-20" dirty="0">
+                <a:solidFill>
+                  <a:srgbClr val="3B3B3B"/>
+                </a:solidFill>
+                <a:latin typeface="Arial MT"/>
+                <a:cs typeface="Arial MT"/>
+              </a:rPr>
+              <a:t> </a:t>
+            </a:r>
+            <a:r>
+              <a:rPr sz="2400" spc="-5" dirty="0">
                 <a:solidFill>
                   <a:srgbClr val="3B3B3B"/>
                 </a:solidFill>
@@ -8846,17 +9115,17 @@
               <a:t>outcomes</a:t>
             </a:r>
             <a:r>
-              <a:rPr dirty="0" sz="2400" spc="-20">
-                <a:solidFill>
-                  <a:srgbClr val="3B3B3B"/>
-                </a:solidFill>
-                <a:latin typeface="Arial MT"/>
-                <a:cs typeface="Arial MT"/>
-              </a:rPr>
-              <a:t> </a:t>
-            </a:r>
-            <a:r>
-              <a:rPr dirty="0" sz="2400">
+              <a:rPr sz="2400" spc="-20" dirty="0">
+                <a:solidFill>
+                  <a:srgbClr val="3B3B3B"/>
+                </a:solidFill>
+                <a:latin typeface="Arial MT"/>
+                <a:cs typeface="Arial MT"/>
+              </a:rPr>
+              <a:t> </a:t>
+            </a:r>
+            <a:r>
+              <a:rPr sz="2400" dirty="0">
                 <a:solidFill>
                   <a:srgbClr val="3B3B3B"/>
                 </a:solidFill>
@@ -8866,17 +9135,17 @@
               <a:t>you</a:t>
             </a:r>
             <a:r>
-              <a:rPr dirty="0" sz="2400" spc="-15">
-                <a:solidFill>
-                  <a:srgbClr val="3B3B3B"/>
-                </a:solidFill>
-                <a:latin typeface="Arial MT"/>
-                <a:cs typeface="Arial MT"/>
-              </a:rPr>
-              <a:t> </a:t>
-            </a:r>
-            <a:r>
-              <a:rPr dirty="0" sz="2400" spc="-30">
+              <a:rPr sz="2400" spc="-15" dirty="0">
+                <a:solidFill>
+                  <a:srgbClr val="3B3B3B"/>
+                </a:solidFill>
+                <a:latin typeface="Arial MT"/>
+                <a:cs typeface="Arial MT"/>
+              </a:rPr>
+              <a:t> </a:t>
+            </a:r>
+            <a:r>
+              <a:rPr sz="2400" spc="-30" dirty="0">
                 <a:solidFill>
                   <a:srgbClr val="3B3B3B"/>
                 </a:solidFill>
@@ -8885,13 +9154,13 @@
               </a:rPr>
               <a:t>know.</a:t>
             </a:r>
-            <a:endParaRPr sz="2400">
+            <a:endParaRPr sz="2400" dirty="0">
               <a:latin typeface="Arial MT"/>
               <a:cs typeface="Arial MT"/>
             </a:endParaRPr>
           </a:p>
           <a:p>
-            <a:pPr lvl="1" marL="882015" indent="-412750">
+            <a:pPr marL="882015" lvl="1" indent="-412750">
               <a:lnSpc>
                 <a:spcPts val="2865"/>
               </a:lnSpc>
@@ -8905,7 +9174,7 @@
               </a:tabLst>
             </a:pPr>
             <a:r>
-              <a:rPr dirty="0" sz="2400" spc="-5">
+              <a:rPr sz="2400" spc="-5" dirty="0">
                 <a:solidFill>
                   <a:srgbClr val="3B3B3B"/>
                 </a:solidFill>
@@ -8915,17 +9184,17 @@
               <a:t>Use</a:t>
             </a:r>
             <a:r>
-              <a:rPr dirty="0" sz="2400" spc="-15">
-                <a:solidFill>
-                  <a:srgbClr val="3B3B3B"/>
-                </a:solidFill>
-                <a:latin typeface="Arial MT"/>
-                <a:cs typeface="Arial MT"/>
-              </a:rPr>
-              <a:t> </a:t>
-            </a:r>
-            <a:r>
-              <a:rPr dirty="0" sz="2400" spc="-5">
+              <a:rPr sz="2400" spc="-15" dirty="0">
+                <a:solidFill>
+                  <a:srgbClr val="3B3B3B"/>
+                </a:solidFill>
+                <a:latin typeface="Arial MT"/>
+                <a:cs typeface="Arial MT"/>
+              </a:rPr>
+              <a:t> </a:t>
+            </a:r>
+            <a:r>
+              <a:rPr sz="2400" spc="-5" dirty="0">
                 <a:solidFill>
                   <a:srgbClr val="3B3B3B"/>
                 </a:solidFill>
@@ -8935,17 +9204,17 @@
               <a:t>those</a:t>
             </a:r>
             <a:r>
-              <a:rPr dirty="0" sz="2400" spc="-20">
-                <a:solidFill>
-                  <a:srgbClr val="3B3B3B"/>
-                </a:solidFill>
-                <a:latin typeface="Arial MT"/>
-                <a:cs typeface="Arial MT"/>
-              </a:rPr>
-              <a:t> </a:t>
-            </a:r>
-            <a:r>
-              <a:rPr dirty="0" sz="2400" spc="-5">
+              <a:rPr sz="2400" spc="-20" dirty="0">
+                <a:solidFill>
+                  <a:srgbClr val="3B3B3B"/>
+                </a:solidFill>
+                <a:latin typeface="Arial MT"/>
+                <a:cs typeface="Arial MT"/>
+              </a:rPr>
+              <a:t> </a:t>
+            </a:r>
+            <a:r>
+              <a:rPr sz="2400" spc="-5" dirty="0">
                 <a:solidFill>
                   <a:srgbClr val="3B3B3B"/>
                 </a:solidFill>
@@ -8955,17 +9224,17 @@
               <a:t>outcomes</a:t>
             </a:r>
             <a:r>
-              <a:rPr dirty="0" sz="2400" spc="-10">
-                <a:solidFill>
-                  <a:srgbClr val="3B3B3B"/>
-                </a:solidFill>
-                <a:latin typeface="Arial MT"/>
-                <a:cs typeface="Arial MT"/>
-              </a:rPr>
-              <a:t> </a:t>
-            </a:r>
-            <a:r>
-              <a:rPr dirty="0" sz="2400" spc="-5">
+              <a:rPr sz="2400" spc="-10" dirty="0">
+                <a:solidFill>
+                  <a:srgbClr val="3B3B3B"/>
+                </a:solidFill>
+                <a:latin typeface="Arial MT"/>
+                <a:cs typeface="Arial MT"/>
+              </a:rPr>
+              <a:t> </a:t>
+            </a:r>
+            <a:r>
+              <a:rPr sz="2400" spc="-5" dirty="0">
                 <a:solidFill>
                   <a:srgbClr val="3B3B3B"/>
                 </a:solidFill>
@@ -8975,17 +9244,17 @@
               <a:t>as</a:t>
             </a:r>
             <a:r>
-              <a:rPr dirty="0" sz="2400" spc="-15">
-                <a:solidFill>
-                  <a:srgbClr val="3B3B3B"/>
-                </a:solidFill>
-                <a:latin typeface="Arial MT"/>
-                <a:cs typeface="Arial MT"/>
-              </a:rPr>
-              <a:t> </a:t>
-            </a:r>
-            <a:r>
-              <a:rPr dirty="0" sz="2400" spc="-5">
+              <a:rPr sz="2400" spc="-15" dirty="0">
+                <a:solidFill>
+                  <a:srgbClr val="3B3B3B"/>
+                </a:solidFill>
+                <a:latin typeface="Arial MT"/>
+                <a:cs typeface="Arial MT"/>
+              </a:rPr>
+              <a:t> </a:t>
+            </a:r>
+            <a:r>
+              <a:rPr sz="2400" spc="-5" dirty="0">
                 <a:solidFill>
                   <a:srgbClr val="3B3B3B"/>
                 </a:solidFill>
@@ -8995,17 +9264,17 @@
               <a:t>the</a:t>
             </a:r>
             <a:r>
-              <a:rPr dirty="0" sz="2400" spc="-15">
-                <a:solidFill>
-                  <a:srgbClr val="3B3B3B"/>
-                </a:solidFill>
-                <a:latin typeface="Arial MT"/>
-                <a:cs typeface="Arial MT"/>
-              </a:rPr>
-              <a:t> </a:t>
-            </a:r>
-            <a:r>
-              <a:rPr dirty="0" sz="2400" spc="-5">
+              <a:rPr sz="2400" spc="-15" dirty="0">
+                <a:solidFill>
+                  <a:srgbClr val="3B3B3B"/>
+                </a:solidFill>
+                <a:latin typeface="Arial MT"/>
+                <a:cs typeface="Arial MT"/>
+              </a:rPr>
+              <a:t> </a:t>
+            </a:r>
+            <a:r>
+              <a:rPr sz="2400" spc="-5" dirty="0">
                 <a:solidFill>
                   <a:srgbClr val="3B3B3B"/>
                 </a:solidFill>
@@ -9015,17 +9284,17 @@
               <a:t>basis</a:t>
             </a:r>
             <a:r>
-              <a:rPr dirty="0" sz="2400" spc="-15">
-                <a:solidFill>
-                  <a:srgbClr val="3B3B3B"/>
-                </a:solidFill>
-                <a:latin typeface="Arial MT"/>
-                <a:cs typeface="Arial MT"/>
-              </a:rPr>
-              <a:t> </a:t>
-            </a:r>
-            <a:r>
-              <a:rPr dirty="0" sz="2400" spc="-5">
+              <a:rPr sz="2400" spc="-15" dirty="0">
+                <a:solidFill>
+                  <a:srgbClr val="3B3B3B"/>
+                </a:solidFill>
+                <a:latin typeface="Arial MT"/>
+                <a:cs typeface="Arial MT"/>
+              </a:rPr>
+              <a:t> </a:t>
+            </a:r>
+            <a:r>
+              <a:rPr sz="2400" spc="-5" dirty="0">
                 <a:solidFill>
                   <a:srgbClr val="3B3B3B"/>
                 </a:solidFill>
@@ -9035,17 +9304,17 @@
               <a:t>of</a:t>
             </a:r>
             <a:r>
-              <a:rPr dirty="0" sz="2400" spc="-10">
-                <a:solidFill>
-                  <a:srgbClr val="3B3B3B"/>
-                </a:solidFill>
-                <a:latin typeface="Arial MT"/>
-                <a:cs typeface="Arial MT"/>
-              </a:rPr>
-              <a:t> </a:t>
-            </a:r>
-            <a:r>
-              <a:rPr dirty="0" sz="2400">
+              <a:rPr sz="2400" spc="-10" dirty="0">
+                <a:solidFill>
+                  <a:srgbClr val="3B3B3B"/>
+                </a:solidFill>
+                <a:latin typeface="Arial MT"/>
+                <a:cs typeface="Arial MT"/>
+              </a:rPr>
+              <a:t> </a:t>
+            </a:r>
+            <a:r>
+              <a:rPr sz="2400" dirty="0">
                 <a:solidFill>
                   <a:srgbClr val="3B3B3B"/>
                 </a:solidFill>
@@ -9055,17 +9324,17 @@
               <a:t>your</a:t>
             </a:r>
             <a:r>
-              <a:rPr dirty="0" sz="2400" spc="-15">
-                <a:solidFill>
-                  <a:srgbClr val="3B3B3B"/>
-                </a:solidFill>
-                <a:latin typeface="Arial MT"/>
-                <a:cs typeface="Arial MT"/>
-              </a:rPr>
-              <a:t> </a:t>
-            </a:r>
-            <a:r>
-              <a:rPr dirty="0" sz="2400" spc="-5">
+              <a:rPr sz="2400" spc="-15" dirty="0">
+                <a:solidFill>
+                  <a:srgbClr val="3B3B3B"/>
+                </a:solidFill>
+                <a:latin typeface="Arial MT"/>
+                <a:cs typeface="Arial MT"/>
+              </a:rPr>
+              <a:t> </a:t>
+            </a:r>
+            <a:r>
+              <a:rPr sz="2400" spc="-5" dirty="0">
                 <a:solidFill>
                   <a:srgbClr val="3B3B3B"/>
                 </a:solidFill>
@@ -9074,7 +9343,7 @@
               </a:rPr>
               <a:t>prediction.</a:t>
             </a:r>
-            <a:endParaRPr sz="2400">
+            <a:endParaRPr sz="2400" dirty="0">
               <a:latin typeface="Arial MT"/>
               <a:cs typeface="Arial MT"/>
             </a:endParaRPr>
@@ -9093,7 +9362,7 @@
               <a:buFont typeface="Arial MT"/>
               <a:buChar char="○"/>
             </a:pPr>
-            <a:endParaRPr sz="3300">
+            <a:endParaRPr sz="3300" dirty="0">
               <a:latin typeface="Arial MT"/>
               <a:cs typeface="Arial MT"/>
             </a:endParaRPr>
@@ -9113,7 +9382,7 @@
               </a:tabLst>
             </a:pPr>
             <a:r>
-              <a:rPr dirty="0" sz="2400" spc="-50">
+              <a:rPr sz="2400" spc="-50" dirty="0">
                 <a:solidFill>
                   <a:srgbClr val="3B3B3B"/>
                 </a:solidFill>
@@ -9123,17 +9392,17 @@
               <a:t>Two</a:t>
             </a:r>
             <a:r>
-              <a:rPr dirty="0" sz="2400" spc="-70">
-                <a:solidFill>
-                  <a:srgbClr val="3B3B3B"/>
-                </a:solidFill>
-                <a:latin typeface="Arial MT"/>
-                <a:cs typeface="Arial MT"/>
-              </a:rPr>
-              <a:t> </a:t>
-            </a:r>
-            <a:r>
-              <a:rPr dirty="0" sz="2400" spc="-30">
+              <a:rPr sz="2400" spc="-70" dirty="0">
+                <a:solidFill>
+                  <a:srgbClr val="3B3B3B"/>
+                </a:solidFill>
+                <a:latin typeface="Arial MT"/>
+                <a:cs typeface="Arial MT"/>
+              </a:rPr>
+              <a:t> </a:t>
+            </a:r>
+            <a:r>
+              <a:rPr sz="2400" spc="-30" dirty="0">
                 <a:solidFill>
                   <a:srgbClr val="3B3B3B"/>
                 </a:solidFill>
@@ -9143,17 +9412,17 @@
               <a:t>Types</a:t>
             </a:r>
             <a:r>
-              <a:rPr dirty="0" sz="2400" spc="-20">
-                <a:solidFill>
-                  <a:srgbClr val="3B3B3B"/>
-                </a:solidFill>
-                <a:latin typeface="Arial MT"/>
-                <a:cs typeface="Arial MT"/>
-              </a:rPr>
-              <a:t> </a:t>
-            </a:r>
-            <a:r>
-              <a:rPr dirty="0" sz="2400" spc="-5">
+              <a:rPr sz="2400" spc="-20" dirty="0">
+                <a:solidFill>
+                  <a:srgbClr val="3B3B3B"/>
+                </a:solidFill>
+                <a:latin typeface="Arial MT"/>
+                <a:cs typeface="Arial MT"/>
+              </a:rPr>
+              <a:t> </a:t>
+            </a:r>
+            <a:r>
+              <a:rPr sz="2400" spc="-5" dirty="0">
                 <a:solidFill>
                   <a:srgbClr val="3B3B3B"/>
                 </a:solidFill>
@@ -9163,17 +9432,17 @@
               <a:t>of</a:t>
             </a:r>
             <a:r>
-              <a:rPr dirty="0" sz="2400" spc="-20">
-                <a:solidFill>
-                  <a:srgbClr val="3B3B3B"/>
-                </a:solidFill>
-                <a:latin typeface="Arial MT"/>
-                <a:cs typeface="Arial MT"/>
-              </a:rPr>
-              <a:t> </a:t>
-            </a:r>
-            <a:r>
-              <a:rPr dirty="0" sz="2400" spc="-5">
+              <a:rPr sz="2400" spc="-20" dirty="0">
+                <a:solidFill>
+                  <a:srgbClr val="3B3B3B"/>
+                </a:solidFill>
+                <a:latin typeface="Arial MT"/>
+                <a:cs typeface="Arial MT"/>
+              </a:rPr>
+              <a:t> </a:t>
+            </a:r>
+            <a:r>
+              <a:rPr sz="2400" spc="-5" dirty="0">
                 <a:solidFill>
                   <a:srgbClr val="3B3B3B"/>
                 </a:solidFill>
@@ -9182,13 +9451,13 @@
               </a:rPr>
               <a:t>Prediction</a:t>
             </a:r>
-            <a:endParaRPr sz="2400">
+            <a:endParaRPr sz="2400" dirty="0">
               <a:latin typeface="Arial MT"/>
               <a:cs typeface="Arial MT"/>
             </a:endParaRPr>
           </a:p>
           <a:p>
-            <a:pPr lvl="1" marL="882015" indent="-412750">
+            <a:pPr marL="882015" lvl="1" indent="-412750">
               <a:lnSpc>
                 <a:spcPct val="100000"/>
               </a:lnSpc>
@@ -9205,7 +9474,7 @@
               </a:tabLst>
             </a:pPr>
             <a:r>
-              <a:rPr dirty="0" sz="2400" spc="-5">
+              <a:rPr sz="2000" spc="-5" dirty="0">
                 <a:solidFill>
                   <a:srgbClr val="3B3B3B"/>
                 </a:solidFill>
@@ -9215,17 +9484,17 @@
               <a:t>Classification</a:t>
             </a:r>
             <a:r>
-              <a:rPr dirty="0" sz="2400" spc="-20">
-                <a:solidFill>
-                  <a:srgbClr val="3B3B3B"/>
-                </a:solidFill>
-                <a:latin typeface="Arial MT"/>
-                <a:cs typeface="Arial MT"/>
-              </a:rPr>
-              <a:t> </a:t>
-            </a:r>
-            <a:r>
-              <a:rPr dirty="0" sz="2400">
+              <a:rPr sz="2000" spc="-20" dirty="0">
+                <a:solidFill>
+                  <a:srgbClr val="3B3B3B"/>
+                </a:solidFill>
+                <a:latin typeface="Arial MT"/>
+                <a:cs typeface="Arial MT"/>
+              </a:rPr>
+              <a:t> </a:t>
+            </a:r>
+            <a:r>
+              <a:rPr sz="2000" dirty="0">
                 <a:solidFill>
                   <a:srgbClr val="3B3B3B"/>
                 </a:solidFill>
@@ -9235,17 +9504,17 @@
               <a:t>=</a:t>
             </a:r>
             <a:r>
-              <a:rPr dirty="0" sz="2400" spc="-25">
-                <a:solidFill>
-                  <a:srgbClr val="3B3B3B"/>
-                </a:solidFill>
-                <a:latin typeface="Arial MT"/>
-                <a:cs typeface="Arial MT"/>
-              </a:rPr>
-              <a:t> </a:t>
-            </a:r>
-            <a:r>
-              <a:rPr dirty="0" sz="2400" spc="-5">
+              <a:rPr sz="2000" spc="-25" dirty="0">
+                <a:solidFill>
+                  <a:srgbClr val="3B3B3B"/>
+                </a:solidFill>
+                <a:latin typeface="Arial MT"/>
+                <a:cs typeface="Arial MT"/>
+              </a:rPr>
+              <a:t> </a:t>
+            </a:r>
+            <a:r>
+              <a:rPr sz="2000" spc="-5" dirty="0">
                 <a:solidFill>
                   <a:srgbClr val="3B3B3B"/>
                 </a:solidFill>
@@ -9255,17 +9524,17 @@
               <a:t>Categorical;</a:t>
             </a:r>
             <a:r>
-              <a:rPr dirty="0" sz="2400" spc="-20">
-                <a:solidFill>
-                  <a:srgbClr val="3B3B3B"/>
-                </a:solidFill>
-                <a:latin typeface="Arial MT"/>
-                <a:cs typeface="Arial MT"/>
-              </a:rPr>
-              <a:t> </a:t>
-            </a:r>
-            <a:r>
-              <a:rPr dirty="0" sz="2400" spc="-5">
+              <a:rPr sz="2000" spc="-20" dirty="0">
+                <a:solidFill>
+                  <a:srgbClr val="3B3B3B"/>
+                </a:solidFill>
+                <a:latin typeface="Arial MT"/>
+                <a:cs typeface="Arial MT"/>
+              </a:rPr>
+              <a:t> </a:t>
+            </a:r>
+            <a:r>
+              <a:rPr sz="2000" spc="-5" dirty="0">
                 <a:solidFill>
                   <a:srgbClr val="3B3B3B"/>
                 </a:solidFill>
@@ -9275,17 +9544,17 @@
               <a:t>Regression</a:t>
             </a:r>
             <a:r>
-              <a:rPr dirty="0" sz="2400" spc="-15">
-                <a:solidFill>
-                  <a:srgbClr val="3B3B3B"/>
-                </a:solidFill>
-                <a:latin typeface="Arial MT"/>
-                <a:cs typeface="Arial MT"/>
-              </a:rPr>
-              <a:t> </a:t>
-            </a:r>
-            <a:r>
-              <a:rPr dirty="0" sz="2400">
+              <a:rPr sz="2000" spc="-15" dirty="0">
+                <a:solidFill>
+                  <a:srgbClr val="3B3B3B"/>
+                </a:solidFill>
+                <a:latin typeface="Arial MT"/>
+                <a:cs typeface="Arial MT"/>
+              </a:rPr>
+              <a:t> </a:t>
+            </a:r>
+            <a:r>
+              <a:rPr sz="2000" dirty="0">
                 <a:solidFill>
                   <a:srgbClr val="3B3B3B"/>
                 </a:solidFill>
@@ -9295,17 +9564,17 @@
               <a:t>=</a:t>
             </a:r>
             <a:r>
-              <a:rPr dirty="0" sz="2400" spc="-25">
-                <a:solidFill>
-                  <a:srgbClr val="3B3B3B"/>
-                </a:solidFill>
-                <a:latin typeface="Arial MT"/>
-                <a:cs typeface="Arial MT"/>
-              </a:rPr>
-              <a:t> </a:t>
-            </a:r>
-            <a:r>
-              <a:rPr dirty="0" sz="2400" spc="-5">
+              <a:rPr sz="2000" spc="-25" dirty="0">
+                <a:solidFill>
+                  <a:srgbClr val="3B3B3B"/>
+                </a:solidFill>
+                <a:latin typeface="Arial MT"/>
+                <a:cs typeface="Arial MT"/>
+              </a:rPr>
+              <a:t> </a:t>
+            </a:r>
+            <a:r>
+              <a:rPr sz="2000" spc="-5" dirty="0" smtClean="0">
                 <a:solidFill>
                   <a:srgbClr val="3B3B3B"/>
                 </a:solidFill>
@@ -9314,7 +9583,17 @@
               </a:rPr>
               <a:t>Numeric</a:t>
             </a:r>
-            <a:endParaRPr sz="2400">
+            <a:r>
+              <a:rPr lang="en-US" sz="2000" spc="-5" dirty="0" smtClean="0">
+                <a:solidFill>
+                  <a:srgbClr val="3B3B3B"/>
+                </a:solidFill>
+                <a:latin typeface="Arial MT"/>
+                <a:cs typeface="Arial MT"/>
+              </a:rPr>
+              <a:t>al</a:t>
+            </a:r>
+            <a:endParaRPr sz="2000" dirty="0">
               <a:latin typeface="Arial MT"/>
               <a:cs typeface="Arial MT"/>
             </a:endParaRPr>
@@ -9364,7 +9643,7 @@
             <a:cxnLst/>
             <a:rect l="l" t="t" r="r" b="b"/>
             <a:pathLst>
-              <a:path w="8229600" h="0">
+              <a:path w="8229600">
                 <a:moveTo>
                   <a:pt x="0" y="0"/>
                 </a:moveTo>
@@ -9383,7 +9662,9 @@
         <p:txBody>
           <a:bodyPr wrap="square" lIns="0" tIns="0" rIns="0" bIns="0" rtlCol="0"/>
           <a:lstStyle/>
-          <a:p/>
+          <a:p>
+            <a:endParaRPr/>
+          </a:p>
         </p:txBody>
       </p:sp>
       <p:sp>
@@ -9404,7 +9685,7 @@
             <a:cxnLst/>
             <a:rect l="l" t="t" r="r" b="b"/>
             <a:pathLst>
-              <a:path w="8229600" h="0">
+              <a:path w="8229600">
                 <a:moveTo>
                   <a:pt x="0" y="0"/>
                 </a:moveTo>
@@ -9423,7 +9704,9 @@
         <p:txBody>
           <a:bodyPr wrap="square" lIns="0" tIns="0" rIns="0" bIns="0" rtlCol="0"/>
           <a:lstStyle/>
-          <a:p/>
+          <a:p>
+            <a:endParaRPr/>
+          </a:p>
         </p:txBody>
       </p:sp>
       <p:sp>
@@ -9441,10 +9724,12 @@
             <a:off x="530225" y="212711"/>
             <a:ext cx="7522209" cy="574040"/>
           </a:xfrm>
-          <a:prstGeom prst="rect"/>
+          <a:prstGeom prst="rect">
+            <a:avLst/>
+          </a:prstGeom>
         </p:spPr>
         <p:txBody>
-          <a:bodyPr wrap="square" lIns="0" tIns="12700" rIns="0" bIns="0" rtlCol="0" vert="horz">
+          <a:bodyPr vert="horz" wrap="square" lIns="0" tIns="12700" rIns="0" bIns="0" rtlCol="0">
             <a:spAutoFit/>
           </a:bodyPr>
           <a:lstStyle/>
@@ -9458,39 +9743,39 @@
               </a:spcBef>
             </a:pPr>
             <a:r>
-              <a:rPr dirty="0" spc="-10"/>
+              <a:rPr spc="-10" dirty="0"/>
               <a:t>Prediction</a:t>
             </a:r>
             <a:r>
-              <a:rPr dirty="0" spc="-35"/>
-              <a:t> </a:t>
-            </a:r>
-            <a:r>
-              <a:rPr dirty="0" spc="-10"/>
+              <a:rPr spc="-35" dirty="0"/>
+              <a:t> </a:t>
+            </a:r>
+            <a:r>
+              <a:rPr spc="-10" dirty="0"/>
               <a:t>Example:</a:t>
             </a:r>
             <a:r>
-              <a:rPr dirty="0" spc="-30"/>
-              <a:t> </a:t>
-            </a:r>
-            <a:r>
-              <a:rPr dirty="0" spc="-10"/>
+              <a:rPr spc="-30" dirty="0"/>
+              <a:t> </a:t>
+            </a:r>
+            <a:r>
+              <a:rPr spc="-10" dirty="0"/>
               <a:t>Spam</a:t>
             </a:r>
             <a:r>
-              <a:rPr dirty="0" spc="-30"/>
-              <a:t> </a:t>
-            </a:r>
-            <a:r>
-              <a:rPr dirty="0" spc="-5"/>
+              <a:rPr spc="-30" dirty="0"/>
+              <a:t> </a:t>
+            </a:r>
+            <a:r>
+              <a:rPr spc="-5" dirty="0"/>
               <a:t>or</a:t>
             </a:r>
             <a:r>
-              <a:rPr dirty="0" spc="-30"/>
-              <a:t> </a:t>
-            </a:r>
-            <a:r>
-              <a:rPr dirty="0" spc="-5"/>
+              <a:rPr spc="-30" dirty="0"/>
+              <a:t> </a:t>
+            </a:r>
+            <a:r>
+              <a:rPr spc="-5" dirty="0"/>
               <a:t>Not?</a:t>
             </a:r>
           </a:p>
@@ -9624,10 +9909,12 @@
             <a:off x="530225" y="212715"/>
             <a:ext cx="6174105" cy="574040"/>
           </a:xfrm>
-          <a:prstGeom prst="rect"/>
+          <a:prstGeom prst="rect">
+            <a:avLst/>
+          </a:prstGeom>
         </p:spPr>
         <p:txBody>
-          <a:bodyPr wrap="square" lIns="0" tIns="12700" rIns="0" bIns="0" rtlCol="0" vert="horz">
+          <a:bodyPr vert="horz" wrap="square" lIns="0" tIns="12700" rIns="0" bIns="0" rtlCol="0">
             <a:spAutoFit/>
           </a:bodyPr>
           <a:lstStyle/>
@@ -9641,23 +9928,23 @@
               </a:spcBef>
             </a:pPr>
             <a:r>
-              <a:rPr dirty="0" spc="-5"/>
+              <a:rPr spc="-5" dirty="0"/>
               <a:t>Machine</a:t>
             </a:r>
             <a:r>
-              <a:rPr dirty="0" spc="-50"/>
-              <a:t> </a:t>
-            </a:r>
-            <a:r>
-              <a:rPr dirty="0" spc="-10"/>
+              <a:rPr spc="-50" dirty="0"/>
+              <a:t> </a:t>
+            </a:r>
+            <a:r>
+              <a:rPr spc="-10" dirty="0"/>
               <a:t>Learning</a:t>
             </a:r>
             <a:r>
-              <a:rPr dirty="0" spc="-180"/>
-              <a:t> </a:t>
-            </a:r>
-            <a:r>
-              <a:rPr dirty="0" spc="-5"/>
+              <a:rPr spc="-180" dirty="0"/>
+              <a:t> </a:t>
+            </a:r>
+            <a:r>
+              <a:rPr spc="-5" dirty="0"/>
               <a:t>Algorithm</a:t>
             </a:r>
           </a:p>
@@ -9679,12 +9966,12 @@
           </a:prstGeom>
         </p:spPr>
         <p:txBody>
-          <a:bodyPr wrap="square" lIns="0" tIns="12700" rIns="0" bIns="0" rtlCol="0" vert="horz">
+          <a:bodyPr vert="horz" wrap="square" lIns="0" tIns="12700" rIns="0" bIns="0" rtlCol="0">
             <a:spAutoFit/>
           </a:bodyPr>
           <a:lstStyle/>
           <a:p>
-            <a:pPr algn="just" marL="471170" indent="-459105">
+            <a:pPr marL="471170" indent="-459105" algn="just">
               <a:lnSpc>
                 <a:spcPts val="3585"/>
               </a:lnSpc>
@@ -9700,7 +9987,7 @@
               </a:tabLst>
             </a:pPr>
             <a:r>
-              <a:rPr dirty="0" sz="3000">
+              <a:rPr sz="3000" dirty="0">
                 <a:solidFill>
                   <a:srgbClr val="3B3B3B"/>
                 </a:solidFill>
@@ -9710,17 +9997,17 @@
               <a:t>A</a:t>
             </a:r>
             <a:r>
-              <a:rPr dirty="0" sz="3000" spc="-204">
-                <a:solidFill>
-                  <a:srgbClr val="3B3B3B"/>
-                </a:solidFill>
-                <a:latin typeface="Arial MT"/>
-                <a:cs typeface="Arial MT"/>
-              </a:rPr>
-              <a:t> </a:t>
-            </a:r>
-            <a:r>
-              <a:rPr dirty="0" sz="3000">
+              <a:rPr sz="3000" spc="-204" dirty="0">
+                <a:solidFill>
+                  <a:srgbClr val="3B3B3B"/>
+                </a:solidFill>
+                <a:latin typeface="Arial MT"/>
+                <a:cs typeface="Arial MT"/>
+              </a:rPr>
+              <a:t> </a:t>
+            </a:r>
+            <a:r>
+              <a:rPr sz="3000" dirty="0">
                 <a:solidFill>
                   <a:srgbClr val="3B3B3B"/>
                 </a:solidFill>
@@ -9730,17 +10017,17 @@
               <a:t>mathematical</a:t>
             </a:r>
             <a:r>
-              <a:rPr dirty="0" sz="3000" spc="-35">
-                <a:solidFill>
-                  <a:srgbClr val="3B3B3B"/>
-                </a:solidFill>
-                <a:latin typeface="Arial MT"/>
-                <a:cs typeface="Arial MT"/>
-              </a:rPr>
-              <a:t> </a:t>
-            </a:r>
-            <a:r>
-              <a:rPr dirty="0" sz="3000">
+              <a:rPr sz="3000" spc="-35" dirty="0">
+                <a:solidFill>
+                  <a:srgbClr val="3B3B3B"/>
+                </a:solidFill>
+                <a:latin typeface="Arial MT"/>
+                <a:cs typeface="Arial MT"/>
+              </a:rPr>
+              <a:t> </a:t>
+            </a:r>
+            <a:r>
+              <a:rPr sz="3000" dirty="0">
                 <a:solidFill>
                   <a:srgbClr val="3B3B3B"/>
                 </a:solidFill>
@@ -9755,7 +10042,7 @@
             </a:endParaRPr>
           </a:p>
           <a:p>
-            <a:pPr algn="just" marL="471170" marR="75565" indent="-459105">
+            <a:pPr marL="471170" marR="75565" indent="-459105" algn="just">
               <a:lnSpc>
                 <a:spcPts val="3600"/>
               </a:lnSpc>
@@ -9771,7 +10058,7 @@
               </a:tabLst>
             </a:pPr>
             <a:r>
-              <a:rPr dirty="0" sz="3000">
+              <a:rPr sz="3000" dirty="0">
                 <a:solidFill>
                   <a:srgbClr val="3B3B3B"/>
                 </a:solidFill>
@@ -9781,17 +10068,17 @@
               <a:t>calculated</a:t>
             </a:r>
             <a:r>
-              <a:rPr dirty="0" sz="3000" spc="-25">
-                <a:solidFill>
-                  <a:srgbClr val="3B3B3B"/>
-                </a:solidFill>
-                <a:latin typeface="Arial MT"/>
-                <a:cs typeface="Arial MT"/>
-              </a:rPr>
-              <a:t> </a:t>
-            </a:r>
-            <a:r>
-              <a:rPr dirty="0" sz="3000" spc="-5">
+              <a:rPr sz="3000" spc="-25" dirty="0">
+                <a:solidFill>
+                  <a:srgbClr val="3B3B3B"/>
+                </a:solidFill>
+                <a:latin typeface="Arial MT"/>
+                <a:cs typeface="Arial MT"/>
+              </a:rPr>
+              <a:t> </a:t>
+            </a:r>
+            <a:r>
+              <a:rPr sz="3000" spc="-5" dirty="0">
                 <a:solidFill>
                   <a:srgbClr val="3B3B3B"/>
                 </a:solidFill>
@@ -9801,17 +10088,17 @@
               <a:t>based</a:t>
             </a:r>
             <a:r>
-              <a:rPr dirty="0" sz="3000" spc="-20">
-                <a:solidFill>
-                  <a:srgbClr val="3B3B3B"/>
-                </a:solidFill>
-                <a:latin typeface="Arial MT"/>
-                <a:cs typeface="Arial MT"/>
-              </a:rPr>
-              <a:t> </a:t>
-            </a:r>
-            <a:r>
-              <a:rPr dirty="0" sz="3000" spc="-5">
+              <a:rPr sz="3000" spc="-20" dirty="0">
+                <a:solidFill>
+                  <a:srgbClr val="3B3B3B"/>
+                </a:solidFill>
+                <a:latin typeface="Arial MT"/>
+                <a:cs typeface="Arial MT"/>
+              </a:rPr>
+              <a:t> </a:t>
+            </a:r>
+            <a:r>
+              <a:rPr sz="3000" spc="-5" dirty="0">
                 <a:solidFill>
                   <a:srgbClr val="3B3B3B"/>
                 </a:solidFill>
@@ -9821,17 +10108,17 @@
               <a:t>on</a:t>
             </a:r>
             <a:r>
-              <a:rPr dirty="0" sz="3000" spc="-25">
-                <a:solidFill>
-                  <a:srgbClr val="3B3B3B"/>
-                </a:solidFill>
-                <a:latin typeface="Arial MT"/>
-                <a:cs typeface="Arial MT"/>
-              </a:rPr>
-              <a:t> </a:t>
-            </a:r>
-            <a:r>
-              <a:rPr dirty="0" sz="3000">
+              <a:rPr sz="3000" spc="-25" dirty="0">
+                <a:solidFill>
+                  <a:srgbClr val="3B3B3B"/>
+                </a:solidFill>
+                <a:latin typeface="Arial MT"/>
+                <a:cs typeface="Arial MT"/>
+              </a:rPr>
+              <a:t> </a:t>
+            </a:r>
+            <a:r>
+              <a:rPr sz="3000" dirty="0">
                 <a:solidFill>
                   <a:srgbClr val="3B3B3B"/>
                 </a:solidFill>
@@ -9841,17 +10128,17 @@
               <a:t>sample</a:t>
             </a:r>
             <a:r>
-              <a:rPr dirty="0" sz="3000" spc="-20">
-                <a:solidFill>
-                  <a:srgbClr val="3B3B3B"/>
-                </a:solidFill>
-                <a:latin typeface="Arial MT"/>
-                <a:cs typeface="Arial MT"/>
-              </a:rPr>
-              <a:t> </a:t>
-            </a:r>
-            <a:r>
-              <a:rPr dirty="0" sz="3000" spc="-5">
+              <a:rPr sz="3000" spc="-20" dirty="0">
+                <a:solidFill>
+                  <a:srgbClr val="3B3B3B"/>
+                </a:solidFill>
+                <a:latin typeface="Arial MT"/>
+                <a:cs typeface="Arial MT"/>
+              </a:rPr>
+              <a:t> </a:t>
+            </a:r>
+            <a:r>
+              <a:rPr sz="3000" spc="-5" dirty="0">
                 <a:solidFill>
                   <a:srgbClr val="3B3B3B"/>
                 </a:solidFill>
@@ -9861,17 +10148,17 @@
               <a:t>data</a:t>
             </a:r>
             <a:r>
-              <a:rPr dirty="0" sz="3000" spc="-20">
-                <a:solidFill>
-                  <a:srgbClr val="3B3B3B"/>
-                </a:solidFill>
-                <a:latin typeface="Arial MT"/>
-                <a:cs typeface="Arial MT"/>
-              </a:rPr>
-              <a:t> </a:t>
-            </a:r>
-            <a:r>
-              <a:rPr dirty="0" sz="3000">
+              <a:rPr sz="3000" spc="-20" dirty="0">
+                <a:solidFill>
+                  <a:srgbClr val="3B3B3B"/>
+                </a:solidFill>
+                <a:latin typeface="Arial MT"/>
+                <a:cs typeface="Arial MT"/>
+              </a:rPr>
+              <a:t> </a:t>
+            </a:r>
+            <a:r>
+              <a:rPr sz="3000" dirty="0">
                 <a:solidFill>
                   <a:srgbClr val="3B3B3B"/>
                 </a:solidFill>
@@ -9881,17 +10168,17 @@
               <a:t>("training </a:t>
             </a:r>
             <a:r>
-              <a:rPr dirty="0" sz="3000" spc="-825">
-                <a:solidFill>
-                  <a:srgbClr val="3B3B3B"/>
-                </a:solidFill>
-                <a:latin typeface="Arial MT"/>
-                <a:cs typeface="Arial MT"/>
-              </a:rPr>
-              <a:t> </a:t>
-            </a:r>
-            <a:r>
-              <a:rPr dirty="0" sz="3000" spc="-5">
+              <a:rPr sz="3000" spc="-825" dirty="0">
+                <a:solidFill>
+                  <a:srgbClr val="3B3B3B"/>
+                </a:solidFill>
+                <a:latin typeface="Arial MT"/>
+                <a:cs typeface="Arial MT"/>
+              </a:rPr>
+              <a:t> </a:t>
+            </a:r>
+            <a:r>
+              <a:rPr sz="3000" spc="-5" dirty="0">
                 <a:solidFill>
                   <a:srgbClr val="3B3B3B"/>
                 </a:solidFill>
@@ -9906,7 +10193,7 @@
             </a:endParaRPr>
           </a:p>
           <a:p>
-            <a:pPr algn="just" marL="471170" marR="5080" indent="-459105">
+            <a:pPr marL="471170" marR="5080" indent="-459105" algn="just">
               <a:lnSpc>
                 <a:spcPts val="3600"/>
               </a:lnSpc>
@@ -9919,7 +10206,7 @@
               </a:tabLst>
             </a:pPr>
             <a:r>
-              <a:rPr dirty="0" sz="3000" spc="-5">
+              <a:rPr sz="3000" spc="-5" dirty="0">
                 <a:solidFill>
                   <a:srgbClr val="3B3B3B"/>
                 </a:solidFill>
@@ -9929,7 +10216,7 @@
               <a:t>that </a:t>
             </a:r>
             <a:r>
-              <a:rPr dirty="0" sz="3000">
+              <a:rPr sz="3000" dirty="0">
                 <a:solidFill>
                   <a:srgbClr val="3B3B3B"/>
                 </a:solidFill>
@@ -9939,7 +10226,7 @@
               <a:t>makes </a:t>
             </a:r>
             <a:r>
-              <a:rPr dirty="0" sz="3000" spc="-5">
+              <a:rPr sz="3000" spc="-5" dirty="0">
                 <a:solidFill>
                   <a:srgbClr val="3B3B3B"/>
                 </a:solidFill>
@@ -9949,17 +10236,17 @@
               <a:t>predictions or decisions without </a:t>
             </a:r>
             <a:r>
-              <a:rPr dirty="0" sz="3000" spc="-819">
-                <a:solidFill>
-                  <a:srgbClr val="3B3B3B"/>
-                </a:solidFill>
-                <a:latin typeface="Arial MT"/>
-                <a:cs typeface="Arial MT"/>
-              </a:rPr>
-              <a:t> </a:t>
-            </a:r>
-            <a:r>
-              <a:rPr dirty="0" sz="3000" spc="-5">
+              <a:rPr sz="3000" spc="-819" dirty="0">
+                <a:solidFill>
+                  <a:srgbClr val="3B3B3B"/>
+                </a:solidFill>
+                <a:latin typeface="Arial MT"/>
+                <a:cs typeface="Arial MT"/>
+              </a:rPr>
+              <a:t> </a:t>
+            </a:r>
+            <a:r>
+              <a:rPr sz="3000" spc="-5" dirty="0">
                 <a:solidFill>
                   <a:srgbClr val="3B3B3B"/>
                 </a:solidFill>
@@ -9969,17 +10256,17 @@
               <a:t>being explicitly programmed to perform the </a:t>
             </a:r>
             <a:r>
-              <a:rPr dirty="0" sz="3000" spc="-819">
-                <a:solidFill>
-                  <a:srgbClr val="3B3B3B"/>
-                </a:solidFill>
-                <a:latin typeface="Arial MT"/>
-                <a:cs typeface="Arial MT"/>
-              </a:rPr>
-              <a:t> </a:t>
-            </a:r>
-            <a:r>
-              <a:rPr dirty="0" sz="3000" spc="-5">
+              <a:rPr sz="3000" spc="-819" dirty="0">
+                <a:solidFill>
+                  <a:srgbClr val="3B3B3B"/>
+                </a:solidFill>
+                <a:latin typeface="Arial MT"/>
+                <a:cs typeface="Arial MT"/>
+              </a:rPr>
+              <a:t> </a:t>
+            </a:r>
+            <a:r>
+              <a:rPr sz="3000" spc="-5" dirty="0">
                 <a:solidFill>
                   <a:srgbClr val="3B3B3B"/>
                 </a:solidFill>
@@ -10035,10 +10322,12 @@
             <a:off x="3072953" y="2240540"/>
             <a:ext cx="2997200" cy="574040"/>
           </a:xfrm>
-          <a:prstGeom prst="rect"/>
+          <a:prstGeom prst="rect">
+            <a:avLst/>
+          </a:prstGeom>
         </p:spPr>
         <p:txBody>
-          <a:bodyPr wrap="square" lIns="0" tIns="12700" rIns="0" bIns="0" rtlCol="0" vert="horz">
+          <a:bodyPr vert="horz" wrap="square" lIns="0" tIns="12700" rIns="0" bIns="0" rtlCol="0">
             <a:spAutoFit/>
           </a:bodyPr>
           <a:lstStyle/>
@@ -10052,7 +10341,7 @@
               </a:spcBef>
             </a:pPr>
             <a:r>
-              <a:rPr dirty="0" spc="-5"/>
+              <a:rPr spc="-5" dirty="0"/>
               <a:t>Classification</a:t>
             </a:r>
           </a:p>
@@ -10101,7 +10390,7 @@
             <a:cxnLst/>
             <a:rect l="l" t="t" r="r" b="b"/>
             <a:pathLst>
-              <a:path w="8229600" h="0">
+              <a:path w="8229600">
                 <a:moveTo>
                   <a:pt x="0" y="0"/>
                 </a:moveTo>
@@ -10120,7 +10409,9 @@
         <p:txBody>
           <a:bodyPr wrap="square" lIns="0" tIns="0" rIns="0" bIns="0" rtlCol="0"/>
           <a:lstStyle/>
-          <a:p/>
+          <a:p>
+            <a:endParaRPr/>
+          </a:p>
         </p:txBody>
       </p:sp>
       <p:sp>
@@ -10141,7 +10432,7 @@
             <a:cxnLst/>
             <a:rect l="l" t="t" r="r" b="b"/>
             <a:pathLst>
-              <a:path w="8229600" h="0">
+              <a:path w="8229600">
                 <a:moveTo>
                   <a:pt x="0" y="0"/>
                 </a:moveTo>
@@ -10160,7 +10451,9 @@
         <p:txBody>
           <a:bodyPr wrap="square" lIns="0" tIns="0" rIns="0" bIns="0" rtlCol="0"/>
           <a:lstStyle/>
-          <a:p/>
+          <a:p>
+            <a:endParaRPr/>
+          </a:p>
         </p:txBody>
       </p:sp>
       <p:sp>
@@ -10178,10 +10471,12 @@
             <a:off x="530225" y="212711"/>
             <a:ext cx="5253990" cy="574040"/>
           </a:xfrm>
-          <a:prstGeom prst="rect"/>
+          <a:prstGeom prst="rect">
+            <a:avLst/>
+          </a:prstGeom>
         </p:spPr>
         <p:txBody>
-          <a:bodyPr wrap="square" lIns="0" tIns="12700" rIns="0" bIns="0" rtlCol="0" vert="horz">
+          <a:bodyPr vert="horz" wrap="square" lIns="0" tIns="12700" rIns="0" bIns="0" rtlCol="0">
             <a:spAutoFit/>
           </a:bodyPr>
           <a:lstStyle/>
@@ -10195,15 +10490,15 @@
               </a:spcBef>
             </a:pPr>
             <a:r>
-              <a:rPr dirty="0" spc="-5"/>
+              <a:rPr spc="-5" dirty="0"/>
               <a:t>Classification</a:t>
             </a:r>
             <a:r>
-              <a:rPr dirty="0" spc="-90"/>
-              <a:t> </a:t>
-            </a:r>
-            <a:r>
-              <a:rPr dirty="0" spc="-5"/>
+              <a:rPr spc="-90" dirty="0"/>
+              <a:t> </a:t>
+            </a:r>
+            <a:r>
+              <a:rPr spc="-5" dirty="0"/>
               <a:t>Examples</a:t>
             </a:r>
           </a:p>
@@ -10274,7 +10569,7 @@
             <a:cxnLst/>
             <a:rect l="l" t="t" r="r" b="b"/>
             <a:pathLst>
-              <a:path w="8229600" h="0">
+              <a:path w="8229600">
                 <a:moveTo>
                   <a:pt x="0" y="0"/>
                 </a:moveTo>
@@ -10293,7 +10588,9 @@
         <p:txBody>
           <a:bodyPr wrap="square" lIns="0" tIns="0" rIns="0" bIns="0" rtlCol="0"/>
           <a:lstStyle/>
-          <a:p/>
+          <a:p>
+            <a:endParaRPr/>
+          </a:p>
         </p:txBody>
       </p:sp>
       <p:sp>
@@ -10314,7 +10611,7 @@
             <a:cxnLst/>
             <a:rect l="l" t="t" r="r" b="b"/>
             <a:pathLst>
-              <a:path w="8229600" h="0">
+              <a:path w="8229600">
                 <a:moveTo>
                   <a:pt x="0" y="0"/>
                 </a:moveTo>
@@ -10333,7 +10630,9 @@
         <p:txBody>
           <a:bodyPr wrap="square" lIns="0" tIns="0" rIns="0" bIns="0" rtlCol="0"/>
           <a:lstStyle/>
-          <a:p/>
+          <a:p>
+            <a:endParaRPr/>
+          </a:p>
         </p:txBody>
       </p:sp>
       <p:sp>
@@ -10351,10 +10650,12 @@
             <a:off x="530225" y="212711"/>
             <a:ext cx="5253990" cy="574040"/>
           </a:xfrm>
-          <a:prstGeom prst="rect"/>
+          <a:prstGeom prst="rect">
+            <a:avLst/>
+          </a:prstGeom>
         </p:spPr>
         <p:txBody>
-          <a:bodyPr wrap="square" lIns="0" tIns="12700" rIns="0" bIns="0" rtlCol="0" vert="horz">
+          <a:bodyPr vert="horz" wrap="square" lIns="0" tIns="12700" rIns="0" bIns="0" rtlCol="0">
             <a:spAutoFit/>
           </a:bodyPr>
           <a:lstStyle/>
@@ -10368,15 +10669,15 @@
               </a:spcBef>
             </a:pPr>
             <a:r>
-              <a:rPr dirty="0" spc="-5"/>
+              <a:rPr spc="-5" dirty="0"/>
               <a:t>Classification</a:t>
             </a:r>
             <a:r>
-              <a:rPr dirty="0" spc="-90"/>
-              <a:t> </a:t>
-            </a:r>
-            <a:r>
-              <a:rPr dirty="0" spc="-5"/>
+              <a:rPr spc="-90" dirty="0"/>
+              <a:t> </a:t>
+            </a:r>
+            <a:r>
+              <a:rPr spc="-5" dirty="0"/>
               <a:t>Examples</a:t>
             </a:r>
           </a:p>
@@ -10427,7 +10728,9 @@
         <p:txBody>
           <a:bodyPr wrap="square" lIns="0" tIns="0" rIns="0" bIns="0" rtlCol="0"/>
           <a:lstStyle/>
-          <a:p/>
+          <a:p>
+            <a:endParaRPr/>
+          </a:p>
         </p:txBody>
       </p:sp>
     </p:spTree>
